--- a/PowerShellAutomation/Part_1/PowerShellAzurelAutomation.pptx
+++ b/PowerShellAutomation/Part_1/PowerShellAzurelAutomation.pptx
@@ -5,32 +5,33 @@
     <p:sldMasterId id="2147483660" r:id="rId1"/>
   </p:sldMasterIdLst>
   <p:notesMasterIdLst>
-    <p:notesMasterId r:id="rId25"/>
+    <p:notesMasterId r:id="rId26"/>
   </p:notesMasterIdLst>
   <p:sldIdLst>
-    <p:sldId id="364" r:id="rId2"/>
-    <p:sldId id="388" r:id="rId3"/>
-    <p:sldId id="409" r:id="rId4"/>
-    <p:sldId id="259" r:id="rId5"/>
-    <p:sldId id="361" r:id="rId6"/>
-    <p:sldId id="425" r:id="rId7"/>
-    <p:sldId id="426" r:id="rId8"/>
-    <p:sldId id="407" r:id="rId9"/>
-    <p:sldId id="408" r:id="rId10"/>
-    <p:sldId id="345" r:id="rId11"/>
-    <p:sldId id="405" r:id="rId12"/>
-    <p:sldId id="347" r:id="rId13"/>
-    <p:sldId id="350" r:id="rId14"/>
-    <p:sldId id="349" r:id="rId15"/>
-    <p:sldId id="406" r:id="rId16"/>
-    <p:sldId id="365" r:id="rId17"/>
-    <p:sldId id="352" r:id="rId18"/>
-    <p:sldId id="354" r:id="rId19"/>
-    <p:sldId id="355" r:id="rId20"/>
-    <p:sldId id="356" r:id="rId21"/>
-    <p:sldId id="404" r:id="rId22"/>
-    <p:sldId id="360" r:id="rId23"/>
-    <p:sldId id="305" r:id="rId24"/>
+    <p:sldId id="427" r:id="rId2"/>
+    <p:sldId id="364" r:id="rId3"/>
+    <p:sldId id="388" r:id="rId4"/>
+    <p:sldId id="409" r:id="rId5"/>
+    <p:sldId id="259" r:id="rId6"/>
+    <p:sldId id="361" r:id="rId7"/>
+    <p:sldId id="425" r:id="rId8"/>
+    <p:sldId id="426" r:id="rId9"/>
+    <p:sldId id="407" r:id="rId10"/>
+    <p:sldId id="408" r:id="rId11"/>
+    <p:sldId id="345" r:id="rId12"/>
+    <p:sldId id="405" r:id="rId13"/>
+    <p:sldId id="347" r:id="rId14"/>
+    <p:sldId id="350" r:id="rId15"/>
+    <p:sldId id="349" r:id="rId16"/>
+    <p:sldId id="406" r:id="rId17"/>
+    <p:sldId id="365" r:id="rId18"/>
+    <p:sldId id="352" r:id="rId19"/>
+    <p:sldId id="354" r:id="rId20"/>
+    <p:sldId id="355" r:id="rId21"/>
+    <p:sldId id="356" r:id="rId22"/>
+    <p:sldId id="404" r:id="rId23"/>
+    <p:sldId id="360" r:id="rId24"/>
+    <p:sldId id="305" r:id="rId25"/>
   </p:sldIdLst>
   <p:sldSz cx="12192000" cy="6858000"/>
   <p:notesSz cx="6858000" cy="9144000"/>
@@ -219,7 +220,7 @@
           <a:p>
             <a:fld id="{35E68EC4-A18A-4515-8D00-888390FF31A4}" type="datetimeFigureOut">
               <a:rPr lang="en-US" smtClean="0"/>
-              <a:t>5/12/2018</a:t>
+              <a:t>5/16/2018</a:t>
             </a:fld>
             <a:endParaRPr lang="en-US"/>
           </a:p>
@@ -536,12 +537,12 @@
       </p:sp>
       <p:sp>
         <p:nvSpPr>
-          <p:cNvPr id="4" name="Header Placeholder 3"/>
+          <p:cNvPr id="4" name="Slide Number Placeholder 3"/>
           <p:cNvSpPr>
             <a:spLocks noGrp="1"/>
           </p:cNvSpPr>
           <p:nvPr>
-            <p:ph type="hdr" sz="quarter" idx="10"/>
+            <p:ph type="sldNum" sz="quarter" idx="10"/>
           </p:nvPr>
         </p:nvSpPr>
         <p:spPr/>
@@ -549,115 +550,18 @@
           <a:bodyPr/>
           <a:lstStyle/>
           <a:p>
-            <a:endParaRPr lang="en-US" dirty="0"/>
-          </a:p>
-        </p:txBody>
-      </p:sp>
-      <p:sp>
-        <p:nvSpPr>
-          <p:cNvPr id="5" name="Footer Placeholder 4"/>
-          <p:cNvSpPr>
-            <a:spLocks noGrp="1"/>
-          </p:cNvSpPr>
-          <p:nvPr>
-            <p:ph type="ftr" sz="quarter" idx="11"/>
-          </p:nvPr>
-        </p:nvSpPr>
-        <p:spPr/>
-        <p:txBody>
-          <a:bodyPr/>
-          <a:lstStyle/>
-          <a:p>
-            <a:pPr defTabSz="914099" eaLnBrk="0" hangingPunct="0"/>
-            <a:r>
-              <a:rPr lang="en-US" sz="400">
-                <a:gradFill>
-                  <a:gsLst>
-                    <a:gs pos="0">
-                      <a:prstClr val="black"/>
-                    </a:gs>
-                    <a:gs pos="100000">
-                      <a:prstClr val="black"/>
-                    </a:gs>
-                  </a:gsLst>
-                  <a:lin ang="5400000" scaled="0"/>
-                </a:gradFill>
-                <a:latin typeface="Segoe UI" pitchFamily="34" charset="0"/>
-                <a:ea typeface="Segoe UI" pitchFamily="34" charset="0"/>
-                <a:cs typeface="Segoe UI" pitchFamily="34" charset="0"/>
-              </a:rPr>
-              <a:t>© Microsoft Corporation. All rights reserved. MICROSOFT MAKES NO WARRANTIES, EXPRESS, IMPLIED OR STATUTORY, AS TO THE INFORMATION IN THIS PRESENTATION.</a:t>
-            </a:r>
-            <a:endParaRPr lang="en-US" sz="400" dirty="0">
-              <a:gradFill>
-                <a:gsLst>
-                  <a:gs pos="0">
-                    <a:prstClr val="black"/>
-                  </a:gs>
-                  <a:gs pos="100000">
-                    <a:prstClr val="black"/>
-                  </a:gs>
-                </a:gsLst>
-                <a:lin ang="5400000" scaled="0"/>
-              </a:gradFill>
-              <a:latin typeface="Segoe UI" pitchFamily="34" charset="0"/>
-              <a:ea typeface="Segoe UI" pitchFamily="34" charset="0"/>
-              <a:cs typeface="Segoe UI" pitchFamily="34" charset="0"/>
-            </a:endParaRPr>
-          </a:p>
-        </p:txBody>
-      </p:sp>
-      <p:sp>
-        <p:nvSpPr>
-          <p:cNvPr id="6" name="Date Placeholder 5"/>
-          <p:cNvSpPr>
-            <a:spLocks noGrp="1"/>
-          </p:cNvSpPr>
-          <p:nvPr>
-            <p:ph type="dt" idx="12"/>
-          </p:nvPr>
-        </p:nvSpPr>
-        <p:spPr/>
-        <p:txBody>
-          <a:bodyPr/>
-          <a:lstStyle/>
-          <a:p>
-            <a:fld id="{3313C66B-7AF5-40BA-8933-D16874FF94CC}" type="datetime8">
+            <a:fld id="{61E97053-88AD-40B6-87D4-5337848C12B0}" type="slidenum">
               <a:rPr lang="en-US" smtClean="0"/>
-              <a:t>5/12/2018 5:13 PM</a:t>
-            </a:fld>
-            <a:endParaRPr lang="en-US" dirty="0"/>
-          </a:p>
-        </p:txBody>
-      </p:sp>
-      <p:sp>
-        <p:nvSpPr>
-          <p:cNvPr id="7" name="Slide Number Placeholder 6"/>
-          <p:cNvSpPr>
-            <a:spLocks noGrp="1"/>
-          </p:cNvSpPr>
-          <p:nvPr>
-            <p:ph type="sldNum" sz="quarter" idx="13"/>
-          </p:nvPr>
-        </p:nvSpPr>
-        <p:spPr/>
-        <p:txBody>
-          <a:bodyPr/>
-          <a:lstStyle/>
-          <a:p>
-            <a:fld id="{B4008EB6-D09E-4580-8CD6-DDB14511944F}" type="slidenum">
-              <a:rPr lang="en-US" smtClean="0"/>
-              <a:pPr/>
               <a:t>1</a:t>
             </a:fld>
-            <a:endParaRPr lang="en-US" dirty="0"/>
+            <a:endParaRPr lang="en-US"/>
           </a:p>
         </p:txBody>
       </p:sp>
     </p:spTree>
     <p:extLst>
       <p:ext uri="{BB962C8B-B14F-4D97-AF65-F5344CB8AC3E}">
-        <p14:creationId xmlns:p14="http://schemas.microsoft.com/office/powerpoint/2010/main" val="3927447967"/>
+        <p14:creationId xmlns:p14="http://schemas.microsoft.com/office/powerpoint/2010/main" val="87910029"/>
       </p:ext>
     </p:extLst>
   </p:cSld>
@@ -741,7 +645,7 @@
     </p:spTree>
     <p:extLst>
       <p:ext uri="{BB962C8B-B14F-4D97-AF65-F5344CB8AC3E}">
-        <p14:creationId xmlns:p14="http://schemas.microsoft.com/office/powerpoint/2010/main" val="1613165410"/>
+        <p14:creationId xmlns:p14="http://schemas.microsoft.com/office/powerpoint/2010/main" val="2463072963"/>
       </p:ext>
     </p:extLst>
   </p:cSld>
@@ -825,7 +729,7 @@
     </p:spTree>
     <p:extLst>
       <p:ext uri="{BB962C8B-B14F-4D97-AF65-F5344CB8AC3E}">
-        <p14:creationId xmlns:p14="http://schemas.microsoft.com/office/powerpoint/2010/main" val="1475449670"/>
+        <p14:creationId xmlns:p14="http://schemas.microsoft.com/office/powerpoint/2010/main" val="1613165410"/>
       </p:ext>
     </p:extLst>
   </p:cSld>
@@ -909,7 +813,7 @@
     </p:spTree>
     <p:extLst>
       <p:ext uri="{BB962C8B-B14F-4D97-AF65-F5344CB8AC3E}">
-        <p14:creationId xmlns:p14="http://schemas.microsoft.com/office/powerpoint/2010/main" val="4087373646"/>
+        <p14:creationId xmlns:p14="http://schemas.microsoft.com/office/powerpoint/2010/main" val="1475449670"/>
       </p:ext>
     </p:extLst>
   </p:cSld>
@@ -993,7 +897,7 @@
     </p:spTree>
     <p:extLst>
       <p:ext uri="{BB962C8B-B14F-4D97-AF65-F5344CB8AC3E}">
-        <p14:creationId xmlns:p14="http://schemas.microsoft.com/office/powerpoint/2010/main" val="3715449979"/>
+        <p14:creationId xmlns:p14="http://schemas.microsoft.com/office/powerpoint/2010/main" val="4087373646"/>
       </p:ext>
     </p:extLst>
   </p:cSld>
@@ -1077,7 +981,7 @@
     </p:spTree>
     <p:extLst>
       <p:ext uri="{BB962C8B-B14F-4D97-AF65-F5344CB8AC3E}">
-        <p14:creationId xmlns:p14="http://schemas.microsoft.com/office/powerpoint/2010/main" val="853853818"/>
+        <p14:creationId xmlns:p14="http://schemas.microsoft.com/office/powerpoint/2010/main" val="3715449979"/>
       </p:ext>
     </p:extLst>
   </p:cSld>
@@ -1161,7 +1065,7 @@
     </p:spTree>
     <p:extLst>
       <p:ext uri="{BB962C8B-B14F-4D97-AF65-F5344CB8AC3E}">
-        <p14:creationId xmlns:p14="http://schemas.microsoft.com/office/powerpoint/2010/main" val="3893619020"/>
+        <p14:creationId xmlns:p14="http://schemas.microsoft.com/office/powerpoint/2010/main" val="853853818"/>
       </p:ext>
     </p:extLst>
   </p:cSld>
@@ -1245,7 +1149,7 @@
     </p:spTree>
     <p:extLst>
       <p:ext uri="{BB962C8B-B14F-4D97-AF65-F5344CB8AC3E}">
-        <p14:creationId xmlns:p14="http://schemas.microsoft.com/office/powerpoint/2010/main" val="703151593"/>
+        <p14:creationId xmlns:p14="http://schemas.microsoft.com/office/powerpoint/2010/main" val="3893619020"/>
       </p:ext>
     </p:extLst>
   </p:cSld>
@@ -1329,7 +1233,7 @@
     </p:spTree>
     <p:extLst>
       <p:ext uri="{BB962C8B-B14F-4D97-AF65-F5344CB8AC3E}">
-        <p14:creationId xmlns:p14="http://schemas.microsoft.com/office/powerpoint/2010/main" val="763169134"/>
+        <p14:creationId xmlns:p14="http://schemas.microsoft.com/office/powerpoint/2010/main" val="703151593"/>
       </p:ext>
     </p:extLst>
   </p:cSld>
@@ -1413,7 +1317,7 @@
     </p:spTree>
     <p:extLst>
       <p:ext uri="{BB962C8B-B14F-4D97-AF65-F5344CB8AC3E}">
-        <p14:creationId xmlns:p14="http://schemas.microsoft.com/office/powerpoint/2010/main" val="2053053719"/>
+        <p14:creationId xmlns:p14="http://schemas.microsoft.com/office/powerpoint/2010/main" val="763169134"/>
       </p:ext>
     </p:extLst>
   </p:cSld>
@@ -1497,7 +1401,7 @@
     </p:spTree>
     <p:extLst>
       <p:ext uri="{BB962C8B-B14F-4D97-AF65-F5344CB8AC3E}">
-        <p14:creationId xmlns:p14="http://schemas.microsoft.com/office/powerpoint/2010/main" val="3388686508"/>
+        <p14:creationId xmlns:p14="http://schemas.microsoft.com/office/powerpoint/2010/main" val="2053053719"/>
       </p:ext>
     </p:extLst>
   </p:cSld>
@@ -1557,12 +1461,12 @@
       </p:sp>
       <p:sp>
         <p:nvSpPr>
-          <p:cNvPr id="4" name="Slide Number Placeholder 3"/>
+          <p:cNvPr id="4" name="Header Placeholder 3"/>
           <p:cNvSpPr>
             <a:spLocks noGrp="1"/>
           </p:cNvSpPr>
           <p:nvPr>
-            <p:ph type="sldNum" sz="quarter" idx="10"/>
+            <p:ph type="hdr" sz="quarter" idx="10"/>
           </p:nvPr>
         </p:nvSpPr>
         <p:spPr/>
@@ -1570,18 +1474,115 @@
           <a:bodyPr/>
           <a:lstStyle/>
           <a:p>
-            <a:fld id="{038B71BB-0257-4BFD-AD43-86D62CF45A31}" type="slidenum">
+            <a:endParaRPr lang="en-US" dirty="0"/>
+          </a:p>
+        </p:txBody>
+      </p:sp>
+      <p:sp>
+        <p:nvSpPr>
+          <p:cNvPr id="5" name="Footer Placeholder 4"/>
+          <p:cNvSpPr>
+            <a:spLocks noGrp="1"/>
+          </p:cNvSpPr>
+          <p:nvPr>
+            <p:ph type="ftr" sz="quarter" idx="11"/>
+          </p:nvPr>
+        </p:nvSpPr>
+        <p:spPr/>
+        <p:txBody>
+          <a:bodyPr/>
+          <a:lstStyle/>
+          <a:p>
+            <a:pPr defTabSz="914099" eaLnBrk="0" hangingPunct="0"/>
+            <a:r>
+              <a:rPr lang="en-US" sz="400">
+                <a:gradFill>
+                  <a:gsLst>
+                    <a:gs pos="0">
+                      <a:prstClr val="black"/>
+                    </a:gs>
+                    <a:gs pos="100000">
+                      <a:prstClr val="black"/>
+                    </a:gs>
+                  </a:gsLst>
+                  <a:lin ang="5400000" scaled="0"/>
+                </a:gradFill>
+                <a:latin typeface="Segoe UI" pitchFamily="34" charset="0"/>
+                <a:ea typeface="Segoe UI" pitchFamily="34" charset="0"/>
+                <a:cs typeface="Segoe UI" pitchFamily="34" charset="0"/>
+              </a:rPr>
+              <a:t>© Microsoft Corporation. All rights reserved. MICROSOFT MAKES NO WARRANTIES, EXPRESS, IMPLIED OR STATUTORY, AS TO THE INFORMATION IN THIS PRESENTATION.</a:t>
+            </a:r>
+            <a:endParaRPr lang="en-US" sz="400" dirty="0">
+              <a:gradFill>
+                <a:gsLst>
+                  <a:gs pos="0">
+                    <a:prstClr val="black"/>
+                  </a:gs>
+                  <a:gs pos="100000">
+                    <a:prstClr val="black"/>
+                  </a:gs>
+                </a:gsLst>
+                <a:lin ang="5400000" scaled="0"/>
+              </a:gradFill>
+              <a:latin typeface="Segoe UI" pitchFamily="34" charset="0"/>
+              <a:ea typeface="Segoe UI" pitchFamily="34" charset="0"/>
+              <a:cs typeface="Segoe UI" pitchFamily="34" charset="0"/>
+            </a:endParaRPr>
+          </a:p>
+        </p:txBody>
+      </p:sp>
+      <p:sp>
+        <p:nvSpPr>
+          <p:cNvPr id="6" name="Date Placeholder 5"/>
+          <p:cNvSpPr>
+            <a:spLocks noGrp="1"/>
+          </p:cNvSpPr>
+          <p:nvPr>
+            <p:ph type="dt" idx="12"/>
+          </p:nvPr>
+        </p:nvSpPr>
+        <p:spPr/>
+        <p:txBody>
+          <a:bodyPr/>
+          <a:lstStyle/>
+          <a:p>
+            <a:fld id="{3313C66B-7AF5-40BA-8933-D16874FF94CC}" type="datetime8">
               <a:rPr lang="en-US" smtClean="0"/>
+              <a:t>5/16/2018 7:38 AM</a:t>
+            </a:fld>
+            <a:endParaRPr lang="en-US" dirty="0"/>
+          </a:p>
+        </p:txBody>
+      </p:sp>
+      <p:sp>
+        <p:nvSpPr>
+          <p:cNvPr id="7" name="Slide Number Placeholder 6"/>
+          <p:cNvSpPr>
+            <a:spLocks noGrp="1"/>
+          </p:cNvSpPr>
+          <p:nvPr>
+            <p:ph type="sldNum" sz="quarter" idx="13"/>
+          </p:nvPr>
+        </p:nvSpPr>
+        <p:spPr/>
+        <p:txBody>
+          <a:bodyPr/>
+          <a:lstStyle/>
+          <a:p>
+            <a:fld id="{B4008EB6-D09E-4580-8CD6-DDB14511944F}" type="slidenum">
+              <a:rPr lang="en-US" smtClean="0"/>
+              <a:pPr/>
               <a:t>2</a:t>
             </a:fld>
-            <a:endParaRPr lang="en-US"/>
+            <a:endParaRPr lang="en-US" dirty="0"/>
           </a:p>
         </p:txBody>
       </p:sp>
     </p:spTree>
     <p:extLst>
       <p:ext uri="{BB962C8B-B14F-4D97-AF65-F5344CB8AC3E}">
-        <p14:creationId xmlns:p14="http://schemas.microsoft.com/office/powerpoint/2010/main" val="4183267678"/>
+        <p14:creationId xmlns:p14="http://schemas.microsoft.com/office/powerpoint/2010/main" val="3927447967"/>
       </p:ext>
     </p:extLst>
   </p:cSld>
@@ -1665,7 +1666,7 @@
     </p:spTree>
     <p:extLst>
       <p:ext uri="{BB962C8B-B14F-4D97-AF65-F5344CB8AC3E}">
-        <p14:creationId xmlns:p14="http://schemas.microsoft.com/office/powerpoint/2010/main" val="153230258"/>
+        <p14:creationId xmlns:p14="http://schemas.microsoft.com/office/powerpoint/2010/main" val="3388686508"/>
       </p:ext>
     </p:extLst>
   </p:cSld>
@@ -1725,12 +1726,12 @@
       </p:sp>
       <p:sp>
         <p:nvSpPr>
-          <p:cNvPr id="4" name="Header Placeholder 3"/>
+          <p:cNvPr id="4" name="Slide Number Placeholder 3"/>
           <p:cNvSpPr>
             <a:spLocks noGrp="1"/>
           </p:cNvSpPr>
           <p:nvPr>
-            <p:ph type="hdr" sz="quarter" idx="10"/>
+            <p:ph type="sldNum" sz="quarter" idx="10"/>
           </p:nvPr>
         </p:nvSpPr>
         <p:spPr/>
@@ -1738,115 +1739,18 @@
           <a:bodyPr/>
           <a:lstStyle/>
           <a:p>
-            <a:endParaRPr lang="en-US" dirty="0"/>
-          </a:p>
-        </p:txBody>
-      </p:sp>
-      <p:sp>
-        <p:nvSpPr>
-          <p:cNvPr id="5" name="Footer Placeholder 4"/>
-          <p:cNvSpPr>
-            <a:spLocks noGrp="1"/>
-          </p:cNvSpPr>
-          <p:nvPr>
-            <p:ph type="ftr" sz="quarter" idx="11"/>
-          </p:nvPr>
-        </p:nvSpPr>
-        <p:spPr/>
-        <p:txBody>
-          <a:bodyPr/>
-          <a:lstStyle/>
-          <a:p>
-            <a:pPr defTabSz="914099" eaLnBrk="0" hangingPunct="0"/>
-            <a:r>
-              <a:rPr lang="en-US" sz="400">
-                <a:gradFill>
-                  <a:gsLst>
-                    <a:gs pos="0">
-                      <a:prstClr val="black"/>
-                    </a:gs>
-                    <a:gs pos="100000">
-                      <a:prstClr val="black"/>
-                    </a:gs>
-                  </a:gsLst>
-                  <a:lin ang="5400000" scaled="0"/>
-                </a:gradFill>
-                <a:latin typeface="Segoe UI" pitchFamily="34" charset="0"/>
-                <a:ea typeface="Segoe UI" pitchFamily="34" charset="0"/>
-                <a:cs typeface="Segoe UI" pitchFamily="34" charset="0"/>
-              </a:rPr>
-              <a:t>© Microsoft Corporation. All rights reserved. MICROSOFT MAKES NO WARRANTIES, EXPRESS, IMPLIED OR STATUTORY, AS TO THE INFORMATION IN THIS PRESENTATION.</a:t>
-            </a:r>
-            <a:endParaRPr lang="en-US" sz="400" dirty="0">
-              <a:gradFill>
-                <a:gsLst>
-                  <a:gs pos="0">
-                    <a:prstClr val="black"/>
-                  </a:gs>
-                  <a:gs pos="100000">
-                    <a:prstClr val="black"/>
-                  </a:gs>
-                </a:gsLst>
-                <a:lin ang="5400000" scaled="0"/>
-              </a:gradFill>
-              <a:latin typeface="Segoe UI" pitchFamily="34" charset="0"/>
-              <a:ea typeface="Segoe UI" pitchFamily="34" charset="0"/>
-              <a:cs typeface="Segoe UI" pitchFamily="34" charset="0"/>
-            </a:endParaRPr>
-          </a:p>
-        </p:txBody>
-      </p:sp>
-      <p:sp>
-        <p:nvSpPr>
-          <p:cNvPr id="6" name="Date Placeholder 5"/>
-          <p:cNvSpPr>
-            <a:spLocks noGrp="1"/>
-          </p:cNvSpPr>
-          <p:nvPr>
-            <p:ph type="dt" idx="12"/>
-          </p:nvPr>
-        </p:nvSpPr>
-        <p:spPr/>
-        <p:txBody>
-          <a:bodyPr/>
-          <a:lstStyle/>
-          <a:p>
-            <a:fld id="{34FAA446-E61B-4D43-A3B1-7749AA6DC131}" type="datetime8">
+            <a:fld id="{61E97053-88AD-40B6-87D4-5337848C12B0}" type="slidenum">
               <a:rPr lang="en-US" smtClean="0"/>
-              <a:t>5/12/2018 3:41 PM</a:t>
-            </a:fld>
-            <a:endParaRPr lang="en-US" dirty="0"/>
-          </a:p>
-        </p:txBody>
-      </p:sp>
-      <p:sp>
-        <p:nvSpPr>
-          <p:cNvPr id="7" name="Slide Number Placeholder 6"/>
-          <p:cNvSpPr>
-            <a:spLocks noGrp="1"/>
-          </p:cNvSpPr>
-          <p:nvPr>
-            <p:ph type="sldNum" sz="quarter" idx="13"/>
-          </p:nvPr>
-        </p:nvSpPr>
-        <p:spPr/>
-        <p:txBody>
-          <a:bodyPr/>
-          <a:lstStyle/>
-          <a:p>
-            <a:fld id="{B4008EB6-D09E-4580-8CD6-DDB14511944F}" type="slidenum">
-              <a:rPr lang="en-US" smtClean="0"/>
-              <a:pPr/>
               <a:t>21</a:t>
             </a:fld>
-            <a:endParaRPr lang="en-US" dirty="0"/>
+            <a:endParaRPr lang="en-US"/>
           </a:p>
         </p:txBody>
       </p:sp>
     </p:spTree>
     <p:extLst>
       <p:ext uri="{BB962C8B-B14F-4D97-AF65-F5344CB8AC3E}">
-        <p14:creationId xmlns:p14="http://schemas.microsoft.com/office/powerpoint/2010/main" val="447473278"/>
+        <p14:creationId xmlns:p14="http://schemas.microsoft.com/office/powerpoint/2010/main" val="153230258"/>
       </p:ext>
     </p:extLst>
   </p:cSld>
@@ -1906,12 +1810,12 @@
       </p:sp>
       <p:sp>
         <p:nvSpPr>
-          <p:cNvPr id="4" name="Slide Number Placeholder 3"/>
+          <p:cNvPr id="4" name="Header Placeholder 3"/>
           <p:cNvSpPr>
             <a:spLocks noGrp="1"/>
           </p:cNvSpPr>
           <p:nvPr>
-            <p:ph type="sldNum" sz="quarter" idx="10"/>
+            <p:ph type="hdr" sz="quarter" idx="10"/>
           </p:nvPr>
         </p:nvSpPr>
         <p:spPr/>
@@ -1919,18 +1823,115 @@
           <a:bodyPr/>
           <a:lstStyle/>
           <a:p>
-            <a:fld id="{61E97053-88AD-40B6-87D4-5337848C12B0}" type="slidenum">
+            <a:endParaRPr lang="en-US" dirty="0"/>
+          </a:p>
+        </p:txBody>
+      </p:sp>
+      <p:sp>
+        <p:nvSpPr>
+          <p:cNvPr id="5" name="Footer Placeholder 4"/>
+          <p:cNvSpPr>
+            <a:spLocks noGrp="1"/>
+          </p:cNvSpPr>
+          <p:nvPr>
+            <p:ph type="ftr" sz="quarter" idx="11"/>
+          </p:nvPr>
+        </p:nvSpPr>
+        <p:spPr/>
+        <p:txBody>
+          <a:bodyPr/>
+          <a:lstStyle/>
+          <a:p>
+            <a:pPr defTabSz="914099" eaLnBrk="0" hangingPunct="0"/>
+            <a:r>
+              <a:rPr lang="en-US" sz="400">
+                <a:gradFill>
+                  <a:gsLst>
+                    <a:gs pos="0">
+                      <a:prstClr val="black"/>
+                    </a:gs>
+                    <a:gs pos="100000">
+                      <a:prstClr val="black"/>
+                    </a:gs>
+                  </a:gsLst>
+                  <a:lin ang="5400000" scaled="0"/>
+                </a:gradFill>
+                <a:latin typeface="Segoe UI" pitchFamily="34" charset="0"/>
+                <a:ea typeface="Segoe UI" pitchFamily="34" charset="0"/>
+                <a:cs typeface="Segoe UI" pitchFamily="34" charset="0"/>
+              </a:rPr>
+              <a:t>© Microsoft Corporation. All rights reserved. MICROSOFT MAKES NO WARRANTIES, EXPRESS, IMPLIED OR STATUTORY, AS TO THE INFORMATION IN THIS PRESENTATION.</a:t>
+            </a:r>
+            <a:endParaRPr lang="en-US" sz="400" dirty="0">
+              <a:gradFill>
+                <a:gsLst>
+                  <a:gs pos="0">
+                    <a:prstClr val="black"/>
+                  </a:gs>
+                  <a:gs pos="100000">
+                    <a:prstClr val="black"/>
+                  </a:gs>
+                </a:gsLst>
+                <a:lin ang="5400000" scaled="0"/>
+              </a:gradFill>
+              <a:latin typeface="Segoe UI" pitchFamily="34" charset="0"/>
+              <a:ea typeface="Segoe UI" pitchFamily="34" charset="0"/>
+              <a:cs typeface="Segoe UI" pitchFamily="34" charset="0"/>
+            </a:endParaRPr>
+          </a:p>
+        </p:txBody>
+      </p:sp>
+      <p:sp>
+        <p:nvSpPr>
+          <p:cNvPr id="6" name="Date Placeholder 5"/>
+          <p:cNvSpPr>
+            <a:spLocks noGrp="1"/>
+          </p:cNvSpPr>
+          <p:nvPr>
+            <p:ph type="dt" idx="12"/>
+          </p:nvPr>
+        </p:nvSpPr>
+        <p:spPr/>
+        <p:txBody>
+          <a:bodyPr/>
+          <a:lstStyle/>
+          <a:p>
+            <a:fld id="{34FAA446-E61B-4D43-A3B1-7749AA6DC131}" type="datetime8">
               <a:rPr lang="en-US" smtClean="0"/>
+              <a:t>5/16/2018 7:38 AM</a:t>
+            </a:fld>
+            <a:endParaRPr lang="en-US" dirty="0"/>
+          </a:p>
+        </p:txBody>
+      </p:sp>
+      <p:sp>
+        <p:nvSpPr>
+          <p:cNvPr id="7" name="Slide Number Placeholder 6"/>
+          <p:cNvSpPr>
+            <a:spLocks noGrp="1"/>
+          </p:cNvSpPr>
+          <p:nvPr>
+            <p:ph type="sldNum" sz="quarter" idx="13"/>
+          </p:nvPr>
+        </p:nvSpPr>
+        <p:spPr/>
+        <p:txBody>
+          <a:bodyPr/>
+          <a:lstStyle/>
+          <a:p>
+            <a:fld id="{B4008EB6-D09E-4580-8CD6-DDB14511944F}" type="slidenum">
+              <a:rPr lang="en-US" smtClean="0"/>
+              <a:pPr/>
               <a:t>22</a:t>
             </a:fld>
-            <a:endParaRPr lang="en-US"/>
+            <a:endParaRPr lang="en-US" dirty="0"/>
           </a:p>
         </p:txBody>
       </p:sp>
     </p:spTree>
     <p:extLst>
       <p:ext uri="{BB962C8B-B14F-4D97-AF65-F5344CB8AC3E}">
-        <p14:creationId xmlns:p14="http://schemas.microsoft.com/office/powerpoint/2010/main" val="2662023438"/>
+        <p14:creationId xmlns:p14="http://schemas.microsoft.com/office/powerpoint/2010/main" val="447473278"/>
       </p:ext>
     </p:extLst>
   </p:cSld>
@@ -2006,6 +2007,90 @@
             <a:fld id="{61E97053-88AD-40B6-87D4-5337848C12B0}" type="slidenum">
               <a:rPr lang="en-US" smtClean="0"/>
               <a:t>23</a:t>
+            </a:fld>
+            <a:endParaRPr lang="en-US"/>
+          </a:p>
+        </p:txBody>
+      </p:sp>
+    </p:spTree>
+    <p:extLst>
+      <p:ext uri="{BB962C8B-B14F-4D97-AF65-F5344CB8AC3E}">
+        <p14:creationId xmlns:p14="http://schemas.microsoft.com/office/powerpoint/2010/main" val="2662023438"/>
+      </p:ext>
+    </p:extLst>
+  </p:cSld>
+  <p:clrMapOvr>
+    <a:masterClrMapping/>
+  </p:clrMapOvr>
+</p:notes>
+</file>
+
+<file path=ppt/notesSlides/notesSlide24.xml><?xml version="1.0" encoding="utf-8"?>
+<p:notes xmlns:a="http://schemas.openxmlformats.org/drawingml/2006/main" xmlns:r="http://schemas.openxmlformats.org/officeDocument/2006/relationships" xmlns:p="http://schemas.openxmlformats.org/presentationml/2006/main">
+  <p:cSld>
+    <p:spTree>
+      <p:nvGrpSpPr>
+        <p:cNvPr id="1" name=""/>
+        <p:cNvGrpSpPr/>
+        <p:nvPr/>
+      </p:nvGrpSpPr>
+      <p:grpSpPr>
+        <a:xfrm>
+          <a:off x="0" y="0"/>
+          <a:ext cx="0" cy="0"/>
+          <a:chOff x="0" y="0"/>
+          <a:chExt cx="0" cy="0"/>
+        </a:xfrm>
+      </p:grpSpPr>
+      <p:sp>
+        <p:nvSpPr>
+          <p:cNvPr id="2" name="Slide Image Placeholder 1"/>
+          <p:cNvSpPr>
+            <a:spLocks noGrp="1" noRot="1" noChangeAspect="1"/>
+          </p:cNvSpPr>
+          <p:nvPr>
+            <p:ph type="sldImg"/>
+          </p:nvPr>
+        </p:nvSpPr>
+        <p:spPr/>
+      </p:sp>
+      <p:sp>
+        <p:nvSpPr>
+          <p:cNvPr id="3" name="Notes Placeholder 2"/>
+          <p:cNvSpPr>
+            <a:spLocks noGrp="1"/>
+          </p:cNvSpPr>
+          <p:nvPr>
+            <p:ph type="body" idx="1"/>
+          </p:nvPr>
+        </p:nvSpPr>
+        <p:spPr/>
+        <p:txBody>
+          <a:bodyPr/>
+          <a:lstStyle/>
+          <a:p>
+            <a:endParaRPr lang="en-US"/>
+          </a:p>
+        </p:txBody>
+      </p:sp>
+      <p:sp>
+        <p:nvSpPr>
+          <p:cNvPr id="4" name="Slide Number Placeholder 3"/>
+          <p:cNvSpPr>
+            <a:spLocks noGrp="1"/>
+          </p:cNvSpPr>
+          <p:nvPr>
+            <p:ph type="sldNum" sz="quarter" idx="10"/>
+          </p:nvPr>
+        </p:nvSpPr>
+        <p:spPr/>
+        <p:txBody>
+          <a:bodyPr/>
+          <a:lstStyle/>
+          <a:p>
+            <a:fld id="{61E97053-88AD-40B6-87D4-5337848C12B0}" type="slidenum">
+              <a:rPr lang="en-US" smtClean="0"/>
+              <a:t>24</a:t>
             </a:fld>
             <a:endParaRPr lang="en-US"/>
           </a:p>
@@ -2087,7 +2172,7 @@
           <a:bodyPr/>
           <a:lstStyle/>
           <a:p>
-            <a:fld id="{61E97053-88AD-40B6-87D4-5337848C12B0}" type="slidenum">
+            <a:fld id="{038B71BB-0257-4BFD-AD43-86D62CF45A31}" type="slidenum">
               <a:rPr lang="en-US" smtClean="0"/>
               <a:t>3</a:t>
             </a:fld>
@@ -2098,7 +2183,7 @@
     </p:spTree>
     <p:extLst>
       <p:ext uri="{BB962C8B-B14F-4D97-AF65-F5344CB8AC3E}">
-        <p14:creationId xmlns:p14="http://schemas.microsoft.com/office/powerpoint/2010/main" val="89851625"/>
+        <p14:creationId xmlns:p14="http://schemas.microsoft.com/office/powerpoint/2010/main" val="4183267678"/>
       </p:ext>
     </p:extLst>
   </p:cSld>
@@ -2182,7 +2267,7 @@
     </p:spTree>
     <p:extLst>
       <p:ext uri="{BB962C8B-B14F-4D97-AF65-F5344CB8AC3E}">
-        <p14:creationId xmlns:p14="http://schemas.microsoft.com/office/powerpoint/2010/main" val="1886890665"/>
+        <p14:creationId xmlns:p14="http://schemas.microsoft.com/office/powerpoint/2010/main" val="89851625"/>
       </p:ext>
     </p:extLst>
   </p:cSld>
@@ -2255,7 +2340,7 @@
           <a:bodyPr/>
           <a:lstStyle/>
           <a:p>
-            <a:fld id="{8D4FAE1A-5C3A-447E-AE21-80B97720E816}" type="slidenum">
+            <a:fld id="{61E97053-88AD-40B6-87D4-5337848C12B0}" type="slidenum">
               <a:rPr lang="en-US" smtClean="0"/>
               <a:t>5</a:t>
             </a:fld>
@@ -2266,7 +2351,7 @@
     </p:spTree>
     <p:extLst>
       <p:ext uri="{BB962C8B-B14F-4D97-AF65-F5344CB8AC3E}">
-        <p14:creationId xmlns:p14="http://schemas.microsoft.com/office/powerpoint/2010/main" val="2224889889"/>
+        <p14:creationId xmlns:p14="http://schemas.microsoft.com/office/powerpoint/2010/main" val="1886890665"/>
       </p:ext>
     </p:extLst>
   </p:cSld>
@@ -2303,12 +2388,7 @@
             <p:ph type="sldImg"/>
           </p:nvPr>
         </p:nvSpPr>
-        <p:spPr>
-          <a:xfrm>
-            <a:off x="381000" y="685800"/>
-            <a:ext cx="6096000" cy="3429000"/>
-          </a:xfrm>
-        </p:spPr>
+        <p:spPr/>
       </p:sp>
       <p:sp>
         <p:nvSpPr>
@@ -2344,7 +2424,7 @@
           <a:bodyPr/>
           <a:lstStyle/>
           <a:p>
-            <a:fld id="{0FB07192-A7FA-4150-9E56-93158686606A}" type="slidenum">
+            <a:fld id="{8D4FAE1A-5C3A-447E-AE21-80B97720E816}" type="slidenum">
               <a:rPr lang="en-US" smtClean="0"/>
               <a:t>6</a:t>
             </a:fld>
@@ -2355,7 +2435,7 @@
     </p:spTree>
     <p:extLst>
       <p:ext uri="{BB962C8B-B14F-4D97-AF65-F5344CB8AC3E}">
-        <p14:creationId xmlns:p14="http://schemas.microsoft.com/office/powerpoint/2010/main" val="3778841683"/>
+        <p14:creationId xmlns:p14="http://schemas.microsoft.com/office/powerpoint/2010/main" val="2224889889"/>
       </p:ext>
     </p:extLst>
   </p:cSld>
@@ -2392,7 +2472,12 @@
             <p:ph type="sldImg"/>
           </p:nvPr>
         </p:nvSpPr>
-        <p:spPr/>
+        <p:spPr>
+          <a:xfrm>
+            <a:off x="381000" y="685800"/>
+            <a:ext cx="6096000" cy="3429000"/>
+          </a:xfrm>
+        </p:spPr>
       </p:sp>
       <p:sp>
         <p:nvSpPr>
@@ -2428,7 +2513,7 @@
           <a:bodyPr/>
           <a:lstStyle/>
           <a:p>
-            <a:fld id="{8D4FAE1A-5C3A-447E-AE21-80B97720E816}" type="slidenum">
+            <a:fld id="{0FB07192-A7FA-4150-9E56-93158686606A}" type="slidenum">
               <a:rPr lang="en-US" smtClean="0"/>
               <a:t>7</a:t>
             </a:fld>
@@ -2439,7 +2524,7 @@
     </p:spTree>
     <p:extLst>
       <p:ext uri="{BB962C8B-B14F-4D97-AF65-F5344CB8AC3E}">
-        <p14:creationId xmlns:p14="http://schemas.microsoft.com/office/powerpoint/2010/main" val="260348402"/>
+        <p14:creationId xmlns:p14="http://schemas.microsoft.com/office/powerpoint/2010/main" val="3778841683"/>
       </p:ext>
     </p:extLst>
   </p:cSld>
@@ -2512,7 +2597,7 @@
           <a:bodyPr/>
           <a:lstStyle/>
           <a:p>
-            <a:fld id="{61E97053-88AD-40B6-87D4-5337848C12B0}" type="slidenum">
+            <a:fld id="{8D4FAE1A-5C3A-447E-AE21-80B97720E816}" type="slidenum">
               <a:rPr lang="en-US" smtClean="0"/>
               <a:t>8</a:t>
             </a:fld>
@@ -2523,7 +2608,7 @@
     </p:spTree>
     <p:extLst>
       <p:ext uri="{BB962C8B-B14F-4D97-AF65-F5344CB8AC3E}">
-        <p14:creationId xmlns:p14="http://schemas.microsoft.com/office/powerpoint/2010/main" val="2050372128"/>
+        <p14:creationId xmlns:p14="http://schemas.microsoft.com/office/powerpoint/2010/main" val="260348402"/>
       </p:ext>
     </p:extLst>
   </p:cSld>
@@ -2607,7 +2692,7 @@
     </p:spTree>
     <p:extLst>
       <p:ext uri="{BB962C8B-B14F-4D97-AF65-F5344CB8AC3E}">
-        <p14:creationId xmlns:p14="http://schemas.microsoft.com/office/powerpoint/2010/main" val="2463072963"/>
+        <p14:creationId xmlns:p14="http://schemas.microsoft.com/office/powerpoint/2010/main" val="2050372128"/>
       </p:ext>
     </p:extLst>
   </p:cSld>
@@ -2851,7 +2936,7 @@
           <a:p>
             <a:fld id="{DC0AF5DC-DDEB-4F77-8204-FDACC6386AC0}" type="datetimeFigureOut">
               <a:rPr lang="en-US" smtClean="0"/>
-              <a:t>5/12/2018</a:t>
+              <a:t>5/16/2018</a:t>
             </a:fld>
             <a:endParaRPr lang="en-US"/>
           </a:p>
@@ -3083,7 +3168,7 @@
           <a:p>
             <a:fld id="{DC0AF5DC-DDEB-4F77-8204-FDACC6386AC0}" type="datetimeFigureOut">
               <a:rPr lang="en-US" smtClean="0"/>
-              <a:t>5/12/2018</a:t>
+              <a:t>5/16/2018</a:t>
             </a:fld>
             <a:endParaRPr lang="en-US"/>
           </a:p>
@@ -3363,7 +3448,7 @@
           <a:p>
             <a:fld id="{DC0AF5DC-DDEB-4F77-8204-FDACC6386AC0}" type="datetimeFigureOut">
               <a:rPr lang="en-US" smtClean="0"/>
-              <a:t>5/12/2018</a:t>
+              <a:t>5/16/2018</a:t>
             </a:fld>
             <a:endParaRPr lang="en-US"/>
           </a:p>
@@ -4110,7 +4195,7 @@
           <a:p>
             <a:fld id="{DC0AF5DC-DDEB-4F77-8204-FDACC6386AC0}" type="datetimeFigureOut">
               <a:rPr lang="en-US" smtClean="0"/>
-              <a:t>5/12/2018</a:t>
+              <a:t>5/16/2018</a:t>
             </a:fld>
             <a:endParaRPr lang="en-US"/>
           </a:p>
@@ -4409,7 +4494,7 @@
           <a:p>
             <a:fld id="{DC0AF5DC-DDEB-4F77-8204-FDACC6386AC0}" type="datetimeFigureOut">
               <a:rPr lang="en-US" smtClean="0"/>
-              <a:t>5/12/2018</a:t>
+              <a:t>5/16/2018</a:t>
             </a:fld>
             <a:endParaRPr lang="en-US"/>
           </a:p>
@@ -4812,7 +4897,7 @@
           <a:p>
             <a:fld id="{DC0AF5DC-DDEB-4F77-8204-FDACC6386AC0}" type="datetimeFigureOut">
               <a:rPr lang="en-US" smtClean="0"/>
-              <a:t>5/12/2018</a:t>
+              <a:t>5/16/2018</a:t>
             </a:fld>
             <a:endParaRPr lang="en-US"/>
           </a:p>
@@ -4954,7 +5039,7 @@
           <a:p>
             <a:fld id="{DC0AF5DC-DDEB-4F77-8204-FDACC6386AC0}" type="datetimeFigureOut">
               <a:rPr lang="en-US" smtClean="0"/>
-              <a:t>5/12/2018</a:t>
+              <a:t>5/16/2018</a:t>
             </a:fld>
             <a:endParaRPr lang="en-US"/>
           </a:p>
@@ -5149,7 +5234,7 @@
           <a:p>
             <a:fld id="{DC0AF5DC-DDEB-4F77-8204-FDACC6386AC0}" type="datetimeFigureOut">
               <a:rPr lang="en-US" smtClean="0"/>
-              <a:t>5/12/2018</a:t>
+              <a:t>5/16/2018</a:t>
             </a:fld>
             <a:endParaRPr lang="en-US"/>
           </a:p>
@@ -5522,7 +5607,7 @@
           <a:p>
             <a:fld id="{DC0AF5DC-DDEB-4F77-8204-FDACC6386AC0}" type="datetimeFigureOut">
               <a:rPr lang="en-US" smtClean="0"/>
-              <a:t>5/12/2018</a:t>
+              <a:t>5/16/2018</a:t>
             </a:fld>
             <a:endParaRPr lang="en-US"/>
           </a:p>
@@ -5923,7 +6008,7 @@
           <a:p>
             <a:fld id="{DC0AF5DC-DDEB-4F77-8204-FDACC6386AC0}" type="datetimeFigureOut">
               <a:rPr lang="en-US" smtClean="0"/>
-              <a:t>5/12/2018</a:t>
+              <a:t>5/16/2018</a:t>
             </a:fld>
             <a:endParaRPr lang="en-US"/>
           </a:p>
@@ -6493,6 +6578,3158 @@
 <file path=ppt/slides/slide1.xml><?xml version="1.0" encoding="utf-8"?>
 <p:sld xmlns:a="http://schemas.openxmlformats.org/drawingml/2006/main" xmlns:r="http://schemas.openxmlformats.org/officeDocument/2006/relationships" xmlns:p="http://schemas.openxmlformats.org/presentationml/2006/main">
   <p:cSld>
+    <p:spTree>
+      <p:nvGrpSpPr>
+        <p:cNvPr id="1" name=""/>
+        <p:cNvGrpSpPr/>
+        <p:nvPr/>
+      </p:nvGrpSpPr>
+      <p:grpSpPr>
+        <a:xfrm>
+          <a:off x="0" y="0"/>
+          <a:ext cx="0" cy="0"/>
+          <a:chOff x="0" y="0"/>
+          <a:chExt cx="0" cy="0"/>
+        </a:xfrm>
+      </p:grpSpPr>
+      <p:sp>
+        <p:nvSpPr>
+          <p:cNvPr id="6" name="Title 3"/>
+          <p:cNvSpPr txBox="1">
+            <a:spLocks/>
+          </p:cNvSpPr>
+          <p:nvPr/>
+        </p:nvSpPr>
+        <p:spPr>
+          <a:xfrm>
+            <a:off x="0" y="0"/>
+            <a:ext cx="12192000" cy="792459"/>
+          </a:xfrm>
+          <a:prstGeom prst="rect">
+            <a:avLst/>
+          </a:prstGeom>
+          <a:solidFill>
+            <a:schemeClr val="bg1"/>
+          </a:solidFill>
+        </p:spPr>
+        <p:txBody>
+          <a:bodyPr vert="horz" lIns="91440" tIns="45720" rIns="91440" bIns="45720" rtlCol="0" anchor="b">
+            <a:normAutofit/>
+          </a:bodyPr>
+          <a:lstStyle>
+            <a:lvl1pPr algn="ctr" defTabSz="914400" rtl="0" eaLnBrk="1" latinLnBrk="0" hangingPunct="1">
+              <a:lnSpc>
+                <a:spcPct val="90000"/>
+              </a:lnSpc>
+              <a:spcBef>
+                <a:spcPct val="0"/>
+              </a:spcBef>
+              <a:buNone/>
+              <a:defRPr sz="6000" kern="1200">
+                <a:solidFill>
+                  <a:schemeClr val="tx1"/>
+                </a:solidFill>
+                <a:latin typeface="+mj-lt"/>
+                <a:ea typeface="+mj-ea"/>
+                <a:cs typeface="+mj-cs"/>
+              </a:defRPr>
+            </a:lvl1pPr>
+          </a:lstStyle>
+          <a:p>
+            <a:r>
+              <a:rPr lang="en-US" sz="4000" dirty="0">
+                <a:solidFill>
+                  <a:srgbClr val="00359E"/>
+                </a:solidFill>
+                <a:latin typeface="Arial Rounded MT Bold" panose="020F0704030504030204" pitchFamily="34" charset="0"/>
+              </a:rPr>
+              <a:t>Welcome!!!</a:t>
+            </a:r>
+          </a:p>
+        </p:txBody>
+      </p:sp>
+      <p:pic>
+        <p:nvPicPr>
+          <p:cNvPr id="2" name="Picture 1">
+            <a:extLst>
+              <a:ext uri="{FF2B5EF4-FFF2-40B4-BE49-F238E27FC236}">
+                <a16:creationId xmlns:a16="http://schemas.microsoft.com/office/drawing/2014/main" id="{9D5B348C-A2F4-48C1-9AB4-6FCA3EEFF21C}"/>
+              </a:ext>
+            </a:extLst>
+          </p:cNvPr>
+          <p:cNvPicPr>
+            <a:picLocks noChangeAspect="1"/>
+          </p:cNvPicPr>
+          <p:nvPr/>
+        </p:nvPicPr>
+        <p:blipFill>
+          <a:blip r:embed="rId3"/>
+          <a:stretch>
+            <a:fillRect/>
+          </a:stretch>
+        </p:blipFill>
+        <p:spPr>
+          <a:xfrm>
+            <a:off x="0" y="1252275"/>
+            <a:ext cx="12192000" cy="5224025"/>
+          </a:xfrm>
+          <a:prstGeom prst="rect">
+            <a:avLst/>
+          </a:prstGeom>
+        </p:spPr>
+      </p:pic>
+      <p:sp>
+        <p:nvSpPr>
+          <p:cNvPr id="3" name="Rectangle 2">
+            <a:extLst>
+              <a:ext uri="{FF2B5EF4-FFF2-40B4-BE49-F238E27FC236}">
+                <a16:creationId xmlns:a16="http://schemas.microsoft.com/office/drawing/2014/main" id="{3D523004-C9C7-4C81-B11A-7872B0DAED4E}"/>
+              </a:ext>
+            </a:extLst>
+          </p:cNvPr>
+          <p:cNvSpPr/>
+          <p:nvPr/>
+        </p:nvSpPr>
+        <p:spPr>
+          <a:xfrm>
+            <a:off x="0" y="6258187"/>
+            <a:ext cx="12192000" cy="679508"/>
+          </a:xfrm>
+          <a:prstGeom prst="rect">
+            <a:avLst/>
+          </a:prstGeom>
+          <a:solidFill>
+            <a:srgbClr val="1920A3"/>
+          </a:solidFill>
+          <a:ln>
+            <a:solidFill>
+              <a:srgbClr val="00359E"/>
+            </a:solidFill>
+          </a:ln>
+        </p:spPr>
+        <p:style>
+          <a:lnRef idx="2">
+            <a:schemeClr val="accent1">
+              <a:shade val="50000"/>
+            </a:schemeClr>
+          </a:lnRef>
+          <a:fillRef idx="1">
+            <a:schemeClr val="accent1"/>
+          </a:fillRef>
+          <a:effectRef idx="0">
+            <a:schemeClr val="accent1"/>
+          </a:effectRef>
+          <a:fontRef idx="minor">
+            <a:schemeClr val="lt1"/>
+          </a:fontRef>
+        </p:style>
+        <p:txBody>
+          <a:bodyPr rtlCol="0" anchor="ctr"/>
+          <a:lstStyle/>
+          <a:p>
+            <a:pPr algn="ctr"/>
+            <a:endParaRPr lang="en-US"/>
+          </a:p>
+        </p:txBody>
+      </p:sp>
+    </p:spTree>
+    <p:extLst>
+      <p:ext uri="{BB962C8B-B14F-4D97-AF65-F5344CB8AC3E}">
+        <p14:creationId xmlns:p14="http://schemas.microsoft.com/office/powerpoint/2010/main" val="3200941467"/>
+      </p:ext>
+    </p:extLst>
+  </p:cSld>
+  <p:clrMapOvr>
+    <a:masterClrMapping/>
+  </p:clrMapOvr>
+</p:sld>
+</file>
+
+<file path=ppt/slides/slide10.xml><?xml version="1.0" encoding="utf-8"?>
+<p:sld xmlns:a="http://schemas.openxmlformats.org/drawingml/2006/main" xmlns:r="http://schemas.openxmlformats.org/officeDocument/2006/relationships" xmlns:p="http://schemas.openxmlformats.org/presentationml/2006/main">
+  <p:cSld>
+    <p:spTree>
+      <p:nvGrpSpPr>
+        <p:cNvPr id="1" name=""/>
+        <p:cNvGrpSpPr/>
+        <p:nvPr/>
+      </p:nvGrpSpPr>
+      <p:grpSpPr>
+        <a:xfrm>
+          <a:off x="0" y="0"/>
+          <a:ext cx="0" cy="0"/>
+          <a:chOff x="0" y="0"/>
+          <a:chExt cx="0" cy="0"/>
+        </a:xfrm>
+      </p:grpSpPr>
+      <p:sp>
+        <p:nvSpPr>
+          <p:cNvPr id="2" name="Rectangle 1">
+            <a:extLst>
+              <a:ext uri="{FF2B5EF4-FFF2-40B4-BE49-F238E27FC236}">
+                <a16:creationId xmlns:a16="http://schemas.microsoft.com/office/drawing/2014/main" id="{466E9656-2788-4BA8-9CE7-EEA26B60BCE2}"/>
+              </a:ext>
+            </a:extLst>
+          </p:cNvPr>
+          <p:cNvSpPr/>
+          <p:nvPr/>
+        </p:nvSpPr>
+        <p:spPr>
+          <a:xfrm>
+            <a:off x="0" y="-18229"/>
+            <a:ext cx="12192000" cy="870012"/>
+          </a:xfrm>
+          <a:prstGeom prst="rect">
+            <a:avLst/>
+          </a:prstGeom>
+          <a:solidFill>
+            <a:srgbClr val="00359E"/>
+          </a:solidFill>
+          <a:ln>
+            <a:solidFill>
+              <a:srgbClr val="00359E"/>
+            </a:solidFill>
+          </a:ln>
+        </p:spPr>
+        <p:style>
+          <a:lnRef idx="2">
+            <a:schemeClr val="accent1">
+              <a:shade val="50000"/>
+            </a:schemeClr>
+          </a:lnRef>
+          <a:fillRef idx="1">
+            <a:schemeClr val="accent1"/>
+          </a:fillRef>
+          <a:effectRef idx="0">
+            <a:schemeClr val="accent1"/>
+          </a:effectRef>
+          <a:fontRef idx="minor">
+            <a:schemeClr val="lt1"/>
+          </a:fontRef>
+        </p:style>
+        <p:txBody>
+          <a:bodyPr rtlCol="0" anchor="ctr"/>
+          <a:lstStyle/>
+          <a:p>
+            <a:pPr algn="ctr"/>
+            <a:endParaRPr lang="en-US"/>
+          </a:p>
+        </p:txBody>
+      </p:sp>
+      <p:sp>
+        <p:nvSpPr>
+          <p:cNvPr id="4" name="Rectangle 3"/>
+          <p:cNvSpPr/>
+          <p:nvPr/>
+        </p:nvSpPr>
+        <p:spPr>
+          <a:xfrm>
+            <a:off x="0" y="851783"/>
+            <a:ext cx="12192000" cy="6123965"/>
+          </a:xfrm>
+          <a:prstGeom prst="rect">
+            <a:avLst/>
+          </a:prstGeom>
+          <a:solidFill>
+            <a:srgbClr val="00359E"/>
+          </a:solidFill>
+          <a:ln>
+            <a:solidFill>
+              <a:srgbClr val="00359E"/>
+            </a:solidFill>
+          </a:ln>
+        </p:spPr>
+        <p:style>
+          <a:lnRef idx="2">
+            <a:schemeClr val="accent1">
+              <a:shade val="50000"/>
+            </a:schemeClr>
+          </a:lnRef>
+          <a:fillRef idx="1">
+            <a:schemeClr val="accent1"/>
+          </a:fillRef>
+          <a:effectRef idx="0">
+            <a:schemeClr val="accent1"/>
+          </a:effectRef>
+          <a:fontRef idx="minor">
+            <a:schemeClr val="lt1"/>
+          </a:fontRef>
+        </p:style>
+        <p:txBody>
+          <a:bodyPr rtlCol="0" anchor="ctr"/>
+          <a:lstStyle/>
+          <a:p>
+            <a:pPr algn="ctr"/>
+            <a:endParaRPr lang="en-US" sz="4000" dirty="0">
+              <a:solidFill>
+                <a:schemeClr val="bg1"/>
+              </a:solidFill>
+              <a:latin typeface="Arial" panose="020B0604020202020204" pitchFamily="34" charset="0"/>
+              <a:cs typeface="Arial" panose="020B0604020202020204" pitchFamily="34" charset="0"/>
+            </a:endParaRPr>
+          </a:p>
+        </p:txBody>
+      </p:sp>
+      <p:sp>
+        <p:nvSpPr>
+          <p:cNvPr id="6" name="Title 3"/>
+          <p:cNvSpPr txBox="1">
+            <a:spLocks/>
+          </p:cNvSpPr>
+          <p:nvPr/>
+        </p:nvSpPr>
+        <p:spPr>
+          <a:xfrm>
+            <a:off x="0" y="59324"/>
+            <a:ext cx="12192000" cy="792459"/>
+          </a:xfrm>
+          <a:prstGeom prst="rect">
+            <a:avLst/>
+          </a:prstGeom>
+        </p:spPr>
+        <p:txBody>
+          <a:bodyPr vert="horz" lIns="91440" tIns="45720" rIns="91440" bIns="45720" rtlCol="0" anchor="b">
+            <a:normAutofit/>
+          </a:bodyPr>
+          <a:lstStyle>
+            <a:lvl1pPr algn="ctr" defTabSz="914400" rtl="0" eaLnBrk="1" latinLnBrk="0" hangingPunct="1">
+              <a:lnSpc>
+                <a:spcPct val="90000"/>
+              </a:lnSpc>
+              <a:spcBef>
+                <a:spcPct val="0"/>
+              </a:spcBef>
+              <a:buNone/>
+              <a:defRPr sz="6000" kern="1200">
+                <a:solidFill>
+                  <a:schemeClr val="tx1"/>
+                </a:solidFill>
+                <a:latin typeface="+mj-lt"/>
+                <a:ea typeface="+mj-ea"/>
+                <a:cs typeface="+mj-cs"/>
+              </a:defRPr>
+            </a:lvl1pPr>
+          </a:lstStyle>
+          <a:p>
+            <a:r>
+              <a:rPr lang="en-US" sz="4000" dirty="0">
+                <a:solidFill>
+                  <a:schemeClr val="bg1"/>
+                </a:solidFill>
+                <a:latin typeface="Arial Rounded MT Bold" panose="020F0704030504030204" pitchFamily="34" charset="0"/>
+              </a:rPr>
+              <a:t>Azure Hybrid Runbook Worker</a:t>
+            </a:r>
+          </a:p>
+        </p:txBody>
+      </p:sp>
+      <p:pic>
+        <p:nvPicPr>
+          <p:cNvPr id="7" name="Picture 6">
+            <a:extLst>
+              <a:ext uri="{FF2B5EF4-FFF2-40B4-BE49-F238E27FC236}">
+                <a16:creationId xmlns:a16="http://schemas.microsoft.com/office/drawing/2014/main" id="{D3EB526B-FBDD-4D54-9D57-7B58C251D1F7}"/>
+              </a:ext>
+            </a:extLst>
+          </p:cNvPr>
+          <p:cNvPicPr>
+            <a:picLocks noChangeAspect="1"/>
+          </p:cNvPicPr>
+          <p:nvPr/>
+        </p:nvPicPr>
+        <p:blipFill>
+          <a:blip r:embed="rId3"/>
+          <a:stretch>
+            <a:fillRect/>
+          </a:stretch>
+        </p:blipFill>
+        <p:spPr>
+          <a:xfrm>
+            <a:off x="1778466" y="1173280"/>
+            <a:ext cx="8086900" cy="4832936"/>
+          </a:xfrm>
+          <a:prstGeom prst="rect">
+            <a:avLst/>
+          </a:prstGeom>
+        </p:spPr>
+      </p:pic>
+      <p:sp>
+        <p:nvSpPr>
+          <p:cNvPr id="8" name="Rectangle 7">
+            <a:extLst>
+              <a:ext uri="{FF2B5EF4-FFF2-40B4-BE49-F238E27FC236}">
+                <a16:creationId xmlns:a16="http://schemas.microsoft.com/office/drawing/2014/main" id="{6742449E-5722-4250-84B3-BB4C9F5B07A2}"/>
+              </a:ext>
+            </a:extLst>
+          </p:cNvPr>
+          <p:cNvSpPr/>
+          <p:nvPr/>
+        </p:nvSpPr>
+        <p:spPr>
+          <a:xfrm>
+            <a:off x="1680594" y="6327713"/>
+            <a:ext cx="10726723" cy="369332"/>
+          </a:xfrm>
+          <a:prstGeom prst="rect">
+            <a:avLst/>
+          </a:prstGeom>
+        </p:spPr>
+        <p:txBody>
+          <a:bodyPr wrap="square">
+            <a:spAutoFit/>
+          </a:bodyPr>
+          <a:lstStyle/>
+          <a:p>
+            <a:r>
+              <a:rPr lang="en-US" dirty="0">
+                <a:hlinkClick r:id="rId4"/>
+              </a:rPr>
+              <a:t>https://docs.microsoft.com/en-us/azure/automation/automation-hybrid-runbook-worker</a:t>
+            </a:r>
+            <a:endParaRPr lang="en-US" dirty="0"/>
+          </a:p>
+        </p:txBody>
+      </p:sp>
+    </p:spTree>
+    <p:extLst>
+      <p:ext uri="{BB962C8B-B14F-4D97-AF65-F5344CB8AC3E}">
+        <p14:creationId xmlns:p14="http://schemas.microsoft.com/office/powerpoint/2010/main" val="2399560839"/>
+      </p:ext>
+    </p:extLst>
+  </p:cSld>
+  <p:clrMapOvr>
+    <a:masterClrMapping/>
+  </p:clrMapOvr>
+</p:sld>
+</file>
+
+<file path=ppt/slides/slide11.xml><?xml version="1.0" encoding="utf-8"?>
+<p:sld xmlns:a="http://schemas.openxmlformats.org/drawingml/2006/main" xmlns:r="http://schemas.openxmlformats.org/officeDocument/2006/relationships" xmlns:p="http://schemas.openxmlformats.org/presentationml/2006/main">
+  <p:cSld>
+    <p:spTree>
+      <p:nvGrpSpPr>
+        <p:cNvPr id="1" name=""/>
+        <p:cNvGrpSpPr/>
+        <p:nvPr/>
+      </p:nvGrpSpPr>
+      <p:grpSpPr>
+        <a:xfrm>
+          <a:off x="0" y="0"/>
+          <a:ext cx="0" cy="0"/>
+          <a:chOff x="0" y="0"/>
+          <a:chExt cx="0" cy="0"/>
+        </a:xfrm>
+      </p:grpSpPr>
+      <p:sp>
+        <p:nvSpPr>
+          <p:cNvPr id="4" name="Rectangle 3"/>
+          <p:cNvSpPr/>
+          <p:nvPr/>
+        </p:nvSpPr>
+        <p:spPr>
+          <a:xfrm>
+            <a:off x="0" y="851783"/>
+            <a:ext cx="12192000" cy="6123965"/>
+          </a:xfrm>
+          <a:prstGeom prst="rect">
+            <a:avLst/>
+          </a:prstGeom>
+          <a:solidFill>
+            <a:srgbClr val="00359E"/>
+          </a:solidFill>
+          <a:ln>
+            <a:solidFill>
+              <a:srgbClr val="00359E"/>
+            </a:solidFill>
+          </a:ln>
+        </p:spPr>
+        <p:style>
+          <a:lnRef idx="2">
+            <a:schemeClr val="accent1">
+              <a:shade val="50000"/>
+            </a:schemeClr>
+          </a:lnRef>
+          <a:fillRef idx="1">
+            <a:schemeClr val="accent1"/>
+          </a:fillRef>
+          <a:effectRef idx="0">
+            <a:schemeClr val="accent1"/>
+          </a:effectRef>
+          <a:fontRef idx="minor">
+            <a:schemeClr val="lt1"/>
+          </a:fontRef>
+        </p:style>
+        <p:txBody>
+          <a:bodyPr rtlCol="0" anchor="ctr"/>
+          <a:lstStyle/>
+          <a:p>
+            <a:pPr algn="ctr"/>
+            <a:endParaRPr lang="en-US" sz="4000" dirty="0">
+              <a:solidFill>
+                <a:schemeClr val="bg1"/>
+              </a:solidFill>
+              <a:latin typeface="Arial" panose="020B0604020202020204" pitchFamily="34" charset="0"/>
+              <a:cs typeface="Arial" panose="020B0604020202020204" pitchFamily="34" charset="0"/>
+            </a:endParaRPr>
+          </a:p>
+        </p:txBody>
+      </p:sp>
+      <p:sp>
+        <p:nvSpPr>
+          <p:cNvPr id="3" name="TextBox 2">
+            <a:extLst>
+              <a:ext uri="{FF2B5EF4-FFF2-40B4-BE49-F238E27FC236}">
+                <a16:creationId xmlns:a16="http://schemas.microsoft.com/office/drawing/2014/main" id="{8820F06A-5A76-4928-9D79-B50D8CD0E691}"/>
+              </a:ext>
+            </a:extLst>
+          </p:cNvPr>
+          <p:cNvSpPr txBox="1"/>
+          <p:nvPr/>
+        </p:nvSpPr>
+        <p:spPr>
+          <a:xfrm>
+            <a:off x="0" y="82342"/>
+            <a:ext cx="12192000" cy="769441"/>
+          </a:xfrm>
+          <a:prstGeom prst="rect">
+            <a:avLst/>
+          </a:prstGeom>
+          <a:solidFill>
+            <a:srgbClr val="00359E"/>
+          </a:solidFill>
+          <a:ln>
+            <a:solidFill>
+              <a:srgbClr val="00359E"/>
+            </a:solidFill>
+          </a:ln>
+        </p:spPr>
+        <p:txBody>
+          <a:bodyPr wrap="square" rtlCol="0">
+            <a:spAutoFit/>
+          </a:bodyPr>
+          <a:lstStyle/>
+          <a:p>
+            <a:pPr algn="ctr"/>
+            <a:r>
+              <a:rPr lang="en-US" sz="4400" dirty="0">
+                <a:solidFill>
+                  <a:schemeClr val="bg1"/>
+                </a:solidFill>
+                <a:latin typeface="Arial Rounded MT Bold" panose="020F0704030504030204" pitchFamily="34" charset="0"/>
+                <a:cs typeface="Arial" panose="020B0604020202020204" pitchFamily="34" charset="0"/>
+              </a:rPr>
+              <a:t>Demo (Portal)</a:t>
+            </a:r>
+          </a:p>
+        </p:txBody>
+      </p:sp>
+      <p:pic>
+        <p:nvPicPr>
+          <p:cNvPr id="5" name="Picture 4" descr="A screenshot of a computer&#10;&#10;Description generated with very high confidence">
+            <a:extLst>
+              <a:ext uri="{FF2B5EF4-FFF2-40B4-BE49-F238E27FC236}">
+                <a16:creationId xmlns:a16="http://schemas.microsoft.com/office/drawing/2014/main" id="{DF94A345-4A4A-4244-8BBC-8753EC5D58AF}"/>
+              </a:ext>
+            </a:extLst>
+          </p:cNvPr>
+          <p:cNvPicPr>
+            <a:picLocks noChangeAspect="1"/>
+          </p:cNvPicPr>
+          <p:nvPr/>
+        </p:nvPicPr>
+        <p:blipFill>
+          <a:blip r:embed="rId3">
+            <a:extLst>
+              <a:ext uri="{28A0092B-C50C-407E-A947-70E740481C1C}">
+                <a14:useLocalDpi xmlns:a14="http://schemas.microsoft.com/office/drawing/2010/main" val="0"/>
+              </a:ext>
+            </a:extLst>
+          </a:blip>
+          <a:stretch>
+            <a:fillRect/>
+          </a:stretch>
+        </p:blipFill>
+        <p:spPr>
+          <a:xfrm>
+            <a:off x="2029021" y="1275990"/>
+            <a:ext cx="8197330" cy="5324761"/>
+          </a:xfrm>
+          <a:prstGeom prst="rect">
+            <a:avLst/>
+          </a:prstGeom>
+        </p:spPr>
+      </p:pic>
+    </p:spTree>
+    <p:extLst>
+      <p:ext uri="{BB962C8B-B14F-4D97-AF65-F5344CB8AC3E}">
+        <p14:creationId xmlns:p14="http://schemas.microsoft.com/office/powerpoint/2010/main" val="2204700184"/>
+      </p:ext>
+    </p:extLst>
+  </p:cSld>
+  <p:clrMapOvr>
+    <a:masterClrMapping/>
+  </p:clrMapOvr>
+</p:sld>
+</file>
+
+<file path=ppt/slides/slide12.xml><?xml version="1.0" encoding="utf-8"?>
+<p:sld xmlns:a="http://schemas.openxmlformats.org/drawingml/2006/main" xmlns:r="http://schemas.openxmlformats.org/officeDocument/2006/relationships" xmlns:p="http://schemas.openxmlformats.org/presentationml/2006/main">
+  <p:cSld>
+    <p:spTree>
+      <p:nvGrpSpPr>
+        <p:cNvPr id="1" name=""/>
+        <p:cNvGrpSpPr/>
+        <p:nvPr/>
+      </p:nvGrpSpPr>
+      <p:grpSpPr>
+        <a:xfrm>
+          <a:off x="0" y="0"/>
+          <a:ext cx="0" cy="0"/>
+          <a:chOff x="0" y="0"/>
+          <a:chExt cx="0" cy="0"/>
+        </a:xfrm>
+      </p:grpSpPr>
+      <p:sp>
+        <p:nvSpPr>
+          <p:cNvPr id="4" name="Rectangle 3"/>
+          <p:cNvSpPr/>
+          <p:nvPr/>
+        </p:nvSpPr>
+        <p:spPr>
+          <a:xfrm>
+            <a:off x="0" y="822722"/>
+            <a:ext cx="12192000" cy="6123965"/>
+          </a:xfrm>
+          <a:prstGeom prst="rect">
+            <a:avLst/>
+          </a:prstGeom>
+          <a:solidFill>
+            <a:srgbClr val="00359E"/>
+          </a:solidFill>
+          <a:ln>
+            <a:solidFill>
+              <a:srgbClr val="00359E"/>
+            </a:solidFill>
+          </a:ln>
+        </p:spPr>
+        <p:style>
+          <a:lnRef idx="2">
+            <a:schemeClr val="accent1">
+              <a:shade val="50000"/>
+            </a:schemeClr>
+          </a:lnRef>
+          <a:fillRef idx="1">
+            <a:schemeClr val="accent1"/>
+          </a:fillRef>
+          <a:effectRef idx="0">
+            <a:schemeClr val="accent1"/>
+          </a:effectRef>
+          <a:fontRef idx="minor">
+            <a:schemeClr val="lt1"/>
+          </a:fontRef>
+        </p:style>
+        <p:txBody>
+          <a:bodyPr rtlCol="0" anchor="ctr"/>
+          <a:lstStyle/>
+          <a:p>
+            <a:pPr algn="ctr"/>
+            <a:endParaRPr lang="en-US" sz="4000" dirty="0">
+              <a:solidFill>
+                <a:schemeClr val="bg1"/>
+              </a:solidFill>
+              <a:latin typeface="Arial" panose="020B0604020202020204" pitchFamily="34" charset="0"/>
+              <a:cs typeface="Arial" panose="020B0604020202020204" pitchFamily="34" charset="0"/>
+            </a:endParaRPr>
+          </a:p>
+        </p:txBody>
+      </p:sp>
+      <p:sp>
+        <p:nvSpPr>
+          <p:cNvPr id="6" name="Title 3"/>
+          <p:cNvSpPr txBox="1">
+            <a:spLocks/>
+          </p:cNvSpPr>
+          <p:nvPr/>
+        </p:nvSpPr>
+        <p:spPr>
+          <a:xfrm>
+            <a:off x="-67432" y="15326"/>
+            <a:ext cx="12326863" cy="792459"/>
+          </a:xfrm>
+          <a:prstGeom prst="rect">
+            <a:avLst/>
+          </a:prstGeom>
+          <a:solidFill>
+            <a:schemeClr val="bg1"/>
+          </a:solidFill>
+        </p:spPr>
+        <p:txBody>
+          <a:bodyPr vert="horz" lIns="91440" tIns="45720" rIns="91440" bIns="45720" rtlCol="0" anchor="b">
+            <a:normAutofit/>
+          </a:bodyPr>
+          <a:lstStyle>
+            <a:lvl1pPr algn="ctr" defTabSz="914400" rtl="0" eaLnBrk="1" latinLnBrk="0" hangingPunct="1">
+              <a:lnSpc>
+                <a:spcPct val="90000"/>
+              </a:lnSpc>
+              <a:spcBef>
+                <a:spcPct val="0"/>
+              </a:spcBef>
+              <a:buNone/>
+              <a:defRPr sz="6000" kern="1200">
+                <a:solidFill>
+                  <a:schemeClr val="tx1"/>
+                </a:solidFill>
+                <a:latin typeface="+mj-lt"/>
+                <a:ea typeface="+mj-ea"/>
+                <a:cs typeface="+mj-cs"/>
+              </a:defRPr>
+            </a:lvl1pPr>
+          </a:lstStyle>
+          <a:p>
+            <a:r>
+              <a:rPr lang="en-US" sz="4000" dirty="0">
+                <a:solidFill>
+                  <a:srgbClr val="0070C0"/>
+                </a:solidFill>
+                <a:latin typeface="Arial Rounded MT Bold" panose="020F0704030504030204" pitchFamily="34" charset="0"/>
+              </a:rPr>
+              <a:t>Using Azure Automation Services</a:t>
+            </a:r>
+          </a:p>
+        </p:txBody>
+      </p:sp>
+      <p:pic>
+        <p:nvPicPr>
+          <p:cNvPr id="8" name="Picture 7" descr="A close up of a sign&#10;&#10;Description generated with high confidence">
+            <a:extLst>
+              <a:ext uri="{FF2B5EF4-FFF2-40B4-BE49-F238E27FC236}">
+                <a16:creationId xmlns:a16="http://schemas.microsoft.com/office/drawing/2014/main" id="{9EED186F-FED9-421A-8251-9F42D4FDBF30}"/>
+              </a:ext>
+            </a:extLst>
+          </p:cNvPr>
+          <p:cNvPicPr>
+            <a:picLocks noChangeAspect="1"/>
+          </p:cNvPicPr>
+          <p:nvPr/>
+        </p:nvPicPr>
+        <p:blipFill>
+          <a:blip r:embed="rId3">
+            <a:extLst>
+              <a:ext uri="{28A0092B-C50C-407E-A947-70E740481C1C}">
+                <a14:useLocalDpi xmlns:a14="http://schemas.microsoft.com/office/drawing/2010/main" val="0"/>
+              </a:ext>
+            </a:extLst>
+          </a:blip>
+          <a:stretch>
+            <a:fillRect/>
+          </a:stretch>
+        </p:blipFill>
+        <p:spPr>
+          <a:xfrm>
+            <a:off x="4054006" y="2041253"/>
+            <a:ext cx="3638094" cy="3638094"/>
+          </a:xfrm>
+          <a:prstGeom prst="rect">
+            <a:avLst/>
+          </a:prstGeom>
+          <a:solidFill>
+            <a:schemeClr val="bg1"/>
+          </a:solidFill>
+          <a:scene3d>
+            <a:camera prst="orthographicFront"/>
+            <a:lightRig rig="threePt" dir="t"/>
+          </a:scene3d>
+          <a:sp3d>
+            <a:bevelT prst="angle"/>
+          </a:sp3d>
+        </p:spPr>
+      </p:pic>
+    </p:spTree>
+    <p:extLst>
+      <p:ext uri="{BB962C8B-B14F-4D97-AF65-F5344CB8AC3E}">
+        <p14:creationId xmlns:p14="http://schemas.microsoft.com/office/powerpoint/2010/main" val="1682542299"/>
+      </p:ext>
+    </p:extLst>
+  </p:cSld>
+  <p:clrMapOvr>
+    <a:masterClrMapping/>
+  </p:clrMapOvr>
+</p:sld>
+</file>
+
+<file path=ppt/slides/slide13.xml><?xml version="1.0" encoding="utf-8"?>
+<p:sld xmlns:a="http://schemas.openxmlformats.org/drawingml/2006/main" xmlns:r="http://schemas.openxmlformats.org/officeDocument/2006/relationships" xmlns:p="http://schemas.openxmlformats.org/presentationml/2006/main">
+  <p:cSld>
+    <p:spTree>
+      <p:nvGrpSpPr>
+        <p:cNvPr id="1" name=""/>
+        <p:cNvGrpSpPr/>
+        <p:nvPr/>
+      </p:nvGrpSpPr>
+      <p:grpSpPr>
+        <a:xfrm>
+          <a:off x="0" y="0"/>
+          <a:ext cx="0" cy="0"/>
+          <a:chOff x="0" y="0"/>
+          <a:chExt cx="0" cy="0"/>
+        </a:xfrm>
+      </p:grpSpPr>
+      <p:sp>
+        <p:nvSpPr>
+          <p:cNvPr id="4" name="Rectangle 3"/>
+          <p:cNvSpPr/>
+          <p:nvPr/>
+        </p:nvSpPr>
+        <p:spPr>
+          <a:xfrm>
+            <a:off x="0" y="851783"/>
+            <a:ext cx="12192000" cy="6123965"/>
+          </a:xfrm>
+          <a:prstGeom prst="rect">
+            <a:avLst/>
+          </a:prstGeom>
+          <a:solidFill>
+            <a:srgbClr val="00359E"/>
+          </a:solidFill>
+          <a:ln>
+            <a:solidFill>
+              <a:srgbClr val="0041C4"/>
+            </a:solidFill>
+          </a:ln>
+        </p:spPr>
+        <p:style>
+          <a:lnRef idx="2">
+            <a:schemeClr val="accent1">
+              <a:shade val="50000"/>
+            </a:schemeClr>
+          </a:lnRef>
+          <a:fillRef idx="1">
+            <a:schemeClr val="accent1"/>
+          </a:fillRef>
+          <a:effectRef idx="0">
+            <a:schemeClr val="accent1"/>
+          </a:effectRef>
+          <a:fontRef idx="minor">
+            <a:schemeClr val="lt1"/>
+          </a:fontRef>
+        </p:style>
+        <p:txBody>
+          <a:bodyPr rtlCol="0" anchor="ctr"/>
+          <a:lstStyle/>
+          <a:p>
+            <a:pPr algn="ctr"/>
+            <a:endParaRPr lang="en-US" sz="4000" dirty="0">
+              <a:solidFill>
+                <a:schemeClr val="bg1"/>
+              </a:solidFill>
+              <a:latin typeface="Arial" panose="020B0604020202020204" pitchFamily="34" charset="0"/>
+              <a:cs typeface="Arial" panose="020B0604020202020204" pitchFamily="34" charset="0"/>
+            </a:endParaRPr>
+          </a:p>
+        </p:txBody>
+      </p:sp>
+      <p:sp>
+        <p:nvSpPr>
+          <p:cNvPr id="3" name="TextBox 2">
+            <a:extLst>
+              <a:ext uri="{FF2B5EF4-FFF2-40B4-BE49-F238E27FC236}">
+                <a16:creationId xmlns:a16="http://schemas.microsoft.com/office/drawing/2014/main" id="{8820F06A-5A76-4928-9D79-B50D8CD0E691}"/>
+              </a:ext>
+            </a:extLst>
+          </p:cNvPr>
+          <p:cNvSpPr txBox="1"/>
+          <p:nvPr/>
+        </p:nvSpPr>
+        <p:spPr>
+          <a:xfrm>
+            <a:off x="0" y="82342"/>
+            <a:ext cx="12192000" cy="769441"/>
+          </a:xfrm>
+          <a:prstGeom prst="rect">
+            <a:avLst/>
+          </a:prstGeom>
+          <a:noFill/>
+          <a:ln>
+            <a:solidFill>
+              <a:srgbClr val="002060"/>
+            </a:solidFill>
+          </a:ln>
+        </p:spPr>
+        <p:txBody>
+          <a:bodyPr wrap="square" rtlCol="0">
+            <a:spAutoFit/>
+          </a:bodyPr>
+          <a:lstStyle/>
+          <a:p>
+            <a:pPr algn="ctr"/>
+            <a:r>
+              <a:rPr lang="en-US" sz="4400" dirty="0">
+                <a:solidFill>
+                  <a:schemeClr val="bg1"/>
+                </a:solidFill>
+                <a:latin typeface="Arial Rounded MT Bold" panose="020F0704030504030204" pitchFamily="34" charset="0"/>
+                <a:cs typeface="Arial" panose="020B0604020202020204" pitchFamily="34" charset="0"/>
+              </a:rPr>
+              <a:t>Adding Azure Automation Method 1</a:t>
+            </a:r>
+          </a:p>
+        </p:txBody>
+      </p:sp>
+      <p:pic>
+        <p:nvPicPr>
+          <p:cNvPr id="2" name="Picture 1">
+            <a:extLst>
+              <a:ext uri="{FF2B5EF4-FFF2-40B4-BE49-F238E27FC236}">
+                <a16:creationId xmlns:a16="http://schemas.microsoft.com/office/drawing/2014/main" id="{912F1F9D-9318-4966-944F-719B6E990547}"/>
+              </a:ext>
+            </a:extLst>
+          </p:cNvPr>
+          <p:cNvPicPr>
+            <a:picLocks noChangeAspect="1"/>
+          </p:cNvPicPr>
+          <p:nvPr/>
+        </p:nvPicPr>
+        <p:blipFill>
+          <a:blip r:embed="rId3"/>
+          <a:stretch>
+            <a:fillRect/>
+          </a:stretch>
+        </p:blipFill>
+        <p:spPr>
+          <a:xfrm>
+            <a:off x="3822934" y="992583"/>
+            <a:ext cx="4272441" cy="5689247"/>
+          </a:xfrm>
+          <a:prstGeom prst="rect">
+            <a:avLst/>
+          </a:prstGeom>
+        </p:spPr>
+      </p:pic>
+      <p:sp>
+        <p:nvSpPr>
+          <p:cNvPr id="7" name="Callout: Line 6">
+            <a:extLst>
+              <a:ext uri="{FF2B5EF4-FFF2-40B4-BE49-F238E27FC236}">
+                <a16:creationId xmlns:a16="http://schemas.microsoft.com/office/drawing/2014/main" id="{15E9CFBD-0B6A-48F2-97CD-9D8655F9ED67}"/>
+              </a:ext>
+            </a:extLst>
+          </p:cNvPr>
+          <p:cNvSpPr/>
+          <p:nvPr/>
+        </p:nvSpPr>
+        <p:spPr>
+          <a:xfrm>
+            <a:off x="8312806" y="3661839"/>
+            <a:ext cx="1455575" cy="503853"/>
+          </a:xfrm>
+          <a:prstGeom prst="borderCallout1">
+            <a:avLst>
+              <a:gd name="adj1" fmla="val 18750"/>
+              <a:gd name="adj2" fmla="val -8333"/>
+              <a:gd name="adj3" fmla="val 15932"/>
+              <a:gd name="adj4" fmla="val -69455"/>
+            </a:avLst>
+          </a:prstGeom>
+        </p:spPr>
+        <p:style>
+          <a:lnRef idx="2">
+            <a:schemeClr val="accent2">
+              <a:shade val="50000"/>
+            </a:schemeClr>
+          </a:lnRef>
+          <a:fillRef idx="1">
+            <a:schemeClr val="accent2"/>
+          </a:fillRef>
+          <a:effectRef idx="0">
+            <a:schemeClr val="accent2"/>
+          </a:effectRef>
+          <a:fontRef idx="minor">
+            <a:schemeClr val="lt1"/>
+          </a:fontRef>
+        </p:style>
+        <p:txBody>
+          <a:bodyPr rtlCol="0" anchor="ctr"/>
+          <a:lstStyle/>
+          <a:p>
+            <a:pPr algn="ctr"/>
+            <a:r>
+              <a:rPr lang="en-US" dirty="0"/>
+              <a:t>Click to Add </a:t>
+            </a:r>
+          </a:p>
+        </p:txBody>
+      </p:sp>
+    </p:spTree>
+    <p:extLst>
+      <p:ext uri="{BB962C8B-B14F-4D97-AF65-F5344CB8AC3E}">
+        <p14:creationId xmlns:p14="http://schemas.microsoft.com/office/powerpoint/2010/main" val="2513584103"/>
+      </p:ext>
+    </p:extLst>
+  </p:cSld>
+  <p:clrMapOvr>
+    <a:masterClrMapping/>
+  </p:clrMapOvr>
+</p:sld>
+</file>
+
+<file path=ppt/slides/slide14.xml><?xml version="1.0" encoding="utf-8"?>
+<p:sld xmlns:a="http://schemas.openxmlformats.org/drawingml/2006/main" xmlns:r="http://schemas.openxmlformats.org/officeDocument/2006/relationships" xmlns:p="http://schemas.openxmlformats.org/presentationml/2006/main">
+  <p:cSld>
+    <p:spTree>
+      <p:nvGrpSpPr>
+        <p:cNvPr id="1" name=""/>
+        <p:cNvGrpSpPr/>
+        <p:nvPr/>
+      </p:nvGrpSpPr>
+      <p:grpSpPr>
+        <a:xfrm>
+          <a:off x="0" y="0"/>
+          <a:ext cx="0" cy="0"/>
+          <a:chOff x="0" y="0"/>
+          <a:chExt cx="0" cy="0"/>
+        </a:xfrm>
+      </p:grpSpPr>
+      <p:sp>
+        <p:nvSpPr>
+          <p:cNvPr id="4" name="Rectangle 3"/>
+          <p:cNvSpPr/>
+          <p:nvPr/>
+        </p:nvSpPr>
+        <p:spPr>
+          <a:xfrm>
+            <a:off x="0" y="851783"/>
+            <a:ext cx="12192000" cy="6123965"/>
+          </a:xfrm>
+          <a:prstGeom prst="rect">
+            <a:avLst/>
+          </a:prstGeom>
+          <a:solidFill>
+            <a:srgbClr val="00359E"/>
+          </a:solidFill>
+          <a:ln>
+            <a:solidFill>
+              <a:srgbClr val="00359E"/>
+            </a:solidFill>
+          </a:ln>
+        </p:spPr>
+        <p:style>
+          <a:lnRef idx="2">
+            <a:schemeClr val="accent1">
+              <a:shade val="50000"/>
+            </a:schemeClr>
+          </a:lnRef>
+          <a:fillRef idx="1">
+            <a:schemeClr val="accent1"/>
+          </a:fillRef>
+          <a:effectRef idx="0">
+            <a:schemeClr val="accent1"/>
+          </a:effectRef>
+          <a:fontRef idx="minor">
+            <a:schemeClr val="lt1"/>
+          </a:fontRef>
+        </p:style>
+        <p:txBody>
+          <a:bodyPr rtlCol="0" anchor="ctr"/>
+          <a:lstStyle/>
+          <a:p>
+            <a:pPr algn="ctr"/>
+            <a:endParaRPr lang="en-US" sz="4000" dirty="0">
+              <a:solidFill>
+                <a:schemeClr val="bg1"/>
+              </a:solidFill>
+              <a:latin typeface="Arial" panose="020B0604020202020204" pitchFamily="34" charset="0"/>
+              <a:cs typeface="Arial" panose="020B0604020202020204" pitchFamily="34" charset="0"/>
+            </a:endParaRPr>
+          </a:p>
+        </p:txBody>
+      </p:sp>
+      <p:sp>
+        <p:nvSpPr>
+          <p:cNvPr id="3" name="TextBox 2">
+            <a:extLst>
+              <a:ext uri="{FF2B5EF4-FFF2-40B4-BE49-F238E27FC236}">
+                <a16:creationId xmlns:a16="http://schemas.microsoft.com/office/drawing/2014/main" id="{8820F06A-5A76-4928-9D79-B50D8CD0E691}"/>
+              </a:ext>
+            </a:extLst>
+          </p:cNvPr>
+          <p:cNvSpPr txBox="1"/>
+          <p:nvPr/>
+        </p:nvSpPr>
+        <p:spPr>
+          <a:xfrm>
+            <a:off x="0" y="82342"/>
+            <a:ext cx="12192000" cy="769441"/>
+          </a:xfrm>
+          <a:prstGeom prst="rect">
+            <a:avLst/>
+          </a:prstGeom>
+          <a:noFill/>
+          <a:ln>
+            <a:solidFill>
+              <a:srgbClr val="00359E"/>
+            </a:solidFill>
+          </a:ln>
+        </p:spPr>
+        <p:txBody>
+          <a:bodyPr wrap="square" rtlCol="0">
+            <a:spAutoFit/>
+          </a:bodyPr>
+          <a:lstStyle/>
+          <a:p>
+            <a:pPr algn="ctr"/>
+            <a:r>
+              <a:rPr lang="en-US" sz="4400" dirty="0">
+                <a:solidFill>
+                  <a:schemeClr val="bg1"/>
+                </a:solidFill>
+                <a:latin typeface="Arial Rounded MT Bold" panose="020F0704030504030204" pitchFamily="34" charset="0"/>
+                <a:cs typeface="Arial" panose="020B0604020202020204" pitchFamily="34" charset="0"/>
+              </a:rPr>
+              <a:t>Adding Automation Method 2</a:t>
+            </a:r>
+          </a:p>
+        </p:txBody>
+      </p:sp>
+      <p:pic>
+        <p:nvPicPr>
+          <p:cNvPr id="5" name="Picture 4">
+            <a:extLst>
+              <a:ext uri="{FF2B5EF4-FFF2-40B4-BE49-F238E27FC236}">
+                <a16:creationId xmlns:a16="http://schemas.microsoft.com/office/drawing/2014/main" id="{B1EF6956-4A45-4103-A578-D30281FE8CCC}"/>
+              </a:ext>
+            </a:extLst>
+          </p:cNvPr>
+          <p:cNvPicPr>
+            <a:picLocks noChangeAspect="1"/>
+          </p:cNvPicPr>
+          <p:nvPr/>
+        </p:nvPicPr>
+        <p:blipFill>
+          <a:blip r:embed="rId3"/>
+          <a:stretch>
+            <a:fillRect/>
+          </a:stretch>
+        </p:blipFill>
+        <p:spPr>
+          <a:xfrm>
+            <a:off x="3614737" y="1433512"/>
+            <a:ext cx="4962525" cy="3990975"/>
+          </a:xfrm>
+          <a:prstGeom prst="rect">
+            <a:avLst/>
+          </a:prstGeom>
+        </p:spPr>
+      </p:pic>
+      <p:sp>
+        <p:nvSpPr>
+          <p:cNvPr id="7" name="Callout: Line 6">
+            <a:extLst>
+              <a:ext uri="{FF2B5EF4-FFF2-40B4-BE49-F238E27FC236}">
+                <a16:creationId xmlns:a16="http://schemas.microsoft.com/office/drawing/2014/main" id="{15E9CFBD-0B6A-48F2-97CD-9D8655F9ED67}"/>
+              </a:ext>
+            </a:extLst>
+          </p:cNvPr>
+          <p:cNvSpPr/>
+          <p:nvPr/>
+        </p:nvSpPr>
+        <p:spPr>
+          <a:xfrm>
+            <a:off x="9448916" y="3553593"/>
+            <a:ext cx="1871429" cy="489901"/>
+          </a:xfrm>
+          <a:prstGeom prst="borderCallout1">
+            <a:avLst>
+              <a:gd name="adj1" fmla="val 18750"/>
+              <a:gd name="adj2" fmla="val -8333"/>
+              <a:gd name="adj3" fmla="val -64961"/>
+              <a:gd name="adj4" fmla="val -165062"/>
+            </a:avLst>
+          </a:prstGeom>
+        </p:spPr>
+        <p:style>
+          <a:lnRef idx="2">
+            <a:schemeClr val="accent2">
+              <a:shade val="50000"/>
+            </a:schemeClr>
+          </a:lnRef>
+          <a:fillRef idx="1">
+            <a:schemeClr val="accent2"/>
+          </a:fillRef>
+          <a:effectRef idx="0">
+            <a:schemeClr val="accent2"/>
+          </a:effectRef>
+          <a:fontRef idx="minor">
+            <a:schemeClr val="lt1"/>
+          </a:fontRef>
+        </p:style>
+        <p:txBody>
+          <a:bodyPr rtlCol="0" anchor="ctr"/>
+          <a:lstStyle/>
+          <a:p>
+            <a:pPr algn="ctr"/>
+            <a:r>
+              <a:rPr lang="en-US" dirty="0"/>
+              <a:t>Click to Select</a:t>
+            </a:r>
+          </a:p>
+        </p:txBody>
+      </p:sp>
+    </p:spTree>
+    <p:extLst>
+      <p:ext uri="{BB962C8B-B14F-4D97-AF65-F5344CB8AC3E}">
+        <p14:creationId xmlns:p14="http://schemas.microsoft.com/office/powerpoint/2010/main" val="1308450866"/>
+      </p:ext>
+    </p:extLst>
+  </p:cSld>
+  <p:clrMapOvr>
+    <a:masterClrMapping/>
+  </p:clrMapOvr>
+</p:sld>
+</file>
+
+<file path=ppt/slides/slide15.xml><?xml version="1.0" encoding="utf-8"?>
+<p:sld xmlns:a="http://schemas.openxmlformats.org/drawingml/2006/main" xmlns:r="http://schemas.openxmlformats.org/officeDocument/2006/relationships" xmlns:p="http://schemas.openxmlformats.org/presentationml/2006/main">
+  <p:cSld>
+    <p:spTree>
+      <p:nvGrpSpPr>
+        <p:cNvPr id="1" name=""/>
+        <p:cNvGrpSpPr/>
+        <p:nvPr/>
+      </p:nvGrpSpPr>
+      <p:grpSpPr>
+        <a:xfrm>
+          <a:off x="0" y="0"/>
+          <a:ext cx="0" cy="0"/>
+          <a:chOff x="0" y="0"/>
+          <a:chExt cx="0" cy="0"/>
+        </a:xfrm>
+      </p:grpSpPr>
+      <p:sp>
+        <p:nvSpPr>
+          <p:cNvPr id="4" name="Rectangle 3"/>
+          <p:cNvSpPr/>
+          <p:nvPr/>
+        </p:nvSpPr>
+        <p:spPr>
+          <a:xfrm>
+            <a:off x="0" y="851783"/>
+            <a:ext cx="12192000" cy="6123965"/>
+          </a:xfrm>
+          <a:prstGeom prst="rect">
+            <a:avLst/>
+          </a:prstGeom>
+          <a:solidFill>
+            <a:srgbClr val="00359E"/>
+          </a:solidFill>
+          <a:ln>
+            <a:solidFill>
+              <a:srgbClr val="00359E"/>
+            </a:solidFill>
+          </a:ln>
+        </p:spPr>
+        <p:style>
+          <a:lnRef idx="2">
+            <a:schemeClr val="accent1">
+              <a:shade val="50000"/>
+            </a:schemeClr>
+          </a:lnRef>
+          <a:fillRef idx="1">
+            <a:schemeClr val="accent1"/>
+          </a:fillRef>
+          <a:effectRef idx="0">
+            <a:schemeClr val="accent1"/>
+          </a:effectRef>
+          <a:fontRef idx="minor">
+            <a:schemeClr val="lt1"/>
+          </a:fontRef>
+        </p:style>
+        <p:txBody>
+          <a:bodyPr rtlCol="0" anchor="ctr"/>
+          <a:lstStyle/>
+          <a:p>
+            <a:pPr algn="ctr"/>
+            <a:endParaRPr lang="en-US" sz="4000" dirty="0">
+              <a:solidFill>
+                <a:schemeClr val="bg1"/>
+              </a:solidFill>
+              <a:latin typeface="Arial" panose="020B0604020202020204" pitchFamily="34" charset="0"/>
+              <a:cs typeface="Arial" panose="020B0604020202020204" pitchFamily="34" charset="0"/>
+            </a:endParaRPr>
+          </a:p>
+        </p:txBody>
+      </p:sp>
+      <p:sp>
+        <p:nvSpPr>
+          <p:cNvPr id="3" name="TextBox 2">
+            <a:extLst>
+              <a:ext uri="{FF2B5EF4-FFF2-40B4-BE49-F238E27FC236}">
+                <a16:creationId xmlns:a16="http://schemas.microsoft.com/office/drawing/2014/main" id="{8820F06A-5A76-4928-9D79-B50D8CD0E691}"/>
+              </a:ext>
+            </a:extLst>
+          </p:cNvPr>
+          <p:cNvSpPr txBox="1"/>
+          <p:nvPr/>
+        </p:nvSpPr>
+        <p:spPr>
+          <a:xfrm>
+            <a:off x="0" y="82342"/>
+            <a:ext cx="12192000" cy="769441"/>
+          </a:xfrm>
+          <a:prstGeom prst="rect">
+            <a:avLst/>
+          </a:prstGeom>
+          <a:noFill/>
+        </p:spPr>
+        <p:txBody>
+          <a:bodyPr wrap="square" rtlCol="0">
+            <a:spAutoFit/>
+          </a:bodyPr>
+          <a:lstStyle/>
+          <a:p>
+            <a:pPr algn="ctr"/>
+            <a:r>
+              <a:rPr lang="en-US" sz="4400" dirty="0">
+                <a:solidFill>
+                  <a:schemeClr val="bg1"/>
+                </a:solidFill>
+                <a:latin typeface="Arial Rounded MT Bold" panose="020F0704030504030204" pitchFamily="34" charset="0"/>
+                <a:cs typeface="Arial" panose="020B0604020202020204" pitchFamily="34" charset="0"/>
+              </a:rPr>
+              <a:t>Adding Automation Account</a:t>
+            </a:r>
+          </a:p>
+        </p:txBody>
+      </p:sp>
+      <p:pic>
+        <p:nvPicPr>
+          <p:cNvPr id="8" name="Picture 7">
+            <a:extLst>
+              <a:ext uri="{FF2B5EF4-FFF2-40B4-BE49-F238E27FC236}">
+                <a16:creationId xmlns:a16="http://schemas.microsoft.com/office/drawing/2014/main" id="{872BAF9D-EE76-4AAB-931A-B2516D2A8451}"/>
+              </a:ext>
+            </a:extLst>
+          </p:cNvPr>
+          <p:cNvPicPr>
+            <a:picLocks noChangeAspect="1"/>
+          </p:cNvPicPr>
+          <p:nvPr/>
+        </p:nvPicPr>
+        <p:blipFill>
+          <a:blip r:embed="rId3"/>
+          <a:stretch>
+            <a:fillRect/>
+          </a:stretch>
+        </p:blipFill>
+        <p:spPr>
+          <a:xfrm>
+            <a:off x="3990687" y="977618"/>
+            <a:ext cx="3433033" cy="5872294"/>
+          </a:xfrm>
+          <a:prstGeom prst="rect">
+            <a:avLst/>
+          </a:prstGeom>
+        </p:spPr>
+      </p:pic>
+      <p:sp>
+        <p:nvSpPr>
+          <p:cNvPr id="7" name="Callout: Line 6">
+            <a:extLst>
+              <a:ext uri="{FF2B5EF4-FFF2-40B4-BE49-F238E27FC236}">
+                <a16:creationId xmlns:a16="http://schemas.microsoft.com/office/drawing/2014/main" id="{15E9CFBD-0B6A-48F2-97CD-9D8655F9ED67}"/>
+              </a:ext>
+            </a:extLst>
+          </p:cNvPr>
+          <p:cNvSpPr/>
+          <p:nvPr/>
+        </p:nvSpPr>
+        <p:spPr>
+          <a:xfrm>
+            <a:off x="9000703" y="3998210"/>
+            <a:ext cx="1871429" cy="1026795"/>
+          </a:xfrm>
+          <a:prstGeom prst="borderCallout1">
+            <a:avLst>
+              <a:gd name="adj1" fmla="val 18750"/>
+              <a:gd name="adj2" fmla="val -8333"/>
+              <a:gd name="adj3" fmla="val -563"/>
+              <a:gd name="adj4" fmla="val -208544"/>
+            </a:avLst>
+          </a:prstGeom>
+          <a:solidFill>
+            <a:srgbClr val="7030A0"/>
+          </a:solidFill>
+        </p:spPr>
+        <p:style>
+          <a:lnRef idx="2">
+            <a:schemeClr val="accent2">
+              <a:shade val="50000"/>
+            </a:schemeClr>
+          </a:lnRef>
+          <a:fillRef idx="1">
+            <a:schemeClr val="accent2"/>
+          </a:fillRef>
+          <a:effectRef idx="0">
+            <a:schemeClr val="accent2"/>
+          </a:effectRef>
+          <a:fontRef idx="minor">
+            <a:schemeClr val="lt1"/>
+          </a:fontRef>
+        </p:style>
+        <p:txBody>
+          <a:bodyPr rtlCol="0" anchor="ctr"/>
+          <a:lstStyle/>
+          <a:p>
+            <a:pPr algn="ctr"/>
+            <a:r>
+              <a:rPr lang="en-US" dirty="0"/>
+              <a:t>Click to Add Account to Run Our Scripts</a:t>
+            </a:r>
+          </a:p>
+        </p:txBody>
+      </p:sp>
+      <p:sp>
+        <p:nvSpPr>
+          <p:cNvPr id="9" name="Callout: Line 8">
+            <a:extLst>
+              <a:ext uri="{FF2B5EF4-FFF2-40B4-BE49-F238E27FC236}">
+                <a16:creationId xmlns:a16="http://schemas.microsoft.com/office/drawing/2014/main" id="{70B921B3-C097-4930-A49C-8D3B095E087B}"/>
+              </a:ext>
+            </a:extLst>
+          </p:cNvPr>
+          <p:cNvSpPr/>
+          <p:nvPr/>
+        </p:nvSpPr>
+        <p:spPr>
+          <a:xfrm>
+            <a:off x="9000702" y="5593517"/>
+            <a:ext cx="1871429" cy="1026795"/>
+          </a:xfrm>
+          <a:prstGeom prst="borderCallout1">
+            <a:avLst>
+              <a:gd name="adj1" fmla="val 18750"/>
+              <a:gd name="adj2" fmla="val -8333"/>
+              <a:gd name="adj3" fmla="val 68066"/>
+              <a:gd name="adj4" fmla="val -214820"/>
+            </a:avLst>
+          </a:prstGeom>
+          <a:solidFill>
+            <a:srgbClr val="7030A0"/>
+          </a:solidFill>
+        </p:spPr>
+        <p:style>
+          <a:lnRef idx="2">
+            <a:schemeClr val="accent2">
+              <a:shade val="50000"/>
+            </a:schemeClr>
+          </a:lnRef>
+          <a:fillRef idx="1">
+            <a:schemeClr val="accent2"/>
+          </a:fillRef>
+          <a:effectRef idx="0">
+            <a:schemeClr val="accent2"/>
+          </a:effectRef>
+          <a:fontRef idx="minor">
+            <a:schemeClr val="lt1"/>
+          </a:fontRef>
+        </p:style>
+        <p:txBody>
+          <a:bodyPr rtlCol="0" anchor="ctr"/>
+          <a:lstStyle/>
+          <a:p>
+            <a:pPr algn="ctr"/>
+            <a:r>
+              <a:rPr lang="en-US" dirty="0"/>
+              <a:t>Check so Automation is in your Dashboard</a:t>
+            </a:r>
+          </a:p>
+        </p:txBody>
+      </p:sp>
+    </p:spTree>
+    <p:extLst>
+      <p:ext uri="{BB962C8B-B14F-4D97-AF65-F5344CB8AC3E}">
+        <p14:creationId xmlns:p14="http://schemas.microsoft.com/office/powerpoint/2010/main" val="3527173900"/>
+      </p:ext>
+    </p:extLst>
+  </p:cSld>
+  <p:clrMapOvr>
+    <a:masterClrMapping/>
+  </p:clrMapOvr>
+</p:sld>
+</file>
+
+<file path=ppt/slides/slide16.xml><?xml version="1.0" encoding="utf-8"?>
+<p:sld xmlns:a="http://schemas.openxmlformats.org/drawingml/2006/main" xmlns:r="http://schemas.openxmlformats.org/officeDocument/2006/relationships" xmlns:p="http://schemas.openxmlformats.org/presentationml/2006/main">
+  <p:cSld>
+    <p:spTree>
+      <p:nvGrpSpPr>
+        <p:cNvPr id="1" name=""/>
+        <p:cNvGrpSpPr/>
+        <p:nvPr/>
+      </p:nvGrpSpPr>
+      <p:grpSpPr>
+        <a:xfrm>
+          <a:off x="0" y="0"/>
+          <a:ext cx="0" cy="0"/>
+          <a:chOff x="0" y="0"/>
+          <a:chExt cx="0" cy="0"/>
+        </a:xfrm>
+      </p:grpSpPr>
+      <p:sp>
+        <p:nvSpPr>
+          <p:cNvPr id="4" name="Rectangle 3"/>
+          <p:cNvSpPr/>
+          <p:nvPr/>
+        </p:nvSpPr>
+        <p:spPr>
+          <a:xfrm>
+            <a:off x="0" y="620785"/>
+            <a:ext cx="12192000" cy="6354963"/>
+          </a:xfrm>
+          <a:prstGeom prst="rect">
+            <a:avLst/>
+          </a:prstGeom>
+          <a:solidFill>
+            <a:srgbClr val="00359E"/>
+          </a:solidFill>
+          <a:ln>
+            <a:solidFill>
+              <a:srgbClr val="00359E"/>
+            </a:solidFill>
+          </a:ln>
+        </p:spPr>
+        <p:style>
+          <a:lnRef idx="2">
+            <a:schemeClr val="accent1">
+              <a:shade val="50000"/>
+            </a:schemeClr>
+          </a:lnRef>
+          <a:fillRef idx="1">
+            <a:schemeClr val="accent1"/>
+          </a:fillRef>
+          <a:effectRef idx="0">
+            <a:schemeClr val="accent1"/>
+          </a:effectRef>
+          <a:fontRef idx="minor">
+            <a:schemeClr val="lt1"/>
+          </a:fontRef>
+        </p:style>
+        <p:txBody>
+          <a:bodyPr rtlCol="0" anchor="ctr"/>
+          <a:lstStyle/>
+          <a:p>
+            <a:pPr algn="ctr"/>
+            <a:endParaRPr lang="en-US" sz="4000" dirty="0">
+              <a:solidFill>
+                <a:schemeClr val="bg1"/>
+              </a:solidFill>
+              <a:latin typeface="Arial" panose="020B0604020202020204" pitchFamily="34" charset="0"/>
+              <a:cs typeface="Arial" panose="020B0604020202020204" pitchFamily="34" charset="0"/>
+            </a:endParaRPr>
+          </a:p>
+        </p:txBody>
+      </p:sp>
+      <p:sp>
+        <p:nvSpPr>
+          <p:cNvPr id="3" name="TextBox 2">
+            <a:extLst>
+              <a:ext uri="{FF2B5EF4-FFF2-40B4-BE49-F238E27FC236}">
+                <a16:creationId xmlns:a16="http://schemas.microsoft.com/office/drawing/2014/main" id="{8820F06A-5A76-4928-9D79-B50D8CD0E691}"/>
+              </a:ext>
+            </a:extLst>
+          </p:cNvPr>
+          <p:cNvSpPr txBox="1"/>
+          <p:nvPr/>
+        </p:nvSpPr>
+        <p:spPr>
+          <a:xfrm>
+            <a:off x="-1" y="-24518"/>
+            <a:ext cx="12192000" cy="707886"/>
+          </a:xfrm>
+          <a:prstGeom prst="rect">
+            <a:avLst/>
+          </a:prstGeom>
+          <a:noFill/>
+          <a:ln>
+            <a:solidFill>
+              <a:srgbClr val="0041C4"/>
+            </a:solidFill>
+          </a:ln>
+        </p:spPr>
+        <p:txBody>
+          <a:bodyPr wrap="square" rtlCol="0">
+            <a:spAutoFit/>
+          </a:bodyPr>
+          <a:lstStyle/>
+          <a:p>
+            <a:pPr algn="ctr"/>
+            <a:r>
+              <a:rPr lang="en-US" sz="4000" dirty="0">
+                <a:solidFill>
+                  <a:schemeClr val="bg1"/>
+                </a:solidFill>
+                <a:latin typeface="Arial Rounded MT Bold" panose="020F0704030504030204" pitchFamily="34" charset="0"/>
+                <a:cs typeface="Arial" panose="020B0604020202020204" pitchFamily="34" charset="0"/>
+              </a:rPr>
+              <a:t>Automation Account Dashboard</a:t>
+            </a:r>
+          </a:p>
+        </p:txBody>
+      </p:sp>
+      <p:sp>
+        <p:nvSpPr>
+          <p:cNvPr id="13" name="Rectangle 12">
+            <a:extLst>
+              <a:ext uri="{FF2B5EF4-FFF2-40B4-BE49-F238E27FC236}">
+                <a16:creationId xmlns:a16="http://schemas.microsoft.com/office/drawing/2014/main" id="{758A5708-1049-4A5F-AA77-51F20DBE0761}"/>
+              </a:ext>
+            </a:extLst>
+          </p:cNvPr>
+          <p:cNvSpPr/>
+          <p:nvPr/>
+        </p:nvSpPr>
+        <p:spPr>
+          <a:xfrm>
+            <a:off x="1517871" y="6472020"/>
+            <a:ext cx="9982898" cy="369332"/>
+          </a:xfrm>
+          <a:prstGeom prst="rect">
+            <a:avLst/>
+          </a:prstGeom>
+        </p:spPr>
+        <p:txBody>
+          <a:bodyPr wrap="square">
+            <a:spAutoFit/>
+          </a:bodyPr>
+          <a:lstStyle/>
+          <a:p>
+            <a:r>
+              <a:rPr lang="en-US" dirty="0">
+                <a:hlinkClick r:id="rId3"/>
+              </a:rPr>
+              <a:t>https://docs.microsoft.com/en-us/azure/monitoring/monitoring-solutions-resources-automation</a:t>
+            </a:r>
+            <a:endParaRPr lang="en-US" dirty="0"/>
+          </a:p>
+        </p:txBody>
+      </p:sp>
+      <p:pic>
+        <p:nvPicPr>
+          <p:cNvPr id="12" name="Picture 11">
+            <a:extLst>
+              <a:ext uri="{FF2B5EF4-FFF2-40B4-BE49-F238E27FC236}">
+                <a16:creationId xmlns:a16="http://schemas.microsoft.com/office/drawing/2014/main" id="{A8072F7B-55E7-4B4C-B7A8-CFC485097667}"/>
+              </a:ext>
+            </a:extLst>
+          </p:cNvPr>
+          <p:cNvPicPr>
+            <a:picLocks noChangeAspect="1"/>
+          </p:cNvPicPr>
+          <p:nvPr/>
+        </p:nvPicPr>
+        <p:blipFill>
+          <a:blip r:embed="rId4"/>
+          <a:stretch>
+            <a:fillRect/>
+          </a:stretch>
+        </p:blipFill>
+        <p:spPr>
+          <a:xfrm>
+            <a:off x="417140" y="683368"/>
+            <a:ext cx="10421436" cy="6216793"/>
+          </a:xfrm>
+          <a:prstGeom prst="rect">
+            <a:avLst/>
+          </a:prstGeom>
+        </p:spPr>
+      </p:pic>
+      <p:sp>
+        <p:nvSpPr>
+          <p:cNvPr id="5" name="Callout: Line 4">
+            <a:extLst>
+              <a:ext uri="{FF2B5EF4-FFF2-40B4-BE49-F238E27FC236}">
+                <a16:creationId xmlns:a16="http://schemas.microsoft.com/office/drawing/2014/main" id="{AF2004BB-BD60-42DA-865E-4C1F6755BE1D}"/>
+              </a:ext>
+            </a:extLst>
+          </p:cNvPr>
+          <p:cNvSpPr/>
+          <p:nvPr/>
+        </p:nvSpPr>
+        <p:spPr>
+          <a:xfrm>
+            <a:off x="3413434" y="3463857"/>
+            <a:ext cx="1871429" cy="489901"/>
+          </a:xfrm>
+          <a:prstGeom prst="borderCallout1">
+            <a:avLst>
+              <a:gd name="adj1" fmla="val 54491"/>
+              <a:gd name="adj2" fmla="val -6774"/>
+              <a:gd name="adj3" fmla="val 114110"/>
+              <a:gd name="adj4" fmla="val -54106"/>
+            </a:avLst>
+          </a:prstGeom>
+          <a:solidFill>
+            <a:srgbClr val="7030A0"/>
+          </a:solidFill>
+          <a:ln>
+            <a:solidFill>
+              <a:srgbClr val="0070C0"/>
+            </a:solidFill>
+          </a:ln>
+        </p:spPr>
+        <p:style>
+          <a:lnRef idx="2">
+            <a:schemeClr val="accent2">
+              <a:shade val="50000"/>
+            </a:schemeClr>
+          </a:lnRef>
+          <a:fillRef idx="1">
+            <a:schemeClr val="accent2"/>
+          </a:fillRef>
+          <a:effectRef idx="0">
+            <a:schemeClr val="accent2"/>
+          </a:effectRef>
+          <a:fontRef idx="minor">
+            <a:schemeClr val="lt1"/>
+          </a:fontRef>
+        </p:style>
+        <p:txBody>
+          <a:bodyPr rtlCol="0" anchor="ctr"/>
+          <a:lstStyle/>
+          <a:p>
+            <a:pPr algn="ctr"/>
+            <a:r>
+              <a:rPr lang="en-US" sz="1400" dirty="0"/>
+              <a:t>Share Work with On Prem Resources</a:t>
+            </a:r>
+          </a:p>
+        </p:txBody>
+      </p:sp>
+      <p:sp>
+        <p:nvSpPr>
+          <p:cNvPr id="7" name="Callout: Line 6">
+            <a:extLst>
+              <a:ext uri="{FF2B5EF4-FFF2-40B4-BE49-F238E27FC236}">
+                <a16:creationId xmlns:a16="http://schemas.microsoft.com/office/drawing/2014/main" id="{02FC69D6-3444-494D-93DD-9F27AE9679C8}"/>
+              </a:ext>
+            </a:extLst>
+          </p:cNvPr>
+          <p:cNvSpPr/>
+          <p:nvPr/>
+        </p:nvSpPr>
+        <p:spPr>
+          <a:xfrm>
+            <a:off x="5284863" y="1443612"/>
+            <a:ext cx="1871429" cy="489901"/>
+          </a:xfrm>
+          <a:prstGeom prst="borderCallout1">
+            <a:avLst>
+              <a:gd name="adj1" fmla="val 56203"/>
+              <a:gd name="adj2" fmla="val -6325"/>
+              <a:gd name="adj3" fmla="val 78149"/>
+              <a:gd name="adj4" fmla="val -155413"/>
+            </a:avLst>
+          </a:prstGeom>
+          <a:solidFill>
+            <a:srgbClr val="7030A0"/>
+          </a:solidFill>
+          <a:ln>
+            <a:solidFill>
+              <a:srgbClr val="0070C0"/>
+            </a:solidFill>
+          </a:ln>
+        </p:spPr>
+        <p:style>
+          <a:lnRef idx="2">
+            <a:schemeClr val="accent2">
+              <a:shade val="50000"/>
+            </a:schemeClr>
+          </a:lnRef>
+          <a:fillRef idx="1">
+            <a:schemeClr val="accent2"/>
+          </a:fillRef>
+          <a:effectRef idx="0">
+            <a:schemeClr val="accent2"/>
+          </a:effectRef>
+          <a:fontRef idx="minor">
+            <a:schemeClr val="lt1"/>
+          </a:fontRef>
+        </p:style>
+        <p:txBody>
+          <a:bodyPr rtlCol="0" anchor="ctr"/>
+          <a:lstStyle/>
+          <a:p>
+            <a:pPr algn="ctr"/>
+            <a:r>
+              <a:rPr lang="en-US" sz="1400" dirty="0"/>
+              <a:t>Desired State Configuration</a:t>
+            </a:r>
+          </a:p>
+        </p:txBody>
+      </p:sp>
+      <p:sp>
+        <p:nvSpPr>
+          <p:cNvPr id="8" name="Callout: Line 7">
+            <a:extLst>
+              <a:ext uri="{FF2B5EF4-FFF2-40B4-BE49-F238E27FC236}">
+                <a16:creationId xmlns:a16="http://schemas.microsoft.com/office/drawing/2014/main" id="{C529538A-4776-4713-B69C-6044BE58BFBC}"/>
+              </a:ext>
+            </a:extLst>
+          </p:cNvPr>
+          <p:cNvSpPr/>
+          <p:nvPr/>
+        </p:nvSpPr>
+        <p:spPr>
+          <a:xfrm>
+            <a:off x="3413434" y="4793529"/>
+            <a:ext cx="1871429" cy="489901"/>
+          </a:xfrm>
+          <a:prstGeom prst="borderCallout1">
+            <a:avLst>
+              <a:gd name="adj1" fmla="val 59628"/>
+              <a:gd name="adj2" fmla="val -6326"/>
+              <a:gd name="adj3" fmla="val -19456"/>
+              <a:gd name="adj4" fmla="val -62174"/>
+            </a:avLst>
+          </a:prstGeom>
+          <a:solidFill>
+            <a:srgbClr val="7030A0"/>
+          </a:solidFill>
+          <a:ln>
+            <a:solidFill>
+              <a:srgbClr val="0070C0"/>
+            </a:solidFill>
+          </a:ln>
+        </p:spPr>
+        <p:style>
+          <a:lnRef idx="2">
+            <a:schemeClr val="accent2">
+              <a:shade val="50000"/>
+            </a:schemeClr>
+          </a:lnRef>
+          <a:fillRef idx="1">
+            <a:schemeClr val="accent2"/>
+          </a:fillRef>
+          <a:effectRef idx="0">
+            <a:schemeClr val="accent2"/>
+          </a:effectRef>
+          <a:fontRef idx="minor">
+            <a:schemeClr val="lt1"/>
+          </a:fontRef>
+        </p:style>
+        <p:txBody>
+          <a:bodyPr rtlCol="0" anchor="ctr"/>
+          <a:lstStyle/>
+          <a:p>
+            <a:pPr algn="ctr"/>
+            <a:r>
+              <a:rPr lang="en-US" sz="1400" dirty="0"/>
+              <a:t>Things your jobs can share</a:t>
+            </a:r>
+          </a:p>
+        </p:txBody>
+      </p:sp>
+      <p:sp>
+        <p:nvSpPr>
+          <p:cNvPr id="9" name="Callout: Line 8">
+            <a:extLst>
+              <a:ext uri="{FF2B5EF4-FFF2-40B4-BE49-F238E27FC236}">
+                <a16:creationId xmlns:a16="http://schemas.microsoft.com/office/drawing/2014/main" id="{957D8F99-2D12-4B06-8D9E-3CB6255D35DD}"/>
+              </a:ext>
+            </a:extLst>
+          </p:cNvPr>
+          <p:cNvSpPr/>
+          <p:nvPr/>
+        </p:nvSpPr>
+        <p:spPr>
+          <a:xfrm>
+            <a:off x="3368190" y="2743240"/>
+            <a:ext cx="1871429" cy="489901"/>
+          </a:xfrm>
+          <a:prstGeom prst="borderCallout1">
+            <a:avLst>
+              <a:gd name="adj1" fmla="val 61341"/>
+              <a:gd name="adj2" fmla="val -6774"/>
+              <a:gd name="adj3" fmla="val 132945"/>
+              <a:gd name="adj4" fmla="val -53658"/>
+            </a:avLst>
+          </a:prstGeom>
+          <a:solidFill>
+            <a:srgbClr val="7030A0"/>
+          </a:solidFill>
+          <a:ln>
+            <a:solidFill>
+              <a:srgbClr val="0070C0"/>
+            </a:solidFill>
+          </a:ln>
+        </p:spPr>
+        <p:style>
+          <a:lnRef idx="2">
+            <a:schemeClr val="accent2">
+              <a:shade val="50000"/>
+            </a:schemeClr>
+          </a:lnRef>
+          <a:fillRef idx="1">
+            <a:schemeClr val="accent2"/>
+          </a:fillRef>
+          <a:effectRef idx="0">
+            <a:schemeClr val="accent2"/>
+          </a:effectRef>
+          <a:fontRef idx="minor">
+            <a:schemeClr val="lt1"/>
+          </a:fontRef>
+        </p:style>
+        <p:txBody>
+          <a:bodyPr rtlCol="0" anchor="ctr"/>
+          <a:lstStyle/>
+          <a:p>
+            <a:pPr algn="ctr"/>
+            <a:r>
+              <a:rPr lang="en-US" sz="1400" dirty="0"/>
+              <a:t>Jobs</a:t>
+            </a:r>
+          </a:p>
+        </p:txBody>
+      </p:sp>
+      <p:sp>
+        <p:nvSpPr>
+          <p:cNvPr id="10" name="Callout: Line 9">
+            <a:extLst>
+              <a:ext uri="{FF2B5EF4-FFF2-40B4-BE49-F238E27FC236}">
+                <a16:creationId xmlns:a16="http://schemas.microsoft.com/office/drawing/2014/main" id="{2CBBC018-FC70-417C-9F37-ED5B27CCCA20}"/>
+              </a:ext>
+            </a:extLst>
+          </p:cNvPr>
+          <p:cNvSpPr/>
+          <p:nvPr/>
+        </p:nvSpPr>
+        <p:spPr>
+          <a:xfrm>
+            <a:off x="3368191" y="2037906"/>
+            <a:ext cx="1871429" cy="540543"/>
+          </a:xfrm>
+          <a:prstGeom prst="borderCallout1">
+            <a:avLst>
+              <a:gd name="adj1" fmla="val 54491"/>
+              <a:gd name="adj2" fmla="val -6774"/>
+              <a:gd name="adj3" fmla="val 191990"/>
+              <a:gd name="adj4" fmla="val -55451"/>
+            </a:avLst>
+          </a:prstGeom>
+          <a:solidFill>
+            <a:srgbClr val="7030A0"/>
+          </a:solidFill>
+          <a:ln>
+            <a:solidFill>
+              <a:srgbClr val="0070C0"/>
+            </a:solidFill>
+          </a:ln>
+        </p:spPr>
+        <p:style>
+          <a:lnRef idx="2">
+            <a:schemeClr val="accent2">
+              <a:shade val="50000"/>
+            </a:schemeClr>
+          </a:lnRef>
+          <a:fillRef idx="1">
+            <a:schemeClr val="accent2"/>
+          </a:fillRef>
+          <a:effectRef idx="0">
+            <a:schemeClr val="accent2"/>
+          </a:effectRef>
+          <a:fontRef idx="minor">
+            <a:schemeClr val="lt1"/>
+          </a:fontRef>
+        </p:style>
+        <p:txBody>
+          <a:bodyPr rtlCol="0" anchor="ctr"/>
+          <a:lstStyle/>
+          <a:p>
+            <a:pPr algn="ctr"/>
+            <a:r>
+              <a:rPr lang="en-US" sz="1400" dirty="0"/>
+              <a:t>Scripts</a:t>
+            </a:r>
+          </a:p>
+        </p:txBody>
+      </p:sp>
+      <p:sp>
+        <p:nvSpPr>
+          <p:cNvPr id="11" name="Callout: Line 10">
+            <a:extLst>
+              <a:ext uri="{FF2B5EF4-FFF2-40B4-BE49-F238E27FC236}">
+                <a16:creationId xmlns:a16="http://schemas.microsoft.com/office/drawing/2014/main" id="{CE2DFAB4-749A-4122-99D0-8D7913257473}"/>
+              </a:ext>
+            </a:extLst>
+          </p:cNvPr>
+          <p:cNvSpPr/>
+          <p:nvPr/>
+        </p:nvSpPr>
+        <p:spPr>
+          <a:xfrm>
+            <a:off x="3413434" y="4148593"/>
+            <a:ext cx="1871429" cy="489901"/>
+          </a:xfrm>
+          <a:prstGeom prst="borderCallout1">
+            <a:avLst>
+              <a:gd name="adj1" fmla="val 61341"/>
+              <a:gd name="adj2" fmla="val -11705"/>
+              <a:gd name="adj3" fmla="val 26778"/>
+              <a:gd name="adj4" fmla="val -58589"/>
+            </a:avLst>
+          </a:prstGeom>
+          <a:solidFill>
+            <a:srgbClr val="7030A0"/>
+          </a:solidFill>
+          <a:ln>
+            <a:solidFill>
+              <a:srgbClr val="0070C0"/>
+            </a:solidFill>
+          </a:ln>
+        </p:spPr>
+        <p:style>
+          <a:lnRef idx="2">
+            <a:schemeClr val="accent2">
+              <a:shade val="50000"/>
+            </a:schemeClr>
+          </a:lnRef>
+          <a:fillRef idx="1">
+            <a:schemeClr val="accent2"/>
+          </a:fillRef>
+          <a:effectRef idx="0">
+            <a:schemeClr val="accent2"/>
+          </a:effectRef>
+          <a:fontRef idx="minor">
+            <a:schemeClr val="lt1"/>
+          </a:fontRef>
+        </p:style>
+        <p:txBody>
+          <a:bodyPr rtlCol="0" anchor="ctr"/>
+          <a:lstStyle/>
+          <a:p>
+            <a:pPr algn="ctr"/>
+            <a:r>
+              <a:rPr lang="en-US" sz="1400" dirty="0"/>
+              <a:t>Event Triggers</a:t>
+            </a:r>
+          </a:p>
+        </p:txBody>
+      </p:sp>
+      <p:sp>
+        <p:nvSpPr>
+          <p:cNvPr id="14" name="Rectangle 13">
+            <a:extLst>
+              <a:ext uri="{FF2B5EF4-FFF2-40B4-BE49-F238E27FC236}">
+                <a16:creationId xmlns:a16="http://schemas.microsoft.com/office/drawing/2014/main" id="{883B8C39-A7D2-441C-8A5E-3CB206BF52C2}"/>
+              </a:ext>
+            </a:extLst>
+          </p:cNvPr>
+          <p:cNvSpPr/>
+          <p:nvPr/>
+        </p:nvSpPr>
+        <p:spPr>
+          <a:xfrm>
+            <a:off x="7030457" y="683368"/>
+            <a:ext cx="972640" cy="209725"/>
+          </a:xfrm>
+          <a:prstGeom prst="rect">
+            <a:avLst/>
+          </a:prstGeom>
+          <a:solidFill>
+            <a:schemeClr val="tx1"/>
+          </a:solidFill>
+          <a:ln>
+            <a:solidFill>
+              <a:schemeClr val="tx1"/>
+            </a:solidFill>
+          </a:ln>
+        </p:spPr>
+        <p:style>
+          <a:lnRef idx="2">
+            <a:schemeClr val="accent1">
+              <a:shade val="50000"/>
+            </a:schemeClr>
+          </a:lnRef>
+          <a:fillRef idx="1">
+            <a:schemeClr val="accent1"/>
+          </a:fillRef>
+          <a:effectRef idx="0">
+            <a:schemeClr val="accent1"/>
+          </a:effectRef>
+          <a:fontRef idx="minor">
+            <a:schemeClr val="lt1"/>
+          </a:fontRef>
+        </p:style>
+        <p:txBody>
+          <a:bodyPr rtlCol="0" anchor="ctr"/>
+          <a:lstStyle/>
+          <a:p>
+            <a:pPr algn="ctr"/>
+            <a:endParaRPr lang="en-US"/>
+          </a:p>
+        </p:txBody>
+      </p:sp>
+    </p:spTree>
+    <p:extLst>
+      <p:ext uri="{BB962C8B-B14F-4D97-AF65-F5344CB8AC3E}">
+        <p14:creationId xmlns:p14="http://schemas.microsoft.com/office/powerpoint/2010/main" val="2041080089"/>
+      </p:ext>
+    </p:extLst>
+  </p:cSld>
+  <p:clrMapOvr>
+    <a:masterClrMapping/>
+  </p:clrMapOvr>
+</p:sld>
+</file>
+
+<file path=ppt/slides/slide17.xml><?xml version="1.0" encoding="utf-8"?>
+<p:sld xmlns:a="http://schemas.openxmlformats.org/drawingml/2006/main" xmlns:r="http://schemas.openxmlformats.org/officeDocument/2006/relationships" xmlns:p="http://schemas.openxmlformats.org/presentationml/2006/main">
+  <p:cSld>
+    <p:spTree>
+      <p:nvGrpSpPr>
+        <p:cNvPr id="1" name=""/>
+        <p:cNvGrpSpPr/>
+        <p:nvPr/>
+      </p:nvGrpSpPr>
+      <p:grpSpPr>
+        <a:xfrm>
+          <a:off x="0" y="0"/>
+          <a:ext cx="0" cy="0"/>
+          <a:chOff x="0" y="0"/>
+          <a:chExt cx="0" cy="0"/>
+        </a:xfrm>
+      </p:grpSpPr>
+      <p:sp>
+        <p:nvSpPr>
+          <p:cNvPr id="4" name="Rectangle 3"/>
+          <p:cNvSpPr/>
+          <p:nvPr/>
+        </p:nvSpPr>
+        <p:spPr>
+          <a:xfrm>
+            <a:off x="0" y="719847"/>
+            <a:ext cx="12192000" cy="6255901"/>
+          </a:xfrm>
+          <a:prstGeom prst="rect">
+            <a:avLst/>
+          </a:prstGeom>
+          <a:solidFill>
+            <a:srgbClr val="00359E"/>
+          </a:solidFill>
+          <a:ln>
+            <a:solidFill>
+              <a:srgbClr val="00359E"/>
+            </a:solidFill>
+          </a:ln>
+        </p:spPr>
+        <p:style>
+          <a:lnRef idx="2">
+            <a:schemeClr val="accent1">
+              <a:shade val="50000"/>
+            </a:schemeClr>
+          </a:lnRef>
+          <a:fillRef idx="1">
+            <a:schemeClr val="accent1"/>
+          </a:fillRef>
+          <a:effectRef idx="0">
+            <a:schemeClr val="accent1"/>
+          </a:effectRef>
+          <a:fontRef idx="minor">
+            <a:schemeClr val="lt1"/>
+          </a:fontRef>
+        </p:style>
+        <p:txBody>
+          <a:bodyPr rtlCol="0" anchor="ctr"/>
+          <a:lstStyle/>
+          <a:p>
+            <a:pPr algn="ctr"/>
+            <a:endParaRPr lang="en-US" sz="4000" dirty="0">
+              <a:solidFill>
+                <a:schemeClr val="bg1"/>
+              </a:solidFill>
+              <a:latin typeface="Arial" panose="020B0604020202020204" pitchFamily="34" charset="0"/>
+              <a:cs typeface="Arial" panose="020B0604020202020204" pitchFamily="34" charset="0"/>
+            </a:endParaRPr>
+          </a:p>
+        </p:txBody>
+      </p:sp>
+      <p:sp>
+        <p:nvSpPr>
+          <p:cNvPr id="3" name="TextBox 2">
+            <a:extLst>
+              <a:ext uri="{FF2B5EF4-FFF2-40B4-BE49-F238E27FC236}">
+                <a16:creationId xmlns:a16="http://schemas.microsoft.com/office/drawing/2014/main" id="{8820F06A-5A76-4928-9D79-B50D8CD0E691}"/>
+              </a:ext>
+            </a:extLst>
+          </p:cNvPr>
+          <p:cNvSpPr txBox="1"/>
+          <p:nvPr/>
+        </p:nvSpPr>
+        <p:spPr>
+          <a:xfrm>
+            <a:off x="0" y="-63620"/>
+            <a:ext cx="12192000" cy="769441"/>
+          </a:xfrm>
+          <a:prstGeom prst="rect">
+            <a:avLst/>
+          </a:prstGeom>
+          <a:noFill/>
+        </p:spPr>
+        <p:txBody>
+          <a:bodyPr wrap="square" rtlCol="0">
+            <a:spAutoFit/>
+          </a:bodyPr>
+          <a:lstStyle/>
+          <a:p>
+            <a:pPr algn="ctr"/>
+            <a:r>
+              <a:rPr lang="en-US" sz="4400" dirty="0">
+                <a:solidFill>
+                  <a:schemeClr val="bg1"/>
+                </a:solidFill>
+                <a:latin typeface="Arial Rounded MT Bold" panose="020F0704030504030204" pitchFamily="34" charset="0"/>
+                <a:cs typeface="Arial" panose="020B0604020202020204" pitchFamily="34" charset="0"/>
+              </a:rPr>
+              <a:t>Runbook Types</a:t>
+            </a:r>
+          </a:p>
+        </p:txBody>
+      </p:sp>
+      <p:pic>
+        <p:nvPicPr>
+          <p:cNvPr id="5" name="Picture 4">
+            <a:extLst>
+              <a:ext uri="{FF2B5EF4-FFF2-40B4-BE49-F238E27FC236}">
+                <a16:creationId xmlns:a16="http://schemas.microsoft.com/office/drawing/2014/main" id="{7F0A1FB3-27CF-409D-BE69-EC494A9C1915}"/>
+              </a:ext>
+            </a:extLst>
+          </p:cNvPr>
+          <p:cNvPicPr>
+            <a:picLocks noChangeAspect="1"/>
+          </p:cNvPicPr>
+          <p:nvPr/>
+        </p:nvPicPr>
+        <p:blipFill>
+          <a:blip r:embed="rId3"/>
+          <a:stretch>
+            <a:fillRect/>
+          </a:stretch>
+        </p:blipFill>
+        <p:spPr>
+          <a:xfrm>
+            <a:off x="506412" y="1621224"/>
+            <a:ext cx="10755687" cy="4892676"/>
+          </a:xfrm>
+          <a:prstGeom prst="rect">
+            <a:avLst/>
+          </a:prstGeom>
+        </p:spPr>
+      </p:pic>
+      <p:sp>
+        <p:nvSpPr>
+          <p:cNvPr id="6" name="Callout: Line 5">
+            <a:extLst>
+              <a:ext uri="{FF2B5EF4-FFF2-40B4-BE49-F238E27FC236}">
+                <a16:creationId xmlns:a16="http://schemas.microsoft.com/office/drawing/2014/main" id="{93628993-09F1-45C7-A684-4C7141DB27FE}"/>
+              </a:ext>
+            </a:extLst>
+          </p:cNvPr>
+          <p:cNvSpPr/>
+          <p:nvPr/>
+        </p:nvSpPr>
+        <p:spPr>
+          <a:xfrm>
+            <a:off x="5742679" y="2960206"/>
+            <a:ext cx="1871429" cy="489901"/>
+          </a:xfrm>
+          <a:prstGeom prst="borderCallout1">
+            <a:avLst>
+              <a:gd name="adj1" fmla="val 18750"/>
+              <a:gd name="adj2" fmla="val -8333"/>
+              <a:gd name="adj3" fmla="val 139559"/>
+              <a:gd name="adj4" fmla="val -81894"/>
+            </a:avLst>
+          </a:prstGeom>
+          <a:solidFill>
+            <a:srgbClr val="7030A0"/>
+          </a:solidFill>
+        </p:spPr>
+        <p:style>
+          <a:lnRef idx="2">
+            <a:schemeClr val="accent2">
+              <a:shade val="50000"/>
+            </a:schemeClr>
+          </a:lnRef>
+          <a:fillRef idx="1">
+            <a:schemeClr val="accent2"/>
+          </a:fillRef>
+          <a:effectRef idx="0">
+            <a:schemeClr val="accent2"/>
+          </a:effectRef>
+          <a:fontRef idx="minor">
+            <a:schemeClr val="lt1"/>
+          </a:fontRef>
+        </p:style>
+        <p:txBody>
+          <a:bodyPr rtlCol="0" anchor="ctr"/>
+          <a:lstStyle/>
+          <a:p>
+            <a:pPr algn="ctr"/>
+            <a:r>
+              <a:rPr lang="en-US" dirty="0"/>
+              <a:t>Graphical Runbook</a:t>
+            </a:r>
+          </a:p>
+        </p:txBody>
+      </p:sp>
+      <p:sp>
+        <p:nvSpPr>
+          <p:cNvPr id="7" name="Callout: Line 6">
+            <a:extLst>
+              <a:ext uri="{FF2B5EF4-FFF2-40B4-BE49-F238E27FC236}">
+                <a16:creationId xmlns:a16="http://schemas.microsoft.com/office/drawing/2014/main" id="{14C58261-1B44-41DC-8B86-6CC7AE51A728}"/>
+              </a:ext>
+            </a:extLst>
+          </p:cNvPr>
+          <p:cNvSpPr/>
+          <p:nvPr/>
+        </p:nvSpPr>
+        <p:spPr>
+          <a:xfrm>
+            <a:off x="6579258" y="4492102"/>
+            <a:ext cx="1871429" cy="489901"/>
+          </a:xfrm>
+          <a:prstGeom prst="borderCallout1">
+            <a:avLst>
+              <a:gd name="adj1" fmla="val 18750"/>
+              <a:gd name="adj2" fmla="val -8333"/>
+              <a:gd name="adj3" fmla="val -49077"/>
+              <a:gd name="adj4" fmla="val -127636"/>
+            </a:avLst>
+          </a:prstGeom>
+          <a:solidFill>
+            <a:srgbClr val="7030A0"/>
+          </a:solidFill>
+        </p:spPr>
+        <p:style>
+          <a:lnRef idx="2">
+            <a:schemeClr val="accent2">
+              <a:shade val="50000"/>
+            </a:schemeClr>
+          </a:lnRef>
+          <a:fillRef idx="1">
+            <a:schemeClr val="accent2"/>
+          </a:fillRef>
+          <a:effectRef idx="0">
+            <a:schemeClr val="accent2"/>
+          </a:effectRef>
+          <a:fontRef idx="minor">
+            <a:schemeClr val="lt1"/>
+          </a:fontRef>
+        </p:style>
+        <p:txBody>
+          <a:bodyPr rtlCol="0" anchor="ctr"/>
+          <a:lstStyle/>
+          <a:p>
+            <a:pPr algn="ctr"/>
+            <a:r>
+              <a:rPr lang="en-US" dirty="0"/>
+              <a:t>Python Runbook</a:t>
+            </a:r>
+          </a:p>
+        </p:txBody>
+      </p:sp>
+      <p:sp>
+        <p:nvSpPr>
+          <p:cNvPr id="8" name="Callout: Line 7">
+            <a:extLst>
+              <a:ext uri="{FF2B5EF4-FFF2-40B4-BE49-F238E27FC236}">
+                <a16:creationId xmlns:a16="http://schemas.microsoft.com/office/drawing/2014/main" id="{FD0C1FAD-5E64-4DD3-B085-C811C09C01A8}"/>
+              </a:ext>
+            </a:extLst>
+          </p:cNvPr>
+          <p:cNvSpPr/>
+          <p:nvPr/>
+        </p:nvSpPr>
+        <p:spPr>
+          <a:xfrm>
+            <a:off x="6762699" y="6009973"/>
+            <a:ext cx="1871429" cy="489901"/>
+          </a:xfrm>
+          <a:prstGeom prst="borderCallout1">
+            <a:avLst>
+              <a:gd name="adj1" fmla="val 18750"/>
+              <a:gd name="adj2" fmla="val -8333"/>
+              <a:gd name="adj3" fmla="val -25249"/>
+              <a:gd name="adj4" fmla="val -137512"/>
+            </a:avLst>
+          </a:prstGeom>
+          <a:solidFill>
+            <a:srgbClr val="7030A0"/>
+          </a:solidFill>
+        </p:spPr>
+        <p:style>
+          <a:lnRef idx="2">
+            <a:schemeClr val="accent2">
+              <a:shade val="50000"/>
+            </a:schemeClr>
+          </a:lnRef>
+          <a:fillRef idx="1">
+            <a:schemeClr val="accent2"/>
+          </a:fillRef>
+          <a:effectRef idx="0">
+            <a:schemeClr val="accent2"/>
+          </a:effectRef>
+          <a:fontRef idx="minor">
+            <a:schemeClr val="lt1"/>
+          </a:fontRef>
+        </p:style>
+        <p:txBody>
+          <a:bodyPr rtlCol="0" anchor="ctr"/>
+          <a:lstStyle/>
+          <a:p>
+            <a:pPr algn="ctr"/>
+            <a:r>
+              <a:rPr lang="en-US" dirty="0"/>
+              <a:t>PowerShell Script Runbook</a:t>
+            </a:r>
+          </a:p>
+        </p:txBody>
+      </p:sp>
+      <p:sp>
+        <p:nvSpPr>
+          <p:cNvPr id="9" name="Callout: Line 8">
+            <a:extLst>
+              <a:ext uri="{FF2B5EF4-FFF2-40B4-BE49-F238E27FC236}">
+                <a16:creationId xmlns:a16="http://schemas.microsoft.com/office/drawing/2014/main" id="{DC350FE2-3943-422B-AD36-903C8461DF2A}"/>
+              </a:ext>
+            </a:extLst>
+          </p:cNvPr>
+          <p:cNvSpPr/>
+          <p:nvPr/>
+        </p:nvSpPr>
+        <p:spPr>
+          <a:xfrm>
+            <a:off x="7305589" y="940193"/>
+            <a:ext cx="1871429" cy="489901"/>
+          </a:xfrm>
+          <a:prstGeom prst="borderCallout1">
+            <a:avLst>
+              <a:gd name="adj1" fmla="val 54491"/>
+              <a:gd name="adj2" fmla="val -6774"/>
+              <a:gd name="adj3" fmla="val 54176"/>
+              <a:gd name="adj4" fmla="val -68899"/>
+            </a:avLst>
+          </a:prstGeom>
+          <a:solidFill>
+            <a:srgbClr val="7030A0"/>
+          </a:solidFill>
+          <a:ln>
+            <a:solidFill>
+              <a:schemeClr val="bg1">
+                <a:lumMod val="95000"/>
+              </a:schemeClr>
+            </a:solidFill>
+          </a:ln>
+        </p:spPr>
+        <p:style>
+          <a:lnRef idx="2">
+            <a:schemeClr val="accent2">
+              <a:shade val="50000"/>
+            </a:schemeClr>
+          </a:lnRef>
+          <a:fillRef idx="1">
+            <a:schemeClr val="accent2"/>
+          </a:fillRef>
+          <a:effectRef idx="0">
+            <a:schemeClr val="accent2"/>
+          </a:effectRef>
+          <a:fontRef idx="minor">
+            <a:schemeClr val="lt1"/>
+          </a:fontRef>
+        </p:style>
+        <p:txBody>
+          <a:bodyPr rtlCol="0" anchor="ctr"/>
+          <a:lstStyle/>
+          <a:p>
+            <a:pPr algn="ctr"/>
+            <a:r>
+              <a:rPr lang="en-US" dirty="0"/>
+              <a:t>Workflow Runbook</a:t>
+            </a:r>
+          </a:p>
+        </p:txBody>
+      </p:sp>
+      <p:sp>
+        <p:nvSpPr>
+          <p:cNvPr id="10" name="Rectangle 9">
+            <a:extLst>
+              <a:ext uri="{FF2B5EF4-FFF2-40B4-BE49-F238E27FC236}">
+                <a16:creationId xmlns:a16="http://schemas.microsoft.com/office/drawing/2014/main" id="{644870AB-1AE4-4E4B-9ECC-05D59E345E31}"/>
+              </a:ext>
+            </a:extLst>
+          </p:cNvPr>
+          <p:cNvSpPr/>
+          <p:nvPr/>
+        </p:nvSpPr>
+        <p:spPr>
+          <a:xfrm>
+            <a:off x="4348973" y="880048"/>
+            <a:ext cx="1566153" cy="591010"/>
+          </a:xfrm>
+          <a:prstGeom prst="rect">
+            <a:avLst/>
+          </a:prstGeom>
+          <a:solidFill>
+            <a:schemeClr val="tx1"/>
+          </a:solidFill>
+          <a:ln>
+            <a:solidFill>
+              <a:schemeClr val="bg1"/>
+            </a:solidFill>
+          </a:ln>
+        </p:spPr>
+        <p:style>
+          <a:lnRef idx="2">
+            <a:schemeClr val="accent1">
+              <a:shade val="50000"/>
+            </a:schemeClr>
+          </a:lnRef>
+          <a:fillRef idx="1">
+            <a:schemeClr val="accent1"/>
+          </a:fillRef>
+          <a:effectRef idx="0">
+            <a:schemeClr val="accent1"/>
+          </a:effectRef>
+          <a:fontRef idx="minor">
+            <a:schemeClr val="lt1"/>
+          </a:fontRef>
+        </p:style>
+        <p:txBody>
+          <a:bodyPr rtlCol="0" anchor="ctr"/>
+          <a:lstStyle/>
+          <a:p>
+            <a:pPr algn="ctr"/>
+            <a:r>
+              <a:rPr lang="en-US" dirty="0"/>
+              <a:t>Not Shown</a:t>
+            </a:r>
+          </a:p>
+        </p:txBody>
+      </p:sp>
+    </p:spTree>
+    <p:extLst>
+      <p:ext uri="{BB962C8B-B14F-4D97-AF65-F5344CB8AC3E}">
+        <p14:creationId xmlns:p14="http://schemas.microsoft.com/office/powerpoint/2010/main" val="535854387"/>
+      </p:ext>
+    </p:extLst>
+  </p:cSld>
+  <p:clrMapOvr>
+    <a:masterClrMapping/>
+  </p:clrMapOvr>
+</p:sld>
+</file>
+
+<file path=ppt/slides/slide18.xml><?xml version="1.0" encoding="utf-8"?>
+<p:sld xmlns:a="http://schemas.openxmlformats.org/drawingml/2006/main" xmlns:r="http://schemas.openxmlformats.org/officeDocument/2006/relationships" xmlns:p="http://schemas.openxmlformats.org/presentationml/2006/main">
+  <p:cSld>
+    <p:spTree>
+      <p:nvGrpSpPr>
+        <p:cNvPr id="1" name=""/>
+        <p:cNvGrpSpPr/>
+        <p:nvPr/>
+      </p:nvGrpSpPr>
+      <p:grpSpPr>
+        <a:xfrm>
+          <a:off x="0" y="0"/>
+          <a:ext cx="0" cy="0"/>
+          <a:chOff x="0" y="0"/>
+          <a:chExt cx="0" cy="0"/>
+        </a:xfrm>
+      </p:grpSpPr>
+      <p:sp>
+        <p:nvSpPr>
+          <p:cNvPr id="4" name="Rectangle 3"/>
+          <p:cNvSpPr/>
+          <p:nvPr/>
+        </p:nvSpPr>
+        <p:spPr>
+          <a:xfrm>
+            <a:off x="0" y="851783"/>
+            <a:ext cx="12192000" cy="6123965"/>
+          </a:xfrm>
+          <a:prstGeom prst="rect">
+            <a:avLst/>
+          </a:prstGeom>
+          <a:solidFill>
+            <a:srgbClr val="00359E"/>
+          </a:solidFill>
+          <a:ln>
+            <a:solidFill>
+              <a:srgbClr val="00359E"/>
+            </a:solidFill>
+          </a:ln>
+        </p:spPr>
+        <p:style>
+          <a:lnRef idx="2">
+            <a:schemeClr val="accent1">
+              <a:shade val="50000"/>
+            </a:schemeClr>
+          </a:lnRef>
+          <a:fillRef idx="1">
+            <a:schemeClr val="accent1"/>
+          </a:fillRef>
+          <a:effectRef idx="0">
+            <a:schemeClr val="accent1"/>
+          </a:effectRef>
+          <a:fontRef idx="minor">
+            <a:schemeClr val="lt1"/>
+          </a:fontRef>
+        </p:style>
+        <p:txBody>
+          <a:bodyPr rtlCol="0" anchor="ctr"/>
+          <a:lstStyle/>
+          <a:p>
+            <a:pPr algn="ctr"/>
+            <a:endParaRPr lang="en-US" sz="4000" dirty="0">
+              <a:solidFill>
+                <a:schemeClr val="bg1"/>
+              </a:solidFill>
+              <a:latin typeface="Arial" panose="020B0604020202020204" pitchFamily="34" charset="0"/>
+              <a:cs typeface="Arial" panose="020B0604020202020204" pitchFamily="34" charset="0"/>
+            </a:endParaRPr>
+          </a:p>
+        </p:txBody>
+      </p:sp>
+      <p:sp>
+        <p:nvSpPr>
+          <p:cNvPr id="3" name="TextBox 2">
+            <a:extLst>
+              <a:ext uri="{FF2B5EF4-FFF2-40B4-BE49-F238E27FC236}">
+                <a16:creationId xmlns:a16="http://schemas.microsoft.com/office/drawing/2014/main" id="{8820F06A-5A76-4928-9D79-B50D8CD0E691}"/>
+              </a:ext>
+            </a:extLst>
+          </p:cNvPr>
+          <p:cNvSpPr txBox="1"/>
+          <p:nvPr/>
+        </p:nvSpPr>
+        <p:spPr>
+          <a:xfrm>
+            <a:off x="0" y="82342"/>
+            <a:ext cx="12192000" cy="769441"/>
+          </a:xfrm>
+          <a:prstGeom prst="rect">
+            <a:avLst/>
+          </a:prstGeom>
+          <a:noFill/>
+        </p:spPr>
+        <p:txBody>
+          <a:bodyPr wrap="square" rtlCol="0">
+            <a:spAutoFit/>
+          </a:bodyPr>
+          <a:lstStyle/>
+          <a:p>
+            <a:pPr algn="ctr"/>
+            <a:r>
+              <a:rPr lang="en-US" sz="4400" dirty="0">
+                <a:solidFill>
+                  <a:schemeClr val="bg1"/>
+                </a:solidFill>
+                <a:latin typeface="Arial Rounded MT Bold" panose="020F0704030504030204" pitchFamily="34" charset="0"/>
+                <a:cs typeface="Arial" panose="020B0604020202020204" pitchFamily="34" charset="0"/>
+              </a:rPr>
+              <a:t>Runbook Job Status</a:t>
+            </a:r>
+          </a:p>
+        </p:txBody>
+      </p:sp>
+      <p:pic>
+        <p:nvPicPr>
+          <p:cNvPr id="5" name="Picture 4">
+            <a:extLst>
+              <a:ext uri="{FF2B5EF4-FFF2-40B4-BE49-F238E27FC236}">
+                <a16:creationId xmlns:a16="http://schemas.microsoft.com/office/drawing/2014/main" id="{E6D8E50B-56AA-420E-A22F-8497AA26C2F1}"/>
+              </a:ext>
+            </a:extLst>
+          </p:cNvPr>
+          <p:cNvPicPr>
+            <a:picLocks noChangeAspect="1"/>
+          </p:cNvPicPr>
+          <p:nvPr/>
+        </p:nvPicPr>
+        <p:blipFill>
+          <a:blip r:embed="rId3"/>
+          <a:stretch>
+            <a:fillRect/>
+          </a:stretch>
+        </p:blipFill>
+        <p:spPr>
+          <a:xfrm>
+            <a:off x="2967017" y="1141203"/>
+            <a:ext cx="5724693" cy="5545123"/>
+          </a:xfrm>
+          <a:prstGeom prst="rect">
+            <a:avLst/>
+          </a:prstGeom>
+        </p:spPr>
+      </p:pic>
+    </p:spTree>
+    <p:extLst>
+      <p:ext uri="{BB962C8B-B14F-4D97-AF65-F5344CB8AC3E}">
+        <p14:creationId xmlns:p14="http://schemas.microsoft.com/office/powerpoint/2010/main" val="919162649"/>
+      </p:ext>
+    </p:extLst>
+  </p:cSld>
+  <p:clrMapOvr>
+    <a:masterClrMapping/>
+  </p:clrMapOvr>
+</p:sld>
+</file>
+
+<file path=ppt/slides/slide19.xml><?xml version="1.0" encoding="utf-8"?>
+<p:sld xmlns:a="http://schemas.openxmlformats.org/drawingml/2006/main" xmlns:r="http://schemas.openxmlformats.org/officeDocument/2006/relationships" xmlns:p="http://schemas.openxmlformats.org/presentationml/2006/main">
+  <p:cSld>
+    <p:spTree>
+      <p:nvGrpSpPr>
+        <p:cNvPr id="1" name=""/>
+        <p:cNvGrpSpPr/>
+        <p:nvPr/>
+      </p:nvGrpSpPr>
+      <p:grpSpPr>
+        <a:xfrm>
+          <a:off x="0" y="0"/>
+          <a:ext cx="0" cy="0"/>
+          <a:chOff x="0" y="0"/>
+          <a:chExt cx="0" cy="0"/>
+        </a:xfrm>
+      </p:grpSpPr>
+      <p:sp>
+        <p:nvSpPr>
+          <p:cNvPr id="4" name="Rectangle 3"/>
+          <p:cNvSpPr/>
+          <p:nvPr/>
+        </p:nvSpPr>
+        <p:spPr>
+          <a:xfrm>
+            <a:off x="0" y="851783"/>
+            <a:ext cx="12192000" cy="6123965"/>
+          </a:xfrm>
+          <a:prstGeom prst="rect">
+            <a:avLst/>
+          </a:prstGeom>
+          <a:solidFill>
+            <a:srgbClr val="00359E"/>
+          </a:solidFill>
+          <a:ln>
+            <a:solidFill>
+              <a:srgbClr val="00359E"/>
+            </a:solidFill>
+          </a:ln>
+        </p:spPr>
+        <p:style>
+          <a:lnRef idx="2">
+            <a:schemeClr val="accent1">
+              <a:shade val="50000"/>
+            </a:schemeClr>
+          </a:lnRef>
+          <a:fillRef idx="1">
+            <a:schemeClr val="accent1"/>
+          </a:fillRef>
+          <a:effectRef idx="0">
+            <a:schemeClr val="accent1"/>
+          </a:effectRef>
+          <a:fontRef idx="minor">
+            <a:schemeClr val="lt1"/>
+          </a:fontRef>
+        </p:style>
+        <p:txBody>
+          <a:bodyPr rtlCol="0" anchor="ctr"/>
+          <a:lstStyle/>
+          <a:p>
+            <a:pPr algn="ctr"/>
+            <a:endParaRPr lang="en-US" sz="4000" dirty="0">
+              <a:solidFill>
+                <a:schemeClr val="bg1"/>
+              </a:solidFill>
+              <a:latin typeface="Arial" panose="020B0604020202020204" pitchFamily="34" charset="0"/>
+              <a:cs typeface="Arial" panose="020B0604020202020204" pitchFamily="34" charset="0"/>
+            </a:endParaRPr>
+          </a:p>
+        </p:txBody>
+      </p:sp>
+      <p:pic>
+        <p:nvPicPr>
+          <p:cNvPr id="5" name="Picture 4">
+            <a:extLst>
+              <a:ext uri="{FF2B5EF4-FFF2-40B4-BE49-F238E27FC236}">
+                <a16:creationId xmlns:a16="http://schemas.microsoft.com/office/drawing/2014/main" id="{0CAA89AE-5B7C-46FB-9815-29C1B1BC2DDA}"/>
+              </a:ext>
+            </a:extLst>
+          </p:cNvPr>
+          <p:cNvPicPr>
+            <a:picLocks noChangeAspect="1"/>
+          </p:cNvPicPr>
+          <p:nvPr/>
+        </p:nvPicPr>
+        <p:blipFill>
+          <a:blip r:embed="rId3"/>
+          <a:stretch>
+            <a:fillRect/>
+          </a:stretch>
+        </p:blipFill>
+        <p:spPr>
+          <a:xfrm>
+            <a:off x="274532" y="1371600"/>
+            <a:ext cx="7717926" cy="4863830"/>
+          </a:xfrm>
+          <a:prstGeom prst="rect">
+            <a:avLst/>
+          </a:prstGeom>
+        </p:spPr>
+      </p:pic>
+      <p:sp>
+        <p:nvSpPr>
+          <p:cNvPr id="3" name="TextBox 2">
+            <a:extLst>
+              <a:ext uri="{FF2B5EF4-FFF2-40B4-BE49-F238E27FC236}">
+                <a16:creationId xmlns:a16="http://schemas.microsoft.com/office/drawing/2014/main" id="{8820F06A-5A76-4928-9D79-B50D8CD0E691}"/>
+              </a:ext>
+            </a:extLst>
+          </p:cNvPr>
+          <p:cNvSpPr txBox="1"/>
+          <p:nvPr/>
+        </p:nvSpPr>
+        <p:spPr>
+          <a:xfrm>
+            <a:off x="0" y="82342"/>
+            <a:ext cx="12192000" cy="769441"/>
+          </a:xfrm>
+          <a:prstGeom prst="rect">
+            <a:avLst/>
+          </a:prstGeom>
+          <a:noFill/>
+        </p:spPr>
+        <p:txBody>
+          <a:bodyPr wrap="square" rtlCol="0">
+            <a:spAutoFit/>
+          </a:bodyPr>
+          <a:lstStyle/>
+          <a:p>
+            <a:pPr algn="ctr"/>
+            <a:r>
+              <a:rPr lang="en-US" sz="4400" dirty="0">
+                <a:solidFill>
+                  <a:schemeClr val="bg1"/>
+                </a:solidFill>
+                <a:latin typeface="Arial Rounded MT Bold" panose="020F0704030504030204" pitchFamily="34" charset="0"/>
+                <a:cs typeface="Arial" panose="020B0604020202020204" pitchFamily="34" charset="0"/>
+              </a:rPr>
+              <a:t>Creating a Runbook</a:t>
+            </a:r>
+          </a:p>
+        </p:txBody>
+      </p:sp>
+      <p:sp>
+        <p:nvSpPr>
+          <p:cNvPr id="6" name="Callout: Line 5">
+            <a:extLst>
+              <a:ext uri="{FF2B5EF4-FFF2-40B4-BE49-F238E27FC236}">
+                <a16:creationId xmlns:a16="http://schemas.microsoft.com/office/drawing/2014/main" id="{D9E1CA93-0EC9-43AF-A880-BDC166C27F28}"/>
+              </a:ext>
+            </a:extLst>
+          </p:cNvPr>
+          <p:cNvSpPr/>
+          <p:nvPr/>
+        </p:nvSpPr>
+        <p:spPr>
+          <a:xfrm>
+            <a:off x="9017481" y="3062326"/>
+            <a:ext cx="2248934" cy="567626"/>
+          </a:xfrm>
+          <a:prstGeom prst="borderCallout1">
+            <a:avLst>
+              <a:gd name="adj1" fmla="val 18750"/>
+              <a:gd name="adj2" fmla="val -8333"/>
+              <a:gd name="adj3" fmla="val 143665"/>
+              <a:gd name="adj4" fmla="val -164316"/>
+            </a:avLst>
+          </a:prstGeom>
+          <a:solidFill>
+            <a:srgbClr val="C00000"/>
+          </a:solidFill>
+        </p:spPr>
+        <p:style>
+          <a:lnRef idx="2">
+            <a:schemeClr val="accent2">
+              <a:shade val="50000"/>
+            </a:schemeClr>
+          </a:lnRef>
+          <a:fillRef idx="1">
+            <a:schemeClr val="accent2"/>
+          </a:fillRef>
+          <a:effectRef idx="0">
+            <a:schemeClr val="accent2"/>
+          </a:effectRef>
+          <a:fontRef idx="minor">
+            <a:schemeClr val="lt1"/>
+          </a:fontRef>
+        </p:style>
+        <p:txBody>
+          <a:bodyPr rtlCol="0" anchor="ctr"/>
+          <a:lstStyle/>
+          <a:p>
+            <a:pPr algn="ctr"/>
+            <a:r>
+              <a:rPr lang="en-US" sz="1600" dirty="0"/>
+              <a:t>Standard PowerShell Language</a:t>
+            </a:r>
+          </a:p>
+        </p:txBody>
+      </p:sp>
+      <p:sp>
+        <p:nvSpPr>
+          <p:cNvPr id="7" name="Callout: Line 6">
+            <a:extLst>
+              <a:ext uri="{FF2B5EF4-FFF2-40B4-BE49-F238E27FC236}">
+                <a16:creationId xmlns:a16="http://schemas.microsoft.com/office/drawing/2014/main" id="{3ECDD675-E5EB-4404-95A3-2827A87EA00C}"/>
+              </a:ext>
+            </a:extLst>
+          </p:cNvPr>
+          <p:cNvSpPr/>
+          <p:nvPr/>
+        </p:nvSpPr>
+        <p:spPr>
+          <a:xfrm>
+            <a:off x="9017481" y="4337980"/>
+            <a:ext cx="2248934" cy="567626"/>
+          </a:xfrm>
+          <a:prstGeom prst="borderCallout1">
+            <a:avLst>
+              <a:gd name="adj1" fmla="val 18750"/>
+              <a:gd name="adj2" fmla="val -8333"/>
+              <a:gd name="adj3" fmla="val 18244"/>
+              <a:gd name="adj4" fmla="val -165501"/>
+            </a:avLst>
+          </a:prstGeom>
+          <a:solidFill>
+            <a:srgbClr val="C00000"/>
+          </a:solidFill>
+        </p:spPr>
+        <p:style>
+          <a:lnRef idx="2">
+            <a:schemeClr val="accent2">
+              <a:shade val="50000"/>
+            </a:schemeClr>
+          </a:lnRef>
+          <a:fillRef idx="1">
+            <a:schemeClr val="accent2"/>
+          </a:fillRef>
+          <a:effectRef idx="0">
+            <a:schemeClr val="accent2"/>
+          </a:effectRef>
+          <a:fontRef idx="minor">
+            <a:schemeClr val="lt1"/>
+          </a:fontRef>
+        </p:style>
+        <p:txBody>
+          <a:bodyPr rtlCol="0" anchor="ctr"/>
+          <a:lstStyle/>
+          <a:p>
+            <a:pPr algn="ctr"/>
+            <a:r>
+              <a:rPr lang="en-US" sz="1600" dirty="0"/>
+              <a:t>Standard PowerShell using GUI Designer</a:t>
+            </a:r>
+          </a:p>
+        </p:txBody>
+      </p:sp>
+      <p:sp>
+        <p:nvSpPr>
+          <p:cNvPr id="8" name="Callout: Line 7">
+            <a:extLst>
+              <a:ext uri="{FF2B5EF4-FFF2-40B4-BE49-F238E27FC236}">
+                <a16:creationId xmlns:a16="http://schemas.microsoft.com/office/drawing/2014/main" id="{2CD3575A-15C7-4A81-A993-906E03A3EAD7}"/>
+              </a:ext>
+            </a:extLst>
+          </p:cNvPr>
+          <p:cNvSpPr/>
+          <p:nvPr/>
+        </p:nvSpPr>
+        <p:spPr>
+          <a:xfrm>
+            <a:off x="9017481" y="5080962"/>
+            <a:ext cx="2248934" cy="567626"/>
+          </a:xfrm>
+          <a:prstGeom prst="borderCallout1">
+            <a:avLst>
+              <a:gd name="adj1" fmla="val 18750"/>
+              <a:gd name="adj2" fmla="val -8333"/>
+              <a:gd name="adj3" fmla="val -30198"/>
+              <a:gd name="adj4" fmla="val -129209"/>
+            </a:avLst>
+          </a:prstGeom>
+          <a:solidFill>
+            <a:srgbClr val="C00000"/>
+          </a:solidFill>
+        </p:spPr>
+        <p:style>
+          <a:lnRef idx="2">
+            <a:schemeClr val="accent2">
+              <a:shade val="50000"/>
+            </a:schemeClr>
+          </a:lnRef>
+          <a:fillRef idx="1">
+            <a:schemeClr val="accent2"/>
+          </a:fillRef>
+          <a:effectRef idx="0">
+            <a:schemeClr val="accent2"/>
+          </a:effectRef>
+          <a:fontRef idx="minor">
+            <a:schemeClr val="lt1"/>
+          </a:fontRef>
+        </p:style>
+        <p:txBody>
+          <a:bodyPr rtlCol="0" anchor="ctr"/>
+          <a:lstStyle/>
+          <a:p>
+            <a:pPr algn="ctr"/>
+            <a:r>
+              <a:rPr lang="en-US" sz="1600" dirty="0"/>
+              <a:t>PowerShell using Workflow Engine</a:t>
+            </a:r>
+          </a:p>
+        </p:txBody>
+      </p:sp>
+      <p:sp>
+        <p:nvSpPr>
+          <p:cNvPr id="9" name="Callout: Line 8">
+            <a:extLst>
+              <a:ext uri="{FF2B5EF4-FFF2-40B4-BE49-F238E27FC236}">
+                <a16:creationId xmlns:a16="http://schemas.microsoft.com/office/drawing/2014/main" id="{267142CD-3131-4682-B058-D65A47705230}"/>
+              </a:ext>
+            </a:extLst>
+          </p:cNvPr>
+          <p:cNvSpPr/>
+          <p:nvPr/>
+        </p:nvSpPr>
+        <p:spPr>
+          <a:xfrm>
+            <a:off x="9017481" y="5948953"/>
+            <a:ext cx="2248934" cy="567626"/>
+          </a:xfrm>
+          <a:prstGeom prst="borderCallout1">
+            <a:avLst>
+              <a:gd name="adj1" fmla="val 18750"/>
+              <a:gd name="adj2" fmla="val -8333"/>
+              <a:gd name="adj3" fmla="val -133995"/>
+              <a:gd name="adj4" fmla="val -109154"/>
+            </a:avLst>
+          </a:prstGeom>
+          <a:solidFill>
+            <a:srgbClr val="C00000"/>
+          </a:solidFill>
+        </p:spPr>
+        <p:style>
+          <a:lnRef idx="2">
+            <a:schemeClr val="accent2">
+              <a:shade val="50000"/>
+            </a:schemeClr>
+          </a:lnRef>
+          <a:fillRef idx="1">
+            <a:schemeClr val="accent2"/>
+          </a:fillRef>
+          <a:effectRef idx="0">
+            <a:schemeClr val="accent2"/>
+          </a:effectRef>
+          <a:fontRef idx="minor">
+            <a:schemeClr val="lt1"/>
+          </a:fontRef>
+        </p:style>
+        <p:txBody>
+          <a:bodyPr rtlCol="0" anchor="ctr"/>
+          <a:lstStyle/>
+          <a:p>
+            <a:pPr algn="ctr"/>
+            <a:r>
+              <a:rPr lang="en-US" sz="1600" dirty="0"/>
+              <a:t>PowerShell Workflow using GUI Designer</a:t>
+            </a:r>
+          </a:p>
+        </p:txBody>
+      </p:sp>
+      <p:sp>
+        <p:nvSpPr>
+          <p:cNvPr id="10" name="Callout: Line 9">
+            <a:extLst>
+              <a:ext uri="{FF2B5EF4-FFF2-40B4-BE49-F238E27FC236}">
+                <a16:creationId xmlns:a16="http://schemas.microsoft.com/office/drawing/2014/main" id="{34864108-5027-4359-82A5-3B6B38B127A8}"/>
+              </a:ext>
+            </a:extLst>
+          </p:cNvPr>
+          <p:cNvSpPr/>
+          <p:nvPr/>
+        </p:nvSpPr>
+        <p:spPr>
+          <a:xfrm>
+            <a:off x="9017481" y="3721970"/>
+            <a:ext cx="2248934" cy="567626"/>
+          </a:xfrm>
+          <a:prstGeom prst="borderCallout1">
+            <a:avLst>
+              <a:gd name="adj1" fmla="val 18750"/>
+              <a:gd name="adj2" fmla="val -8333"/>
+              <a:gd name="adj3" fmla="val 79541"/>
+              <a:gd name="adj4" fmla="val -152473"/>
+            </a:avLst>
+          </a:prstGeom>
+          <a:solidFill>
+            <a:srgbClr val="C00000"/>
+          </a:solidFill>
+        </p:spPr>
+        <p:style>
+          <a:lnRef idx="2">
+            <a:schemeClr val="accent2">
+              <a:shade val="50000"/>
+            </a:schemeClr>
+          </a:lnRef>
+          <a:fillRef idx="1">
+            <a:schemeClr val="accent2"/>
+          </a:fillRef>
+          <a:effectRef idx="0">
+            <a:schemeClr val="accent2"/>
+          </a:effectRef>
+          <a:fontRef idx="minor">
+            <a:schemeClr val="lt1"/>
+          </a:fontRef>
+        </p:style>
+        <p:txBody>
+          <a:bodyPr rtlCol="0" anchor="ctr"/>
+          <a:lstStyle/>
+          <a:p>
+            <a:pPr algn="ctr"/>
+            <a:r>
+              <a:rPr lang="en-US" sz="1600" dirty="0"/>
+              <a:t>Python 2 Language</a:t>
+            </a:r>
+          </a:p>
+        </p:txBody>
+      </p:sp>
+    </p:spTree>
+    <p:extLst>
+      <p:ext uri="{BB962C8B-B14F-4D97-AF65-F5344CB8AC3E}">
+        <p14:creationId xmlns:p14="http://schemas.microsoft.com/office/powerpoint/2010/main" val="654000242"/>
+      </p:ext>
+    </p:extLst>
+  </p:cSld>
+  <p:clrMapOvr>
+    <a:masterClrMapping/>
+  </p:clrMapOvr>
+</p:sld>
+</file>
+
+<file path=ppt/slides/slide2.xml><?xml version="1.0" encoding="utf-8"?>
+<p:sld xmlns:a="http://schemas.openxmlformats.org/drawingml/2006/main" xmlns:r="http://schemas.openxmlformats.org/officeDocument/2006/relationships" xmlns:p="http://schemas.openxmlformats.org/presentationml/2006/main">
+  <p:cSld>
     <p:bg>
       <p:bgPr>
         <a:solidFill>
@@ -6980,2731 +10217,7 @@
 </p:sld>
 </file>
 
-<file path=ppt/slides/slide10.xml><?xml version="1.0" encoding="utf-8"?>
-<p:sld xmlns:a="http://schemas.openxmlformats.org/drawingml/2006/main" xmlns:r="http://schemas.openxmlformats.org/officeDocument/2006/relationships" xmlns:p="http://schemas.openxmlformats.org/presentationml/2006/main">
-  <p:cSld>
-    <p:spTree>
-      <p:nvGrpSpPr>
-        <p:cNvPr id="1" name=""/>
-        <p:cNvGrpSpPr/>
-        <p:nvPr/>
-      </p:nvGrpSpPr>
-      <p:grpSpPr>
-        <a:xfrm>
-          <a:off x="0" y="0"/>
-          <a:ext cx="0" cy="0"/>
-          <a:chOff x="0" y="0"/>
-          <a:chExt cx="0" cy="0"/>
-        </a:xfrm>
-      </p:grpSpPr>
-      <p:sp>
-        <p:nvSpPr>
-          <p:cNvPr id="4" name="Rectangle 3"/>
-          <p:cNvSpPr/>
-          <p:nvPr/>
-        </p:nvSpPr>
-        <p:spPr>
-          <a:xfrm>
-            <a:off x="0" y="851783"/>
-            <a:ext cx="12192000" cy="6123965"/>
-          </a:xfrm>
-          <a:prstGeom prst="rect">
-            <a:avLst/>
-          </a:prstGeom>
-          <a:solidFill>
-            <a:srgbClr val="00359E"/>
-          </a:solidFill>
-          <a:ln>
-            <a:solidFill>
-              <a:srgbClr val="00359E"/>
-            </a:solidFill>
-          </a:ln>
-        </p:spPr>
-        <p:style>
-          <a:lnRef idx="2">
-            <a:schemeClr val="accent1">
-              <a:shade val="50000"/>
-            </a:schemeClr>
-          </a:lnRef>
-          <a:fillRef idx="1">
-            <a:schemeClr val="accent1"/>
-          </a:fillRef>
-          <a:effectRef idx="0">
-            <a:schemeClr val="accent1"/>
-          </a:effectRef>
-          <a:fontRef idx="minor">
-            <a:schemeClr val="lt1"/>
-          </a:fontRef>
-        </p:style>
-        <p:txBody>
-          <a:bodyPr rtlCol="0" anchor="ctr"/>
-          <a:lstStyle/>
-          <a:p>
-            <a:pPr algn="ctr"/>
-            <a:endParaRPr lang="en-US" sz="4000" dirty="0">
-              <a:solidFill>
-                <a:schemeClr val="bg1"/>
-              </a:solidFill>
-              <a:latin typeface="Arial" panose="020B0604020202020204" pitchFamily="34" charset="0"/>
-              <a:cs typeface="Arial" panose="020B0604020202020204" pitchFamily="34" charset="0"/>
-            </a:endParaRPr>
-          </a:p>
-        </p:txBody>
-      </p:sp>
-      <p:sp>
-        <p:nvSpPr>
-          <p:cNvPr id="3" name="TextBox 2">
-            <a:extLst>
-              <a:ext uri="{FF2B5EF4-FFF2-40B4-BE49-F238E27FC236}">
-                <a16:creationId xmlns:a16="http://schemas.microsoft.com/office/drawing/2014/main" id="{8820F06A-5A76-4928-9D79-B50D8CD0E691}"/>
-              </a:ext>
-            </a:extLst>
-          </p:cNvPr>
-          <p:cNvSpPr txBox="1"/>
-          <p:nvPr/>
-        </p:nvSpPr>
-        <p:spPr>
-          <a:xfrm>
-            <a:off x="0" y="82342"/>
-            <a:ext cx="12192000" cy="769441"/>
-          </a:xfrm>
-          <a:prstGeom prst="rect">
-            <a:avLst/>
-          </a:prstGeom>
-          <a:solidFill>
-            <a:srgbClr val="00359E"/>
-          </a:solidFill>
-          <a:ln>
-            <a:solidFill>
-              <a:srgbClr val="00359E"/>
-            </a:solidFill>
-          </a:ln>
-        </p:spPr>
-        <p:txBody>
-          <a:bodyPr wrap="square" rtlCol="0">
-            <a:spAutoFit/>
-          </a:bodyPr>
-          <a:lstStyle/>
-          <a:p>
-            <a:pPr algn="ctr"/>
-            <a:r>
-              <a:rPr lang="en-US" sz="4400" dirty="0">
-                <a:solidFill>
-                  <a:schemeClr val="bg1"/>
-                </a:solidFill>
-                <a:latin typeface="Arial Rounded MT Bold" panose="020F0704030504030204" pitchFamily="34" charset="0"/>
-                <a:cs typeface="Arial" panose="020B0604020202020204" pitchFamily="34" charset="0"/>
-              </a:rPr>
-              <a:t>Demo (Portal)</a:t>
-            </a:r>
-          </a:p>
-        </p:txBody>
-      </p:sp>
-      <p:pic>
-        <p:nvPicPr>
-          <p:cNvPr id="5" name="Picture 4" descr="A screenshot of a computer&#10;&#10;Description generated with very high confidence">
-            <a:extLst>
-              <a:ext uri="{FF2B5EF4-FFF2-40B4-BE49-F238E27FC236}">
-                <a16:creationId xmlns:a16="http://schemas.microsoft.com/office/drawing/2014/main" id="{DF94A345-4A4A-4244-8BBC-8753EC5D58AF}"/>
-              </a:ext>
-            </a:extLst>
-          </p:cNvPr>
-          <p:cNvPicPr>
-            <a:picLocks noChangeAspect="1"/>
-          </p:cNvPicPr>
-          <p:nvPr/>
-        </p:nvPicPr>
-        <p:blipFill>
-          <a:blip r:embed="rId3">
-            <a:extLst>
-              <a:ext uri="{28A0092B-C50C-407E-A947-70E740481C1C}">
-                <a14:useLocalDpi xmlns:a14="http://schemas.microsoft.com/office/drawing/2010/main" val="0"/>
-              </a:ext>
-            </a:extLst>
-          </a:blip>
-          <a:stretch>
-            <a:fillRect/>
-          </a:stretch>
-        </p:blipFill>
-        <p:spPr>
-          <a:xfrm>
-            <a:off x="2029021" y="1275990"/>
-            <a:ext cx="8197330" cy="5324761"/>
-          </a:xfrm>
-          <a:prstGeom prst="rect">
-            <a:avLst/>
-          </a:prstGeom>
-        </p:spPr>
-      </p:pic>
-    </p:spTree>
-    <p:extLst>
-      <p:ext uri="{BB962C8B-B14F-4D97-AF65-F5344CB8AC3E}">
-        <p14:creationId xmlns:p14="http://schemas.microsoft.com/office/powerpoint/2010/main" val="2204700184"/>
-      </p:ext>
-    </p:extLst>
-  </p:cSld>
-  <p:clrMapOvr>
-    <a:masterClrMapping/>
-  </p:clrMapOvr>
-</p:sld>
-</file>
-
-<file path=ppt/slides/slide11.xml><?xml version="1.0" encoding="utf-8"?>
-<p:sld xmlns:a="http://schemas.openxmlformats.org/drawingml/2006/main" xmlns:r="http://schemas.openxmlformats.org/officeDocument/2006/relationships" xmlns:p="http://schemas.openxmlformats.org/presentationml/2006/main">
-  <p:cSld>
-    <p:spTree>
-      <p:nvGrpSpPr>
-        <p:cNvPr id="1" name=""/>
-        <p:cNvGrpSpPr/>
-        <p:nvPr/>
-      </p:nvGrpSpPr>
-      <p:grpSpPr>
-        <a:xfrm>
-          <a:off x="0" y="0"/>
-          <a:ext cx="0" cy="0"/>
-          <a:chOff x="0" y="0"/>
-          <a:chExt cx="0" cy="0"/>
-        </a:xfrm>
-      </p:grpSpPr>
-      <p:sp>
-        <p:nvSpPr>
-          <p:cNvPr id="4" name="Rectangle 3"/>
-          <p:cNvSpPr/>
-          <p:nvPr/>
-        </p:nvSpPr>
-        <p:spPr>
-          <a:xfrm>
-            <a:off x="0" y="822722"/>
-            <a:ext cx="12192000" cy="6123965"/>
-          </a:xfrm>
-          <a:prstGeom prst="rect">
-            <a:avLst/>
-          </a:prstGeom>
-          <a:solidFill>
-            <a:srgbClr val="00359E"/>
-          </a:solidFill>
-          <a:ln>
-            <a:solidFill>
-              <a:srgbClr val="00359E"/>
-            </a:solidFill>
-          </a:ln>
-        </p:spPr>
-        <p:style>
-          <a:lnRef idx="2">
-            <a:schemeClr val="accent1">
-              <a:shade val="50000"/>
-            </a:schemeClr>
-          </a:lnRef>
-          <a:fillRef idx="1">
-            <a:schemeClr val="accent1"/>
-          </a:fillRef>
-          <a:effectRef idx="0">
-            <a:schemeClr val="accent1"/>
-          </a:effectRef>
-          <a:fontRef idx="minor">
-            <a:schemeClr val="lt1"/>
-          </a:fontRef>
-        </p:style>
-        <p:txBody>
-          <a:bodyPr rtlCol="0" anchor="ctr"/>
-          <a:lstStyle/>
-          <a:p>
-            <a:pPr algn="ctr"/>
-            <a:endParaRPr lang="en-US" sz="4000" dirty="0">
-              <a:solidFill>
-                <a:schemeClr val="bg1"/>
-              </a:solidFill>
-              <a:latin typeface="Arial" panose="020B0604020202020204" pitchFamily="34" charset="0"/>
-              <a:cs typeface="Arial" panose="020B0604020202020204" pitchFamily="34" charset="0"/>
-            </a:endParaRPr>
-          </a:p>
-        </p:txBody>
-      </p:sp>
-      <p:sp>
-        <p:nvSpPr>
-          <p:cNvPr id="6" name="Title 3"/>
-          <p:cNvSpPr txBox="1">
-            <a:spLocks/>
-          </p:cNvSpPr>
-          <p:nvPr/>
-        </p:nvSpPr>
-        <p:spPr>
-          <a:xfrm>
-            <a:off x="-67432" y="15326"/>
-            <a:ext cx="12326863" cy="792459"/>
-          </a:xfrm>
-          <a:prstGeom prst="rect">
-            <a:avLst/>
-          </a:prstGeom>
-          <a:solidFill>
-            <a:schemeClr val="bg1"/>
-          </a:solidFill>
-        </p:spPr>
-        <p:txBody>
-          <a:bodyPr vert="horz" lIns="91440" tIns="45720" rIns="91440" bIns="45720" rtlCol="0" anchor="b">
-            <a:normAutofit/>
-          </a:bodyPr>
-          <a:lstStyle>
-            <a:lvl1pPr algn="ctr" defTabSz="914400" rtl="0" eaLnBrk="1" latinLnBrk="0" hangingPunct="1">
-              <a:lnSpc>
-                <a:spcPct val="90000"/>
-              </a:lnSpc>
-              <a:spcBef>
-                <a:spcPct val="0"/>
-              </a:spcBef>
-              <a:buNone/>
-              <a:defRPr sz="6000" kern="1200">
-                <a:solidFill>
-                  <a:schemeClr val="tx1"/>
-                </a:solidFill>
-                <a:latin typeface="+mj-lt"/>
-                <a:ea typeface="+mj-ea"/>
-                <a:cs typeface="+mj-cs"/>
-              </a:defRPr>
-            </a:lvl1pPr>
-          </a:lstStyle>
-          <a:p>
-            <a:r>
-              <a:rPr lang="en-US" sz="4000" dirty="0">
-                <a:solidFill>
-                  <a:srgbClr val="0070C0"/>
-                </a:solidFill>
-                <a:latin typeface="Arial Rounded MT Bold" panose="020F0704030504030204" pitchFamily="34" charset="0"/>
-              </a:rPr>
-              <a:t>Using Azure Automation Services</a:t>
-            </a:r>
-          </a:p>
-        </p:txBody>
-      </p:sp>
-      <p:pic>
-        <p:nvPicPr>
-          <p:cNvPr id="8" name="Picture 7" descr="A close up of a sign&#10;&#10;Description generated with high confidence">
-            <a:extLst>
-              <a:ext uri="{FF2B5EF4-FFF2-40B4-BE49-F238E27FC236}">
-                <a16:creationId xmlns:a16="http://schemas.microsoft.com/office/drawing/2014/main" id="{9EED186F-FED9-421A-8251-9F42D4FDBF30}"/>
-              </a:ext>
-            </a:extLst>
-          </p:cNvPr>
-          <p:cNvPicPr>
-            <a:picLocks noChangeAspect="1"/>
-          </p:cNvPicPr>
-          <p:nvPr/>
-        </p:nvPicPr>
-        <p:blipFill>
-          <a:blip r:embed="rId3">
-            <a:extLst>
-              <a:ext uri="{28A0092B-C50C-407E-A947-70E740481C1C}">
-                <a14:useLocalDpi xmlns:a14="http://schemas.microsoft.com/office/drawing/2010/main" val="0"/>
-              </a:ext>
-            </a:extLst>
-          </a:blip>
-          <a:stretch>
-            <a:fillRect/>
-          </a:stretch>
-        </p:blipFill>
-        <p:spPr>
-          <a:xfrm>
-            <a:off x="4054006" y="2041253"/>
-            <a:ext cx="3638094" cy="3638094"/>
-          </a:xfrm>
-          <a:prstGeom prst="rect">
-            <a:avLst/>
-          </a:prstGeom>
-          <a:solidFill>
-            <a:schemeClr val="bg1"/>
-          </a:solidFill>
-          <a:scene3d>
-            <a:camera prst="orthographicFront"/>
-            <a:lightRig rig="threePt" dir="t"/>
-          </a:scene3d>
-          <a:sp3d>
-            <a:bevelT prst="angle"/>
-          </a:sp3d>
-        </p:spPr>
-      </p:pic>
-    </p:spTree>
-    <p:extLst>
-      <p:ext uri="{BB962C8B-B14F-4D97-AF65-F5344CB8AC3E}">
-        <p14:creationId xmlns:p14="http://schemas.microsoft.com/office/powerpoint/2010/main" val="1682542299"/>
-      </p:ext>
-    </p:extLst>
-  </p:cSld>
-  <p:clrMapOvr>
-    <a:masterClrMapping/>
-  </p:clrMapOvr>
-</p:sld>
-</file>
-
-<file path=ppt/slides/slide12.xml><?xml version="1.0" encoding="utf-8"?>
-<p:sld xmlns:a="http://schemas.openxmlformats.org/drawingml/2006/main" xmlns:r="http://schemas.openxmlformats.org/officeDocument/2006/relationships" xmlns:p="http://schemas.openxmlformats.org/presentationml/2006/main">
-  <p:cSld>
-    <p:spTree>
-      <p:nvGrpSpPr>
-        <p:cNvPr id="1" name=""/>
-        <p:cNvGrpSpPr/>
-        <p:nvPr/>
-      </p:nvGrpSpPr>
-      <p:grpSpPr>
-        <a:xfrm>
-          <a:off x="0" y="0"/>
-          <a:ext cx="0" cy="0"/>
-          <a:chOff x="0" y="0"/>
-          <a:chExt cx="0" cy="0"/>
-        </a:xfrm>
-      </p:grpSpPr>
-      <p:sp>
-        <p:nvSpPr>
-          <p:cNvPr id="4" name="Rectangle 3"/>
-          <p:cNvSpPr/>
-          <p:nvPr/>
-        </p:nvSpPr>
-        <p:spPr>
-          <a:xfrm>
-            <a:off x="0" y="851783"/>
-            <a:ext cx="12192000" cy="6123965"/>
-          </a:xfrm>
-          <a:prstGeom prst="rect">
-            <a:avLst/>
-          </a:prstGeom>
-          <a:solidFill>
-            <a:srgbClr val="00359E"/>
-          </a:solidFill>
-          <a:ln>
-            <a:solidFill>
-              <a:srgbClr val="0041C4"/>
-            </a:solidFill>
-          </a:ln>
-        </p:spPr>
-        <p:style>
-          <a:lnRef idx="2">
-            <a:schemeClr val="accent1">
-              <a:shade val="50000"/>
-            </a:schemeClr>
-          </a:lnRef>
-          <a:fillRef idx="1">
-            <a:schemeClr val="accent1"/>
-          </a:fillRef>
-          <a:effectRef idx="0">
-            <a:schemeClr val="accent1"/>
-          </a:effectRef>
-          <a:fontRef idx="minor">
-            <a:schemeClr val="lt1"/>
-          </a:fontRef>
-        </p:style>
-        <p:txBody>
-          <a:bodyPr rtlCol="0" anchor="ctr"/>
-          <a:lstStyle/>
-          <a:p>
-            <a:pPr algn="ctr"/>
-            <a:endParaRPr lang="en-US" sz="4000" dirty="0">
-              <a:solidFill>
-                <a:schemeClr val="bg1"/>
-              </a:solidFill>
-              <a:latin typeface="Arial" panose="020B0604020202020204" pitchFamily="34" charset="0"/>
-              <a:cs typeface="Arial" panose="020B0604020202020204" pitchFamily="34" charset="0"/>
-            </a:endParaRPr>
-          </a:p>
-        </p:txBody>
-      </p:sp>
-      <p:sp>
-        <p:nvSpPr>
-          <p:cNvPr id="3" name="TextBox 2">
-            <a:extLst>
-              <a:ext uri="{FF2B5EF4-FFF2-40B4-BE49-F238E27FC236}">
-                <a16:creationId xmlns:a16="http://schemas.microsoft.com/office/drawing/2014/main" id="{8820F06A-5A76-4928-9D79-B50D8CD0E691}"/>
-              </a:ext>
-            </a:extLst>
-          </p:cNvPr>
-          <p:cNvSpPr txBox="1"/>
-          <p:nvPr/>
-        </p:nvSpPr>
-        <p:spPr>
-          <a:xfrm>
-            <a:off x="0" y="82342"/>
-            <a:ext cx="12192000" cy="769441"/>
-          </a:xfrm>
-          <a:prstGeom prst="rect">
-            <a:avLst/>
-          </a:prstGeom>
-          <a:noFill/>
-          <a:ln>
-            <a:solidFill>
-              <a:srgbClr val="002060"/>
-            </a:solidFill>
-          </a:ln>
-        </p:spPr>
-        <p:txBody>
-          <a:bodyPr wrap="square" rtlCol="0">
-            <a:spAutoFit/>
-          </a:bodyPr>
-          <a:lstStyle/>
-          <a:p>
-            <a:pPr algn="ctr"/>
-            <a:r>
-              <a:rPr lang="en-US" sz="4400" dirty="0">
-                <a:solidFill>
-                  <a:schemeClr val="bg1"/>
-                </a:solidFill>
-                <a:latin typeface="Arial Rounded MT Bold" panose="020F0704030504030204" pitchFamily="34" charset="0"/>
-                <a:cs typeface="Arial" panose="020B0604020202020204" pitchFamily="34" charset="0"/>
-              </a:rPr>
-              <a:t>Adding Azure Automation Method 1</a:t>
-            </a:r>
-          </a:p>
-        </p:txBody>
-      </p:sp>
-      <p:pic>
-        <p:nvPicPr>
-          <p:cNvPr id="2" name="Picture 1">
-            <a:extLst>
-              <a:ext uri="{FF2B5EF4-FFF2-40B4-BE49-F238E27FC236}">
-                <a16:creationId xmlns:a16="http://schemas.microsoft.com/office/drawing/2014/main" id="{912F1F9D-9318-4966-944F-719B6E990547}"/>
-              </a:ext>
-            </a:extLst>
-          </p:cNvPr>
-          <p:cNvPicPr>
-            <a:picLocks noChangeAspect="1"/>
-          </p:cNvPicPr>
-          <p:nvPr/>
-        </p:nvPicPr>
-        <p:blipFill>
-          <a:blip r:embed="rId3"/>
-          <a:stretch>
-            <a:fillRect/>
-          </a:stretch>
-        </p:blipFill>
-        <p:spPr>
-          <a:xfrm>
-            <a:off x="3822934" y="992583"/>
-            <a:ext cx="4272441" cy="5689247"/>
-          </a:xfrm>
-          <a:prstGeom prst="rect">
-            <a:avLst/>
-          </a:prstGeom>
-        </p:spPr>
-      </p:pic>
-      <p:sp>
-        <p:nvSpPr>
-          <p:cNvPr id="7" name="Callout: Line 6">
-            <a:extLst>
-              <a:ext uri="{FF2B5EF4-FFF2-40B4-BE49-F238E27FC236}">
-                <a16:creationId xmlns:a16="http://schemas.microsoft.com/office/drawing/2014/main" id="{15E9CFBD-0B6A-48F2-97CD-9D8655F9ED67}"/>
-              </a:ext>
-            </a:extLst>
-          </p:cNvPr>
-          <p:cNvSpPr/>
-          <p:nvPr/>
-        </p:nvSpPr>
-        <p:spPr>
-          <a:xfrm>
-            <a:off x="8312806" y="3661839"/>
-            <a:ext cx="1455575" cy="503853"/>
-          </a:xfrm>
-          <a:prstGeom prst="borderCallout1">
-            <a:avLst>
-              <a:gd name="adj1" fmla="val 18750"/>
-              <a:gd name="adj2" fmla="val -8333"/>
-              <a:gd name="adj3" fmla="val 15932"/>
-              <a:gd name="adj4" fmla="val -69455"/>
-            </a:avLst>
-          </a:prstGeom>
-        </p:spPr>
-        <p:style>
-          <a:lnRef idx="2">
-            <a:schemeClr val="accent2">
-              <a:shade val="50000"/>
-            </a:schemeClr>
-          </a:lnRef>
-          <a:fillRef idx="1">
-            <a:schemeClr val="accent2"/>
-          </a:fillRef>
-          <a:effectRef idx="0">
-            <a:schemeClr val="accent2"/>
-          </a:effectRef>
-          <a:fontRef idx="minor">
-            <a:schemeClr val="lt1"/>
-          </a:fontRef>
-        </p:style>
-        <p:txBody>
-          <a:bodyPr rtlCol="0" anchor="ctr"/>
-          <a:lstStyle/>
-          <a:p>
-            <a:pPr algn="ctr"/>
-            <a:r>
-              <a:rPr lang="en-US" dirty="0"/>
-              <a:t>Click to Add </a:t>
-            </a:r>
-          </a:p>
-        </p:txBody>
-      </p:sp>
-    </p:spTree>
-    <p:extLst>
-      <p:ext uri="{BB962C8B-B14F-4D97-AF65-F5344CB8AC3E}">
-        <p14:creationId xmlns:p14="http://schemas.microsoft.com/office/powerpoint/2010/main" val="2513584103"/>
-      </p:ext>
-    </p:extLst>
-  </p:cSld>
-  <p:clrMapOvr>
-    <a:masterClrMapping/>
-  </p:clrMapOvr>
-</p:sld>
-</file>
-
-<file path=ppt/slides/slide13.xml><?xml version="1.0" encoding="utf-8"?>
-<p:sld xmlns:a="http://schemas.openxmlformats.org/drawingml/2006/main" xmlns:r="http://schemas.openxmlformats.org/officeDocument/2006/relationships" xmlns:p="http://schemas.openxmlformats.org/presentationml/2006/main">
-  <p:cSld>
-    <p:spTree>
-      <p:nvGrpSpPr>
-        <p:cNvPr id="1" name=""/>
-        <p:cNvGrpSpPr/>
-        <p:nvPr/>
-      </p:nvGrpSpPr>
-      <p:grpSpPr>
-        <a:xfrm>
-          <a:off x="0" y="0"/>
-          <a:ext cx="0" cy="0"/>
-          <a:chOff x="0" y="0"/>
-          <a:chExt cx="0" cy="0"/>
-        </a:xfrm>
-      </p:grpSpPr>
-      <p:sp>
-        <p:nvSpPr>
-          <p:cNvPr id="4" name="Rectangle 3"/>
-          <p:cNvSpPr/>
-          <p:nvPr/>
-        </p:nvSpPr>
-        <p:spPr>
-          <a:xfrm>
-            <a:off x="0" y="851783"/>
-            <a:ext cx="12192000" cy="6123965"/>
-          </a:xfrm>
-          <a:prstGeom prst="rect">
-            <a:avLst/>
-          </a:prstGeom>
-          <a:solidFill>
-            <a:srgbClr val="00359E"/>
-          </a:solidFill>
-          <a:ln>
-            <a:solidFill>
-              <a:srgbClr val="00359E"/>
-            </a:solidFill>
-          </a:ln>
-        </p:spPr>
-        <p:style>
-          <a:lnRef idx="2">
-            <a:schemeClr val="accent1">
-              <a:shade val="50000"/>
-            </a:schemeClr>
-          </a:lnRef>
-          <a:fillRef idx="1">
-            <a:schemeClr val="accent1"/>
-          </a:fillRef>
-          <a:effectRef idx="0">
-            <a:schemeClr val="accent1"/>
-          </a:effectRef>
-          <a:fontRef idx="minor">
-            <a:schemeClr val="lt1"/>
-          </a:fontRef>
-        </p:style>
-        <p:txBody>
-          <a:bodyPr rtlCol="0" anchor="ctr"/>
-          <a:lstStyle/>
-          <a:p>
-            <a:pPr algn="ctr"/>
-            <a:endParaRPr lang="en-US" sz="4000" dirty="0">
-              <a:solidFill>
-                <a:schemeClr val="bg1"/>
-              </a:solidFill>
-              <a:latin typeface="Arial" panose="020B0604020202020204" pitchFamily="34" charset="0"/>
-              <a:cs typeface="Arial" panose="020B0604020202020204" pitchFamily="34" charset="0"/>
-            </a:endParaRPr>
-          </a:p>
-        </p:txBody>
-      </p:sp>
-      <p:sp>
-        <p:nvSpPr>
-          <p:cNvPr id="3" name="TextBox 2">
-            <a:extLst>
-              <a:ext uri="{FF2B5EF4-FFF2-40B4-BE49-F238E27FC236}">
-                <a16:creationId xmlns:a16="http://schemas.microsoft.com/office/drawing/2014/main" id="{8820F06A-5A76-4928-9D79-B50D8CD0E691}"/>
-              </a:ext>
-            </a:extLst>
-          </p:cNvPr>
-          <p:cNvSpPr txBox="1"/>
-          <p:nvPr/>
-        </p:nvSpPr>
-        <p:spPr>
-          <a:xfrm>
-            <a:off x="0" y="82342"/>
-            <a:ext cx="12192000" cy="769441"/>
-          </a:xfrm>
-          <a:prstGeom prst="rect">
-            <a:avLst/>
-          </a:prstGeom>
-          <a:noFill/>
-          <a:ln>
-            <a:solidFill>
-              <a:srgbClr val="00359E"/>
-            </a:solidFill>
-          </a:ln>
-        </p:spPr>
-        <p:txBody>
-          <a:bodyPr wrap="square" rtlCol="0">
-            <a:spAutoFit/>
-          </a:bodyPr>
-          <a:lstStyle/>
-          <a:p>
-            <a:pPr algn="ctr"/>
-            <a:r>
-              <a:rPr lang="en-US" sz="4400" dirty="0">
-                <a:solidFill>
-                  <a:schemeClr val="bg1"/>
-                </a:solidFill>
-                <a:latin typeface="Arial Rounded MT Bold" panose="020F0704030504030204" pitchFamily="34" charset="0"/>
-                <a:cs typeface="Arial" panose="020B0604020202020204" pitchFamily="34" charset="0"/>
-              </a:rPr>
-              <a:t>Adding Automation Method 2</a:t>
-            </a:r>
-          </a:p>
-        </p:txBody>
-      </p:sp>
-      <p:pic>
-        <p:nvPicPr>
-          <p:cNvPr id="5" name="Picture 4">
-            <a:extLst>
-              <a:ext uri="{FF2B5EF4-FFF2-40B4-BE49-F238E27FC236}">
-                <a16:creationId xmlns:a16="http://schemas.microsoft.com/office/drawing/2014/main" id="{B1EF6956-4A45-4103-A578-D30281FE8CCC}"/>
-              </a:ext>
-            </a:extLst>
-          </p:cNvPr>
-          <p:cNvPicPr>
-            <a:picLocks noChangeAspect="1"/>
-          </p:cNvPicPr>
-          <p:nvPr/>
-        </p:nvPicPr>
-        <p:blipFill>
-          <a:blip r:embed="rId3"/>
-          <a:stretch>
-            <a:fillRect/>
-          </a:stretch>
-        </p:blipFill>
-        <p:spPr>
-          <a:xfrm>
-            <a:off x="3614737" y="1433512"/>
-            <a:ext cx="4962525" cy="3990975"/>
-          </a:xfrm>
-          <a:prstGeom prst="rect">
-            <a:avLst/>
-          </a:prstGeom>
-        </p:spPr>
-      </p:pic>
-      <p:sp>
-        <p:nvSpPr>
-          <p:cNvPr id="7" name="Callout: Line 6">
-            <a:extLst>
-              <a:ext uri="{FF2B5EF4-FFF2-40B4-BE49-F238E27FC236}">
-                <a16:creationId xmlns:a16="http://schemas.microsoft.com/office/drawing/2014/main" id="{15E9CFBD-0B6A-48F2-97CD-9D8655F9ED67}"/>
-              </a:ext>
-            </a:extLst>
-          </p:cNvPr>
-          <p:cNvSpPr/>
-          <p:nvPr/>
-        </p:nvSpPr>
-        <p:spPr>
-          <a:xfrm>
-            <a:off x="9448916" y="3553593"/>
-            <a:ext cx="1871429" cy="489901"/>
-          </a:xfrm>
-          <a:prstGeom prst="borderCallout1">
-            <a:avLst>
-              <a:gd name="adj1" fmla="val 18750"/>
-              <a:gd name="adj2" fmla="val -8333"/>
-              <a:gd name="adj3" fmla="val -64961"/>
-              <a:gd name="adj4" fmla="val -165062"/>
-            </a:avLst>
-          </a:prstGeom>
-        </p:spPr>
-        <p:style>
-          <a:lnRef idx="2">
-            <a:schemeClr val="accent2">
-              <a:shade val="50000"/>
-            </a:schemeClr>
-          </a:lnRef>
-          <a:fillRef idx="1">
-            <a:schemeClr val="accent2"/>
-          </a:fillRef>
-          <a:effectRef idx="0">
-            <a:schemeClr val="accent2"/>
-          </a:effectRef>
-          <a:fontRef idx="minor">
-            <a:schemeClr val="lt1"/>
-          </a:fontRef>
-        </p:style>
-        <p:txBody>
-          <a:bodyPr rtlCol="0" anchor="ctr"/>
-          <a:lstStyle/>
-          <a:p>
-            <a:pPr algn="ctr"/>
-            <a:r>
-              <a:rPr lang="en-US" dirty="0"/>
-              <a:t>Click to Select</a:t>
-            </a:r>
-          </a:p>
-        </p:txBody>
-      </p:sp>
-    </p:spTree>
-    <p:extLst>
-      <p:ext uri="{BB962C8B-B14F-4D97-AF65-F5344CB8AC3E}">
-        <p14:creationId xmlns:p14="http://schemas.microsoft.com/office/powerpoint/2010/main" val="1308450866"/>
-      </p:ext>
-    </p:extLst>
-  </p:cSld>
-  <p:clrMapOvr>
-    <a:masterClrMapping/>
-  </p:clrMapOvr>
-</p:sld>
-</file>
-
-<file path=ppt/slides/slide14.xml><?xml version="1.0" encoding="utf-8"?>
-<p:sld xmlns:a="http://schemas.openxmlformats.org/drawingml/2006/main" xmlns:r="http://schemas.openxmlformats.org/officeDocument/2006/relationships" xmlns:p="http://schemas.openxmlformats.org/presentationml/2006/main">
-  <p:cSld>
-    <p:spTree>
-      <p:nvGrpSpPr>
-        <p:cNvPr id="1" name=""/>
-        <p:cNvGrpSpPr/>
-        <p:nvPr/>
-      </p:nvGrpSpPr>
-      <p:grpSpPr>
-        <a:xfrm>
-          <a:off x="0" y="0"/>
-          <a:ext cx="0" cy="0"/>
-          <a:chOff x="0" y="0"/>
-          <a:chExt cx="0" cy="0"/>
-        </a:xfrm>
-      </p:grpSpPr>
-      <p:sp>
-        <p:nvSpPr>
-          <p:cNvPr id="4" name="Rectangle 3"/>
-          <p:cNvSpPr/>
-          <p:nvPr/>
-        </p:nvSpPr>
-        <p:spPr>
-          <a:xfrm>
-            <a:off x="0" y="851783"/>
-            <a:ext cx="12192000" cy="6123965"/>
-          </a:xfrm>
-          <a:prstGeom prst="rect">
-            <a:avLst/>
-          </a:prstGeom>
-          <a:solidFill>
-            <a:srgbClr val="00359E"/>
-          </a:solidFill>
-          <a:ln>
-            <a:solidFill>
-              <a:srgbClr val="00359E"/>
-            </a:solidFill>
-          </a:ln>
-        </p:spPr>
-        <p:style>
-          <a:lnRef idx="2">
-            <a:schemeClr val="accent1">
-              <a:shade val="50000"/>
-            </a:schemeClr>
-          </a:lnRef>
-          <a:fillRef idx="1">
-            <a:schemeClr val="accent1"/>
-          </a:fillRef>
-          <a:effectRef idx="0">
-            <a:schemeClr val="accent1"/>
-          </a:effectRef>
-          <a:fontRef idx="minor">
-            <a:schemeClr val="lt1"/>
-          </a:fontRef>
-        </p:style>
-        <p:txBody>
-          <a:bodyPr rtlCol="0" anchor="ctr"/>
-          <a:lstStyle/>
-          <a:p>
-            <a:pPr algn="ctr"/>
-            <a:endParaRPr lang="en-US" sz="4000" dirty="0">
-              <a:solidFill>
-                <a:schemeClr val="bg1"/>
-              </a:solidFill>
-              <a:latin typeface="Arial" panose="020B0604020202020204" pitchFamily="34" charset="0"/>
-              <a:cs typeface="Arial" panose="020B0604020202020204" pitchFamily="34" charset="0"/>
-            </a:endParaRPr>
-          </a:p>
-        </p:txBody>
-      </p:sp>
-      <p:sp>
-        <p:nvSpPr>
-          <p:cNvPr id="3" name="TextBox 2">
-            <a:extLst>
-              <a:ext uri="{FF2B5EF4-FFF2-40B4-BE49-F238E27FC236}">
-                <a16:creationId xmlns:a16="http://schemas.microsoft.com/office/drawing/2014/main" id="{8820F06A-5A76-4928-9D79-B50D8CD0E691}"/>
-              </a:ext>
-            </a:extLst>
-          </p:cNvPr>
-          <p:cNvSpPr txBox="1"/>
-          <p:nvPr/>
-        </p:nvSpPr>
-        <p:spPr>
-          <a:xfrm>
-            <a:off x="0" y="82342"/>
-            <a:ext cx="12192000" cy="769441"/>
-          </a:xfrm>
-          <a:prstGeom prst="rect">
-            <a:avLst/>
-          </a:prstGeom>
-          <a:noFill/>
-        </p:spPr>
-        <p:txBody>
-          <a:bodyPr wrap="square" rtlCol="0">
-            <a:spAutoFit/>
-          </a:bodyPr>
-          <a:lstStyle/>
-          <a:p>
-            <a:pPr algn="ctr"/>
-            <a:r>
-              <a:rPr lang="en-US" sz="4400" dirty="0">
-                <a:solidFill>
-                  <a:schemeClr val="bg1"/>
-                </a:solidFill>
-                <a:latin typeface="Arial Rounded MT Bold" panose="020F0704030504030204" pitchFamily="34" charset="0"/>
-                <a:cs typeface="Arial" panose="020B0604020202020204" pitchFamily="34" charset="0"/>
-              </a:rPr>
-              <a:t>Adding Automation Account</a:t>
-            </a:r>
-          </a:p>
-        </p:txBody>
-      </p:sp>
-      <p:pic>
-        <p:nvPicPr>
-          <p:cNvPr id="8" name="Picture 7">
-            <a:extLst>
-              <a:ext uri="{FF2B5EF4-FFF2-40B4-BE49-F238E27FC236}">
-                <a16:creationId xmlns:a16="http://schemas.microsoft.com/office/drawing/2014/main" id="{872BAF9D-EE76-4AAB-931A-B2516D2A8451}"/>
-              </a:ext>
-            </a:extLst>
-          </p:cNvPr>
-          <p:cNvPicPr>
-            <a:picLocks noChangeAspect="1"/>
-          </p:cNvPicPr>
-          <p:nvPr/>
-        </p:nvPicPr>
-        <p:blipFill>
-          <a:blip r:embed="rId3"/>
-          <a:stretch>
-            <a:fillRect/>
-          </a:stretch>
-        </p:blipFill>
-        <p:spPr>
-          <a:xfrm>
-            <a:off x="3990687" y="977618"/>
-            <a:ext cx="3433033" cy="5872294"/>
-          </a:xfrm>
-          <a:prstGeom prst="rect">
-            <a:avLst/>
-          </a:prstGeom>
-        </p:spPr>
-      </p:pic>
-      <p:sp>
-        <p:nvSpPr>
-          <p:cNvPr id="7" name="Callout: Line 6">
-            <a:extLst>
-              <a:ext uri="{FF2B5EF4-FFF2-40B4-BE49-F238E27FC236}">
-                <a16:creationId xmlns:a16="http://schemas.microsoft.com/office/drawing/2014/main" id="{15E9CFBD-0B6A-48F2-97CD-9D8655F9ED67}"/>
-              </a:ext>
-            </a:extLst>
-          </p:cNvPr>
-          <p:cNvSpPr/>
-          <p:nvPr/>
-        </p:nvSpPr>
-        <p:spPr>
-          <a:xfrm>
-            <a:off x="9000703" y="3998210"/>
-            <a:ext cx="1871429" cy="1026795"/>
-          </a:xfrm>
-          <a:prstGeom prst="borderCallout1">
-            <a:avLst>
-              <a:gd name="adj1" fmla="val 18750"/>
-              <a:gd name="adj2" fmla="val -8333"/>
-              <a:gd name="adj3" fmla="val -563"/>
-              <a:gd name="adj4" fmla="val -208544"/>
-            </a:avLst>
-          </a:prstGeom>
-          <a:solidFill>
-            <a:srgbClr val="7030A0"/>
-          </a:solidFill>
-        </p:spPr>
-        <p:style>
-          <a:lnRef idx="2">
-            <a:schemeClr val="accent2">
-              <a:shade val="50000"/>
-            </a:schemeClr>
-          </a:lnRef>
-          <a:fillRef idx="1">
-            <a:schemeClr val="accent2"/>
-          </a:fillRef>
-          <a:effectRef idx="0">
-            <a:schemeClr val="accent2"/>
-          </a:effectRef>
-          <a:fontRef idx="minor">
-            <a:schemeClr val="lt1"/>
-          </a:fontRef>
-        </p:style>
-        <p:txBody>
-          <a:bodyPr rtlCol="0" anchor="ctr"/>
-          <a:lstStyle/>
-          <a:p>
-            <a:pPr algn="ctr"/>
-            <a:r>
-              <a:rPr lang="en-US" dirty="0"/>
-              <a:t>Click to Add Account to Run Our Scripts</a:t>
-            </a:r>
-          </a:p>
-        </p:txBody>
-      </p:sp>
-      <p:sp>
-        <p:nvSpPr>
-          <p:cNvPr id="9" name="Callout: Line 8">
-            <a:extLst>
-              <a:ext uri="{FF2B5EF4-FFF2-40B4-BE49-F238E27FC236}">
-                <a16:creationId xmlns:a16="http://schemas.microsoft.com/office/drawing/2014/main" id="{70B921B3-C097-4930-A49C-8D3B095E087B}"/>
-              </a:ext>
-            </a:extLst>
-          </p:cNvPr>
-          <p:cNvSpPr/>
-          <p:nvPr/>
-        </p:nvSpPr>
-        <p:spPr>
-          <a:xfrm>
-            <a:off x="9000702" y="5593517"/>
-            <a:ext cx="1871429" cy="1026795"/>
-          </a:xfrm>
-          <a:prstGeom prst="borderCallout1">
-            <a:avLst>
-              <a:gd name="adj1" fmla="val 18750"/>
-              <a:gd name="adj2" fmla="val -8333"/>
-              <a:gd name="adj3" fmla="val 68066"/>
-              <a:gd name="adj4" fmla="val -214820"/>
-            </a:avLst>
-          </a:prstGeom>
-          <a:solidFill>
-            <a:srgbClr val="7030A0"/>
-          </a:solidFill>
-        </p:spPr>
-        <p:style>
-          <a:lnRef idx="2">
-            <a:schemeClr val="accent2">
-              <a:shade val="50000"/>
-            </a:schemeClr>
-          </a:lnRef>
-          <a:fillRef idx="1">
-            <a:schemeClr val="accent2"/>
-          </a:fillRef>
-          <a:effectRef idx="0">
-            <a:schemeClr val="accent2"/>
-          </a:effectRef>
-          <a:fontRef idx="minor">
-            <a:schemeClr val="lt1"/>
-          </a:fontRef>
-        </p:style>
-        <p:txBody>
-          <a:bodyPr rtlCol="0" anchor="ctr"/>
-          <a:lstStyle/>
-          <a:p>
-            <a:pPr algn="ctr"/>
-            <a:r>
-              <a:rPr lang="en-US" dirty="0"/>
-              <a:t>Check so Automation is in your Dashboard</a:t>
-            </a:r>
-          </a:p>
-        </p:txBody>
-      </p:sp>
-    </p:spTree>
-    <p:extLst>
-      <p:ext uri="{BB962C8B-B14F-4D97-AF65-F5344CB8AC3E}">
-        <p14:creationId xmlns:p14="http://schemas.microsoft.com/office/powerpoint/2010/main" val="3527173900"/>
-      </p:ext>
-    </p:extLst>
-  </p:cSld>
-  <p:clrMapOvr>
-    <a:masterClrMapping/>
-  </p:clrMapOvr>
-</p:sld>
-</file>
-
-<file path=ppt/slides/slide15.xml><?xml version="1.0" encoding="utf-8"?>
-<p:sld xmlns:a="http://schemas.openxmlformats.org/drawingml/2006/main" xmlns:r="http://schemas.openxmlformats.org/officeDocument/2006/relationships" xmlns:p="http://schemas.openxmlformats.org/presentationml/2006/main">
-  <p:cSld>
-    <p:spTree>
-      <p:nvGrpSpPr>
-        <p:cNvPr id="1" name=""/>
-        <p:cNvGrpSpPr/>
-        <p:nvPr/>
-      </p:nvGrpSpPr>
-      <p:grpSpPr>
-        <a:xfrm>
-          <a:off x="0" y="0"/>
-          <a:ext cx="0" cy="0"/>
-          <a:chOff x="0" y="0"/>
-          <a:chExt cx="0" cy="0"/>
-        </a:xfrm>
-      </p:grpSpPr>
-      <p:sp>
-        <p:nvSpPr>
-          <p:cNvPr id="4" name="Rectangle 3"/>
-          <p:cNvSpPr/>
-          <p:nvPr/>
-        </p:nvSpPr>
-        <p:spPr>
-          <a:xfrm>
-            <a:off x="0" y="620785"/>
-            <a:ext cx="12192000" cy="6354963"/>
-          </a:xfrm>
-          <a:prstGeom prst="rect">
-            <a:avLst/>
-          </a:prstGeom>
-          <a:solidFill>
-            <a:srgbClr val="00359E"/>
-          </a:solidFill>
-          <a:ln>
-            <a:solidFill>
-              <a:srgbClr val="00359E"/>
-            </a:solidFill>
-          </a:ln>
-        </p:spPr>
-        <p:style>
-          <a:lnRef idx="2">
-            <a:schemeClr val="accent1">
-              <a:shade val="50000"/>
-            </a:schemeClr>
-          </a:lnRef>
-          <a:fillRef idx="1">
-            <a:schemeClr val="accent1"/>
-          </a:fillRef>
-          <a:effectRef idx="0">
-            <a:schemeClr val="accent1"/>
-          </a:effectRef>
-          <a:fontRef idx="minor">
-            <a:schemeClr val="lt1"/>
-          </a:fontRef>
-        </p:style>
-        <p:txBody>
-          <a:bodyPr rtlCol="0" anchor="ctr"/>
-          <a:lstStyle/>
-          <a:p>
-            <a:pPr algn="ctr"/>
-            <a:endParaRPr lang="en-US" sz="4000" dirty="0">
-              <a:solidFill>
-                <a:schemeClr val="bg1"/>
-              </a:solidFill>
-              <a:latin typeface="Arial" panose="020B0604020202020204" pitchFamily="34" charset="0"/>
-              <a:cs typeface="Arial" panose="020B0604020202020204" pitchFamily="34" charset="0"/>
-            </a:endParaRPr>
-          </a:p>
-        </p:txBody>
-      </p:sp>
-      <p:sp>
-        <p:nvSpPr>
-          <p:cNvPr id="3" name="TextBox 2">
-            <a:extLst>
-              <a:ext uri="{FF2B5EF4-FFF2-40B4-BE49-F238E27FC236}">
-                <a16:creationId xmlns:a16="http://schemas.microsoft.com/office/drawing/2014/main" id="{8820F06A-5A76-4928-9D79-B50D8CD0E691}"/>
-              </a:ext>
-            </a:extLst>
-          </p:cNvPr>
-          <p:cNvSpPr txBox="1"/>
-          <p:nvPr/>
-        </p:nvSpPr>
-        <p:spPr>
-          <a:xfrm>
-            <a:off x="-1" y="-24518"/>
-            <a:ext cx="12192000" cy="707886"/>
-          </a:xfrm>
-          <a:prstGeom prst="rect">
-            <a:avLst/>
-          </a:prstGeom>
-          <a:noFill/>
-          <a:ln>
-            <a:solidFill>
-              <a:srgbClr val="0041C4"/>
-            </a:solidFill>
-          </a:ln>
-        </p:spPr>
-        <p:txBody>
-          <a:bodyPr wrap="square" rtlCol="0">
-            <a:spAutoFit/>
-          </a:bodyPr>
-          <a:lstStyle/>
-          <a:p>
-            <a:pPr algn="ctr"/>
-            <a:r>
-              <a:rPr lang="en-US" sz="4000" dirty="0">
-                <a:solidFill>
-                  <a:schemeClr val="bg1"/>
-                </a:solidFill>
-                <a:latin typeface="Arial Rounded MT Bold" panose="020F0704030504030204" pitchFamily="34" charset="0"/>
-                <a:cs typeface="Arial" panose="020B0604020202020204" pitchFamily="34" charset="0"/>
-              </a:rPr>
-              <a:t>Automation Account Dashboard</a:t>
-            </a:r>
-          </a:p>
-        </p:txBody>
-      </p:sp>
-      <p:sp>
-        <p:nvSpPr>
-          <p:cNvPr id="13" name="Rectangle 12">
-            <a:extLst>
-              <a:ext uri="{FF2B5EF4-FFF2-40B4-BE49-F238E27FC236}">
-                <a16:creationId xmlns:a16="http://schemas.microsoft.com/office/drawing/2014/main" id="{758A5708-1049-4A5F-AA77-51F20DBE0761}"/>
-              </a:ext>
-            </a:extLst>
-          </p:cNvPr>
-          <p:cNvSpPr/>
-          <p:nvPr/>
-        </p:nvSpPr>
-        <p:spPr>
-          <a:xfrm>
-            <a:off x="1517871" y="6472020"/>
-            <a:ext cx="9982898" cy="369332"/>
-          </a:xfrm>
-          <a:prstGeom prst="rect">
-            <a:avLst/>
-          </a:prstGeom>
-        </p:spPr>
-        <p:txBody>
-          <a:bodyPr wrap="square">
-            <a:spAutoFit/>
-          </a:bodyPr>
-          <a:lstStyle/>
-          <a:p>
-            <a:r>
-              <a:rPr lang="en-US" dirty="0">
-                <a:hlinkClick r:id="rId3"/>
-              </a:rPr>
-              <a:t>https://docs.microsoft.com/en-us/azure/monitoring/monitoring-solutions-resources-automation</a:t>
-            </a:r>
-            <a:endParaRPr lang="en-US" dirty="0"/>
-          </a:p>
-        </p:txBody>
-      </p:sp>
-      <p:pic>
-        <p:nvPicPr>
-          <p:cNvPr id="12" name="Picture 11">
-            <a:extLst>
-              <a:ext uri="{FF2B5EF4-FFF2-40B4-BE49-F238E27FC236}">
-                <a16:creationId xmlns:a16="http://schemas.microsoft.com/office/drawing/2014/main" id="{A8072F7B-55E7-4B4C-B7A8-CFC485097667}"/>
-              </a:ext>
-            </a:extLst>
-          </p:cNvPr>
-          <p:cNvPicPr>
-            <a:picLocks noChangeAspect="1"/>
-          </p:cNvPicPr>
-          <p:nvPr/>
-        </p:nvPicPr>
-        <p:blipFill>
-          <a:blip r:embed="rId4"/>
-          <a:stretch>
-            <a:fillRect/>
-          </a:stretch>
-        </p:blipFill>
-        <p:spPr>
-          <a:xfrm>
-            <a:off x="417140" y="683368"/>
-            <a:ext cx="10421436" cy="6216793"/>
-          </a:xfrm>
-          <a:prstGeom prst="rect">
-            <a:avLst/>
-          </a:prstGeom>
-        </p:spPr>
-      </p:pic>
-      <p:sp>
-        <p:nvSpPr>
-          <p:cNvPr id="5" name="Callout: Line 4">
-            <a:extLst>
-              <a:ext uri="{FF2B5EF4-FFF2-40B4-BE49-F238E27FC236}">
-                <a16:creationId xmlns:a16="http://schemas.microsoft.com/office/drawing/2014/main" id="{AF2004BB-BD60-42DA-865E-4C1F6755BE1D}"/>
-              </a:ext>
-            </a:extLst>
-          </p:cNvPr>
-          <p:cNvSpPr/>
-          <p:nvPr/>
-        </p:nvSpPr>
-        <p:spPr>
-          <a:xfrm>
-            <a:off x="3413434" y="3463857"/>
-            <a:ext cx="1871429" cy="489901"/>
-          </a:xfrm>
-          <a:prstGeom prst="borderCallout1">
-            <a:avLst>
-              <a:gd name="adj1" fmla="val 54491"/>
-              <a:gd name="adj2" fmla="val -6774"/>
-              <a:gd name="adj3" fmla="val 114110"/>
-              <a:gd name="adj4" fmla="val -54106"/>
-            </a:avLst>
-          </a:prstGeom>
-          <a:solidFill>
-            <a:srgbClr val="7030A0"/>
-          </a:solidFill>
-          <a:ln>
-            <a:solidFill>
-              <a:srgbClr val="0070C0"/>
-            </a:solidFill>
-          </a:ln>
-        </p:spPr>
-        <p:style>
-          <a:lnRef idx="2">
-            <a:schemeClr val="accent2">
-              <a:shade val="50000"/>
-            </a:schemeClr>
-          </a:lnRef>
-          <a:fillRef idx="1">
-            <a:schemeClr val="accent2"/>
-          </a:fillRef>
-          <a:effectRef idx="0">
-            <a:schemeClr val="accent2"/>
-          </a:effectRef>
-          <a:fontRef idx="minor">
-            <a:schemeClr val="lt1"/>
-          </a:fontRef>
-        </p:style>
-        <p:txBody>
-          <a:bodyPr rtlCol="0" anchor="ctr"/>
-          <a:lstStyle/>
-          <a:p>
-            <a:pPr algn="ctr"/>
-            <a:r>
-              <a:rPr lang="en-US" sz="1400" dirty="0"/>
-              <a:t>Share Work with On Prem Resources</a:t>
-            </a:r>
-          </a:p>
-        </p:txBody>
-      </p:sp>
-      <p:sp>
-        <p:nvSpPr>
-          <p:cNvPr id="7" name="Callout: Line 6">
-            <a:extLst>
-              <a:ext uri="{FF2B5EF4-FFF2-40B4-BE49-F238E27FC236}">
-                <a16:creationId xmlns:a16="http://schemas.microsoft.com/office/drawing/2014/main" id="{02FC69D6-3444-494D-93DD-9F27AE9679C8}"/>
-              </a:ext>
-            </a:extLst>
-          </p:cNvPr>
-          <p:cNvSpPr/>
-          <p:nvPr/>
-        </p:nvSpPr>
-        <p:spPr>
-          <a:xfrm>
-            <a:off x="5284863" y="1443612"/>
-            <a:ext cx="1871429" cy="489901"/>
-          </a:xfrm>
-          <a:prstGeom prst="borderCallout1">
-            <a:avLst>
-              <a:gd name="adj1" fmla="val 56203"/>
-              <a:gd name="adj2" fmla="val -6325"/>
-              <a:gd name="adj3" fmla="val 78149"/>
-              <a:gd name="adj4" fmla="val -155413"/>
-            </a:avLst>
-          </a:prstGeom>
-          <a:solidFill>
-            <a:srgbClr val="7030A0"/>
-          </a:solidFill>
-          <a:ln>
-            <a:solidFill>
-              <a:srgbClr val="0070C0"/>
-            </a:solidFill>
-          </a:ln>
-        </p:spPr>
-        <p:style>
-          <a:lnRef idx="2">
-            <a:schemeClr val="accent2">
-              <a:shade val="50000"/>
-            </a:schemeClr>
-          </a:lnRef>
-          <a:fillRef idx="1">
-            <a:schemeClr val="accent2"/>
-          </a:fillRef>
-          <a:effectRef idx="0">
-            <a:schemeClr val="accent2"/>
-          </a:effectRef>
-          <a:fontRef idx="minor">
-            <a:schemeClr val="lt1"/>
-          </a:fontRef>
-        </p:style>
-        <p:txBody>
-          <a:bodyPr rtlCol="0" anchor="ctr"/>
-          <a:lstStyle/>
-          <a:p>
-            <a:pPr algn="ctr"/>
-            <a:r>
-              <a:rPr lang="en-US" sz="1400" dirty="0"/>
-              <a:t>Desired State Configuration</a:t>
-            </a:r>
-          </a:p>
-        </p:txBody>
-      </p:sp>
-      <p:sp>
-        <p:nvSpPr>
-          <p:cNvPr id="8" name="Callout: Line 7">
-            <a:extLst>
-              <a:ext uri="{FF2B5EF4-FFF2-40B4-BE49-F238E27FC236}">
-                <a16:creationId xmlns:a16="http://schemas.microsoft.com/office/drawing/2014/main" id="{C529538A-4776-4713-B69C-6044BE58BFBC}"/>
-              </a:ext>
-            </a:extLst>
-          </p:cNvPr>
-          <p:cNvSpPr/>
-          <p:nvPr/>
-        </p:nvSpPr>
-        <p:spPr>
-          <a:xfrm>
-            <a:off x="3413434" y="4793529"/>
-            <a:ext cx="1871429" cy="489901"/>
-          </a:xfrm>
-          <a:prstGeom prst="borderCallout1">
-            <a:avLst>
-              <a:gd name="adj1" fmla="val 59628"/>
-              <a:gd name="adj2" fmla="val -6326"/>
-              <a:gd name="adj3" fmla="val -19456"/>
-              <a:gd name="adj4" fmla="val -62174"/>
-            </a:avLst>
-          </a:prstGeom>
-          <a:solidFill>
-            <a:srgbClr val="7030A0"/>
-          </a:solidFill>
-          <a:ln>
-            <a:solidFill>
-              <a:srgbClr val="0070C0"/>
-            </a:solidFill>
-          </a:ln>
-        </p:spPr>
-        <p:style>
-          <a:lnRef idx="2">
-            <a:schemeClr val="accent2">
-              <a:shade val="50000"/>
-            </a:schemeClr>
-          </a:lnRef>
-          <a:fillRef idx="1">
-            <a:schemeClr val="accent2"/>
-          </a:fillRef>
-          <a:effectRef idx="0">
-            <a:schemeClr val="accent2"/>
-          </a:effectRef>
-          <a:fontRef idx="minor">
-            <a:schemeClr val="lt1"/>
-          </a:fontRef>
-        </p:style>
-        <p:txBody>
-          <a:bodyPr rtlCol="0" anchor="ctr"/>
-          <a:lstStyle/>
-          <a:p>
-            <a:pPr algn="ctr"/>
-            <a:r>
-              <a:rPr lang="en-US" sz="1400" dirty="0"/>
-              <a:t>Things your jobs can share</a:t>
-            </a:r>
-          </a:p>
-        </p:txBody>
-      </p:sp>
-      <p:sp>
-        <p:nvSpPr>
-          <p:cNvPr id="9" name="Callout: Line 8">
-            <a:extLst>
-              <a:ext uri="{FF2B5EF4-FFF2-40B4-BE49-F238E27FC236}">
-                <a16:creationId xmlns:a16="http://schemas.microsoft.com/office/drawing/2014/main" id="{957D8F99-2D12-4B06-8D9E-3CB6255D35DD}"/>
-              </a:ext>
-            </a:extLst>
-          </p:cNvPr>
-          <p:cNvSpPr/>
-          <p:nvPr/>
-        </p:nvSpPr>
-        <p:spPr>
-          <a:xfrm>
-            <a:off x="3368190" y="2743240"/>
-            <a:ext cx="1871429" cy="489901"/>
-          </a:xfrm>
-          <a:prstGeom prst="borderCallout1">
-            <a:avLst>
-              <a:gd name="adj1" fmla="val 61341"/>
-              <a:gd name="adj2" fmla="val -6774"/>
-              <a:gd name="adj3" fmla="val 132945"/>
-              <a:gd name="adj4" fmla="val -53658"/>
-            </a:avLst>
-          </a:prstGeom>
-          <a:solidFill>
-            <a:srgbClr val="7030A0"/>
-          </a:solidFill>
-          <a:ln>
-            <a:solidFill>
-              <a:srgbClr val="0070C0"/>
-            </a:solidFill>
-          </a:ln>
-        </p:spPr>
-        <p:style>
-          <a:lnRef idx="2">
-            <a:schemeClr val="accent2">
-              <a:shade val="50000"/>
-            </a:schemeClr>
-          </a:lnRef>
-          <a:fillRef idx="1">
-            <a:schemeClr val="accent2"/>
-          </a:fillRef>
-          <a:effectRef idx="0">
-            <a:schemeClr val="accent2"/>
-          </a:effectRef>
-          <a:fontRef idx="minor">
-            <a:schemeClr val="lt1"/>
-          </a:fontRef>
-        </p:style>
-        <p:txBody>
-          <a:bodyPr rtlCol="0" anchor="ctr"/>
-          <a:lstStyle/>
-          <a:p>
-            <a:pPr algn="ctr"/>
-            <a:r>
-              <a:rPr lang="en-US" sz="1400" dirty="0"/>
-              <a:t>Jobs</a:t>
-            </a:r>
-          </a:p>
-        </p:txBody>
-      </p:sp>
-      <p:sp>
-        <p:nvSpPr>
-          <p:cNvPr id="10" name="Callout: Line 9">
-            <a:extLst>
-              <a:ext uri="{FF2B5EF4-FFF2-40B4-BE49-F238E27FC236}">
-                <a16:creationId xmlns:a16="http://schemas.microsoft.com/office/drawing/2014/main" id="{2CBBC018-FC70-417C-9F37-ED5B27CCCA20}"/>
-              </a:ext>
-            </a:extLst>
-          </p:cNvPr>
-          <p:cNvSpPr/>
-          <p:nvPr/>
-        </p:nvSpPr>
-        <p:spPr>
-          <a:xfrm>
-            <a:off x="3368191" y="2037906"/>
-            <a:ext cx="1871429" cy="540543"/>
-          </a:xfrm>
-          <a:prstGeom prst="borderCallout1">
-            <a:avLst>
-              <a:gd name="adj1" fmla="val 54491"/>
-              <a:gd name="adj2" fmla="val -6774"/>
-              <a:gd name="adj3" fmla="val 191990"/>
-              <a:gd name="adj4" fmla="val -55451"/>
-            </a:avLst>
-          </a:prstGeom>
-          <a:solidFill>
-            <a:srgbClr val="7030A0"/>
-          </a:solidFill>
-          <a:ln>
-            <a:solidFill>
-              <a:srgbClr val="0070C0"/>
-            </a:solidFill>
-          </a:ln>
-        </p:spPr>
-        <p:style>
-          <a:lnRef idx="2">
-            <a:schemeClr val="accent2">
-              <a:shade val="50000"/>
-            </a:schemeClr>
-          </a:lnRef>
-          <a:fillRef idx="1">
-            <a:schemeClr val="accent2"/>
-          </a:fillRef>
-          <a:effectRef idx="0">
-            <a:schemeClr val="accent2"/>
-          </a:effectRef>
-          <a:fontRef idx="minor">
-            <a:schemeClr val="lt1"/>
-          </a:fontRef>
-        </p:style>
-        <p:txBody>
-          <a:bodyPr rtlCol="0" anchor="ctr"/>
-          <a:lstStyle/>
-          <a:p>
-            <a:pPr algn="ctr"/>
-            <a:r>
-              <a:rPr lang="en-US" sz="1400" dirty="0"/>
-              <a:t>Scripts</a:t>
-            </a:r>
-          </a:p>
-        </p:txBody>
-      </p:sp>
-      <p:sp>
-        <p:nvSpPr>
-          <p:cNvPr id="11" name="Callout: Line 10">
-            <a:extLst>
-              <a:ext uri="{FF2B5EF4-FFF2-40B4-BE49-F238E27FC236}">
-                <a16:creationId xmlns:a16="http://schemas.microsoft.com/office/drawing/2014/main" id="{CE2DFAB4-749A-4122-99D0-8D7913257473}"/>
-              </a:ext>
-            </a:extLst>
-          </p:cNvPr>
-          <p:cNvSpPr/>
-          <p:nvPr/>
-        </p:nvSpPr>
-        <p:spPr>
-          <a:xfrm>
-            <a:off x="3413434" y="4148593"/>
-            <a:ext cx="1871429" cy="489901"/>
-          </a:xfrm>
-          <a:prstGeom prst="borderCallout1">
-            <a:avLst>
-              <a:gd name="adj1" fmla="val 61341"/>
-              <a:gd name="adj2" fmla="val -11705"/>
-              <a:gd name="adj3" fmla="val 26778"/>
-              <a:gd name="adj4" fmla="val -58589"/>
-            </a:avLst>
-          </a:prstGeom>
-          <a:solidFill>
-            <a:srgbClr val="7030A0"/>
-          </a:solidFill>
-          <a:ln>
-            <a:solidFill>
-              <a:srgbClr val="0070C0"/>
-            </a:solidFill>
-          </a:ln>
-        </p:spPr>
-        <p:style>
-          <a:lnRef idx="2">
-            <a:schemeClr val="accent2">
-              <a:shade val="50000"/>
-            </a:schemeClr>
-          </a:lnRef>
-          <a:fillRef idx="1">
-            <a:schemeClr val="accent2"/>
-          </a:fillRef>
-          <a:effectRef idx="0">
-            <a:schemeClr val="accent2"/>
-          </a:effectRef>
-          <a:fontRef idx="minor">
-            <a:schemeClr val="lt1"/>
-          </a:fontRef>
-        </p:style>
-        <p:txBody>
-          <a:bodyPr rtlCol="0" anchor="ctr"/>
-          <a:lstStyle/>
-          <a:p>
-            <a:pPr algn="ctr"/>
-            <a:r>
-              <a:rPr lang="en-US" sz="1400" dirty="0"/>
-              <a:t>Event Triggers</a:t>
-            </a:r>
-          </a:p>
-        </p:txBody>
-      </p:sp>
-      <p:sp>
-        <p:nvSpPr>
-          <p:cNvPr id="14" name="Rectangle 13">
-            <a:extLst>
-              <a:ext uri="{FF2B5EF4-FFF2-40B4-BE49-F238E27FC236}">
-                <a16:creationId xmlns:a16="http://schemas.microsoft.com/office/drawing/2014/main" id="{883B8C39-A7D2-441C-8A5E-3CB206BF52C2}"/>
-              </a:ext>
-            </a:extLst>
-          </p:cNvPr>
-          <p:cNvSpPr/>
-          <p:nvPr/>
-        </p:nvSpPr>
-        <p:spPr>
-          <a:xfrm>
-            <a:off x="7030457" y="683368"/>
-            <a:ext cx="972640" cy="209725"/>
-          </a:xfrm>
-          <a:prstGeom prst="rect">
-            <a:avLst/>
-          </a:prstGeom>
-          <a:solidFill>
-            <a:schemeClr val="tx1"/>
-          </a:solidFill>
-          <a:ln>
-            <a:solidFill>
-              <a:schemeClr val="tx1"/>
-            </a:solidFill>
-          </a:ln>
-        </p:spPr>
-        <p:style>
-          <a:lnRef idx="2">
-            <a:schemeClr val="accent1">
-              <a:shade val="50000"/>
-            </a:schemeClr>
-          </a:lnRef>
-          <a:fillRef idx="1">
-            <a:schemeClr val="accent1"/>
-          </a:fillRef>
-          <a:effectRef idx="0">
-            <a:schemeClr val="accent1"/>
-          </a:effectRef>
-          <a:fontRef idx="minor">
-            <a:schemeClr val="lt1"/>
-          </a:fontRef>
-        </p:style>
-        <p:txBody>
-          <a:bodyPr rtlCol="0" anchor="ctr"/>
-          <a:lstStyle/>
-          <a:p>
-            <a:pPr algn="ctr"/>
-            <a:endParaRPr lang="en-US"/>
-          </a:p>
-        </p:txBody>
-      </p:sp>
-    </p:spTree>
-    <p:extLst>
-      <p:ext uri="{BB962C8B-B14F-4D97-AF65-F5344CB8AC3E}">
-        <p14:creationId xmlns:p14="http://schemas.microsoft.com/office/powerpoint/2010/main" val="2041080089"/>
-      </p:ext>
-    </p:extLst>
-  </p:cSld>
-  <p:clrMapOvr>
-    <a:masterClrMapping/>
-  </p:clrMapOvr>
-</p:sld>
-</file>
-
-<file path=ppt/slides/slide16.xml><?xml version="1.0" encoding="utf-8"?>
-<p:sld xmlns:a="http://schemas.openxmlformats.org/drawingml/2006/main" xmlns:r="http://schemas.openxmlformats.org/officeDocument/2006/relationships" xmlns:p="http://schemas.openxmlformats.org/presentationml/2006/main">
-  <p:cSld>
-    <p:spTree>
-      <p:nvGrpSpPr>
-        <p:cNvPr id="1" name=""/>
-        <p:cNvGrpSpPr/>
-        <p:nvPr/>
-      </p:nvGrpSpPr>
-      <p:grpSpPr>
-        <a:xfrm>
-          <a:off x="0" y="0"/>
-          <a:ext cx="0" cy="0"/>
-          <a:chOff x="0" y="0"/>
-          <a:chExt cx="0" cy="0"/>
-        </a:xfrm>
-      </p:grpSpPr>
-      <p:sp>
-        <p:nvSpPr>
-          <p:cNvPr id="4" name="Rectangle 3"/>
-          <p:cNvSpPr/>
-          <p:nvPr/>
-        </p:nvSpPr>
-        <p:spPr>
-          <a:xfrm>
-            <a:off x="0" y="719847"/>
-            <a:ext cx="12192000" cy="6255901"/>
-          </a:xfrm>
-          <a:prstGeom prst="rect">
-            <a:avLst/>
-          </a:prstGeom>
-          <a:solidFill>
-            <a:srgbClr val="00359E"/>
-          </a:solidFill>
-          <a:ln>
-            <a:solidFill>
-              <a:srgbClr val="00359E"/>
-            </a:solidFill>
-          </a:ln>
-        </p:spPr>
-        <p:style>
-          <a:lnRef idx="2">
-            <a:schemeClr val="accent1">
-              <a:shade val="50000"/>
-            </a:schemeClr>
-          </a:lnRef>
-          <a:fillRef idx="1">
-            <a:schemeClr val="accent1"/>
-          </a:fillRef>
-          <a:effectRef idx="0">
-            <a:schemeClr val="accent1"/>
-          </a:effectRef>
-          <a:fontRef idx="minor">
-            <a:schemeClr val="lt1"/>
-          </a:fontRef>
-        </p:style>
-        <p:txBody>
-          <a:bodyPr rtlCol="0" anchor="ctr"/>
-          <a:lstStyle/>
-          <a:p>
-            <a:pPr algn="ctr"/>
-            <a:endParaRPr lang="en-US" sz="4000" dirty="0">
-              <a:solidFill>
-                <a:schemeClr val="bg1"/>
-              </a:solidFill>
-              <a:latin typeface="Arial" panose="020B0604020202020204" pitchFamily="34" charset="0"/>
-              <a:cs typeface="Arial" panose="020B0604020202020204" pitchFamily="34" charset="0"/>
-            </a:endParaRPr>
-          </a:p>
-        </p:txBody>
-      </p:sp>
-      <p:sp>
-        <p:nvSpPr>
-          <p:cNvPr id="3" name="TextBox 2">
-            <a:extLst>
-              <a:ext uri="{FF2B5EF4-FFF2-40B4-BE49-F238E27FC236}">
-                <a16:creationId xmlns:a16="http://schemas.microsoft.com/office/drawing/2014/main" id="{8820F06A-5A76-4928-9D79-B50D8CD0E691}"/>
-              </a:ext>
-            </a:extLst>
-          </p:cNvPr>
-          <p:cNvSpPr txBox="1"/>
-          <p:nvPr/>
-        </p:nvSpPr>
-        <p:spPr>
-          <a:xfrm>
-            <a:off x="0" y="-63620"/>
-            <a:ext cx="12192000" cy="769441"/>
-          </a:xfrm>
-          <a:prstGeom prst="rect">
-            <a:avLst/>
-          </a:prstGeom>
-          <a:noFill/>
-        </p:spPr>
-        <p:txBody>
-          <a:bodyPr wrap="square" rtlCol="0">
-            <a:spAutoFit/>
-          </a:bodyPr>
-          <a:lstStyle/>
-          <a:p>
-            <a:pPr algn="ctr"/>
-            <a:r>
-              <a:rPr lang="en-US" sz="4400" dirty="0">
-                <a:solidFill>
-                  <a:schemeClr val="bg1"/>
-                </a:solidFill>
-                <a:latin typeface="Arial Rounded MT Bold" panose="020F0704030504030204" pitchFamily="34" charset="0"/>
-                <a:cs typeface="Arial" panose="020B0604020202020204" pitchFamily="34" charset="0"/>
-              </a:rPr>
-              <a:t>Runbook Types</a:t>
-            </a:r>
-          </a:p>
-        </p:txBody>
-      </p:sp>
-      <p:pic>
-        <p:nvPicPr>
-          <p:cNvPr id="5" name="Picture 4">
-            <a:extLst>
-              <a:ext uri="{FF2B5EF4-FFF2-40B4-BE49-F238E27FC236}">
-                <a16:creationId xmlns:a16="http://schemas.microsoft.com/office/drawing/2014/main" id="{7F0A1FB3-27CF-409D-BE69-EC494A9C1915}"/>
-              </a:ext>
-            </a:extLst>
-          </p:cNvPr>
-          <p:cNvPicPr>
-            <a:picLocks noChangeAspect="1"/>
-          </p:cNvPicPr>
-          <p:nvPr/>
-        </p:nvPicPr>
-        <p:blipFill>
-          <a:blip r:embed="rId3"/>
-          <a:stretch>
-            <a:fillRect/>
-          </a:stretch>
-        </p:blipFill>
-        <p:spPr>
-          <a:xfrm>
-            <a:off x="506412" y="1621224"/>
-            <a:ext cx="10755687" cy="4892676"/>
-          </a:xfrm>
-          <a:prstGeom prst="rect">
-            <a:avLst/>
-          </a:prstGeom>
-        </p:spPr>
-      </p:pic>
-      <p:sp>
-        <p:nvSpPr>
-          <p:cNvPr id="6" name="Callout: Line 5">
-            <a:extLst>
-              <a:ext uri="{FF2B5EF4-FFF2-40B4-BE49-F238E27FC236}">
-                <a16:creationId xmlns:a16="http://schemas.microsoft.com/office/drawing/2014/main" id="{93628993-09F1-45C7-A684-4C7141DB27FE}"/>
-              </a:ext>
-            </a:extLst>
-          </p:cNvPr>
-          <p:cNvSpPr/>
-          <p:nvPr/>
-        </p:nvSpPr>
-        <p:spPr>
-          <a:xfrm>
-            <a:off x="5742679" y="2960206"/>
-            <a:ext cx="1871429" cy="489901"/>
-          </a:xfrm>
-          <a:prstGeom prst="borderCallout1">
-            <a:avLst>
-              <a:gd name="adj1" fmla="val 18750"/>
-              <a:gd name="adj2" fmla="val -8333"/>
-              <a:gd name="adj3" fmla="val 139559"/>
-              <a:gd name="adj4" fmla="val -81894"/>
-            </a:avLst>
-          </a:prstGeom>
-          <a:solidFill>
-            <a:srgbClr val="7030A0"/>
-          </a:solidFill>
-        </p:spPr>
-        <p:style>
-          <a:lnRef idx="2">
-            <a:schemeClr val="accent2">
-              <a:shade val="50000"/>
-            </a:schemeClr>
-          </a:lnRef>
-          <a:fillRef idx="1">
-            <a:schemeClr val="accent2"/>
-          </a:fillRef>
-          <a:effectRef idx="0">
-            <a:schemeClr val="accent2"/>
-          </a:effectRef>
-          <a:fontRef idx="minor">
-            <a:schemeClr val="lt1"/>
-          </a:fontRef>
-        </p:style>
-        <p:txBody>
-          <a:bodyPr rtlCol="0" anchor="ctr"/>
-          <a:lstStyle/>
-          <a:p>
-            <a:pPr algn="ctr"/>
-            <a:r>
-              <a:rPr lang="en-US" dirty="0"/>
-              <a:t>Graphical Runbook</a:t>
-            </a:r>
-          </a:p>
-        </p:txBody>
-      </p:sp>
-      <p:sp>
-        <p:nvSpPr>
-          <p:cNvPr id="7" name="Callout: Line 6">
-            <a:extLst>
-              <a:ext uri="{FF2B5EF4-FFF2-40B4-BE49-F238E27FC236}">
-                <a16:creationId xmlns:a16="http://schemas.microsoft.com/office/drawing/2014/main" id="{14C58261-1B44-41DC-8B86-6CC7AE51A728}"/>
-              </a:ext>
-            </a:extLst>
-          </p:cNvPr>
-          <p:cNvSpPr/>
-          <p:nvPr/>
-        </p:nvSpPr>
-        <p:spPr>
-          <a:xfrm>
-            <a:off x="6579258" y="4492102"/>
-            <a:ext cx="1871429" cy="489901"/>
-          </a:xfrm>
-          <a:prstGeom prst="borderCallout1">
-            <a:avLst>
-              <a:gd name="adj1" fmla="val 18750"/>
-              <a:gd name="adj2" fmla="val -8333"/>
-              <a:gd name="adj3" fmla="val -49077"/>
-              <a:gd name="adj4" fmla="val -127636"/>
-            </a:avLst>
-          </a:prstGeom>
-          <a:solidFill>
-            <a:srgbClr val="7030A0"/>
-          </a:solidFill>
-        </p:spPr>
-        <p:style>
-          <a:lnRef idx="2">
-            <a:schemeClr val="accent2">
-              <a:shade val="50000"/>
-            </a:schemeClr>
-          </a:lnRef>
-          <a:fillRef idx="1">
-            <a:schemeClr val="accent2"/>
-          </a:fillRef>
-          <a:effectRef idx="0">
-            <a:schemeClr val="accent2"/>
-          </a:effectRef>
-          <a:fontRef idx="minor">
-            <a:schemeClr val="lt1"/>
-          </a:fontRef>
-        </p:style>
-        <p:txBody>
-          <a:bodyPr rtlCol="0" anchor="ctr"/>
-          <a:lstStyle/>
-          <a:p>
-            <a:pPr algn="ctr"/>
-            <a:r>
-              <a:rPr lang="en-US" dirty="0"/>
-              <a:t>Python Runbook</a:t>
-            </a:r>
-          </a:p>
-        </p:txBody>
-      </p:sp>
-      <p:sp>
-        <p:nvSpPr>
-          <p:cNvPr id="8" name="Callout: Line 7">
-            <a:extLst>
-              <a:ext uri="{FF2B5EF4-FFF2-40B4-BE49-F238E27FC236}">
-                <a16:creationId xmlns:a16="http://schemas.microsoft.com/office/drawing/2014/main" id="{FD0C1FAD-5E64-4DD3-B085-C811C09C01A8}"/>
-              </a:ext>
-            </a:extLst>
-          </p:cNvPr>
-          <p:cNvSpPr/>
-          <p:nvPr/>
-        </p:nvSpPr>
-        <p:spPr>
-          <a:xfrm>
-            <a:off x="6762699" y="6009973"/>
-            <a:ext cx="1871429" cy="489901"/>
-          </a:xfrm>
-          <a:prstGeom prst="borderCallout1">
-            <a:avLst>
-              <a:gd name="adj1" fmla="val 18750"/>
-              <a:gd name="adj2" fmla="val -8333"/>
-              <a:gd name="adj3" fmla="val -25249"/>
-              <a:gd name="adj4" fmla="val -137512"/>
-            </a:avLst>
-          </a:prstGeom>
-          <a:solidFill>
-            <a:srgbClr val="7030A0"/>
-          </a:solidFill>
-        </p:spPr>
-        <p:style>
-          <a:lnRef idx="2">
-            <a:schemeClr val="accent2">
-              <a:shade val="50000"/>
-            </a:schemeClr>
-          </a:lnRef>
-          <a:fillRef idx="1">
-            <a:schemeClr val="accent2"/>
-          </a:fillRef>
-          <a:effectRef idx="0">
-            <a:schemeClr val="accent2"/>
-          </a:effectRef>
-          <a:fontRef idx="minor">
-            <a:schemeClr val="lt1"/>
-          </a:fontRef>
-        </p:style>
-        <p:txBody>
-          <a:bodyPr rtlCol="0" anchor="ctr"/>
-          <a:lstStyle/>
-          <a:p>
-            <a:pPr algn="ctr"/>
-            <a:r>
-              <a:rPr lang="en-US" dirty="0"/>
-              <a:t>PowerShell Script Runbook</a:t>
-            </a:r>
-          </a:p>
-        </p:txBody>
-      </p:sp>
-      <p:sp>
-        <p:nvSpPr>
-          <p:cNvPr id="9" name="Callout: Line 8">
-            <a:extLst>
-              <a:ext uri="{FF2B5EF4-FFF2-40B4-BE49-F238E27FC236}">
-                <a16:creationId xmlns:a16="http://schemas.microsoft.com/office/drawing/2014/main" id="{DC350FE2-3943-422B-AD36-903C8461DF2A}"/>
-              </a:ext>
-            </a:extLst>
-          </p:cNvPr>
-          <p:cNvSpPr/>
-          <p:nvPr/>
-        </p:nvSpPr>
-        <p:spPr>
-          <a:xfrm>
-            <a:off x="7305589" y="940193"/>
-            <a:ext cx="1871429" cy="489901"/>
-          </a:xfrm>
-          <a:prstGeom prst="borderCallout1">
-            <a:avLst>
-              <a:gd name="adj1" fmla="val 54491"/>
-              <a:gd name="adj2" fmla="val -6774"/>
-              <a:gd name="adj3" fmla="val 54176"/>
-              <a:gd name="adj4" fmla="val -68899"/>
-            </a:avLst>
-          </a:prstGeom>
-          <a:solidFill>
-            <a:srgbClr val="7030A0"/>
-          </a:solidFill>
-          <a:ln>
-            <a:solidFill>
-              <a:schemeClr val="bg1">
-                <a:lumMod val="95000"/>
-              </a:schemeClr>
-            </a:solidFill>
-          </a:ln>
-        </p:spPr>
-        <p:style>
-          <a:lnRef idx="2">
-            <a:schemeClr val="accent2">
-              <a:shade val="50000"/>
-            </a:schemeClr>
-          </a:lnRef>
-          <a:fillRef idx="1">
-            <a:schemeClr val="accent2"/>
-          </a:fillRef>
-          <a:effectRef idx="0">
-            <a:schemeClr val="accent2"/>
-          </a:effectRef>
-          <a:fontRef idx="minor">
-            <a:schemeClr val="lt1"/>
-          </a:fontRef>
-        </p:style>
-        <p:txBody>
-          <a:bodyPr rtlCol="0" anchor="ctr"/>
-          <a:lstStyle/>
-          <a:p>
-            <a:pPr algn="ctr"/>
-            <a:r>
-              <a:rPr lang="en-US" dirty="0"/>
-              <a:t>Workflow Runbook</a:t>
-            </a:r>
-          </a:p>
-        </p:txBody>
-      </p:sp>
-      <p:sp>
-        <p:nvSpPr>
-          <p:cNvPr id="10" name="Rectangle 9">
-            <a:extLst>
-              <a:ext uri="{FF2B5EF4-FFF2-40B4-BE49-F238E27FC236}">
-                <a16:creationId xmlns:a16="http://schemas.microsoft.com/office/drawing/2014/main" id="{644870AB-1AE4-4E4B-9ECC-05D59E345E31}"/>
-              </a:ext>
-            </a:extLst>
-          </p:cNvPr>
-          <p:cNvSpPr/>
-          <p:nvPr/>
-        </p:nvSpPr>
-        <p:spPr>
-          <a:xfrm>
-            <a:off x="4348973" y="880048"/>
-            <a:ext cx="1566153" cy="591010"/>
-          </a:xfrm>
-          <a:prstGeom prst="rect">
-            <a:avLst/>
-          </a:prstGeom>
-          <a:solidFill>
-            <a:schemeClr val="tx1"/>
-          </a:solidFill>
-          <a:ln>
-            <a:solidFill>
-              <a:schemeClr val="bg1"/>
-            </a:solidFill>
-          </a:ln>
-        </p:spPr>
-        <p:style>
-          <a:lnRef idx="2">
-            <a:schemeClr val="accent1">
-              <a:shade val="50000"/>
-            </a:schemeClr>
-          </a:lnRef>
-          <a:fillRef idx="1">
-            <a:schemeClr val="accent1"/>
-          </a:fillRef>
-          <a:effectRef idx="0">
-            <a:schemeClr val="accent1"/>
-          </a:effectRef>
-          <a:fontRef idx="minor">
-            <a:schemeClr val="lt1"/>
-          </a:fontRef>
-        </p:style>
-        <p:txBody>
-          <a:bodyPr rtlCol="0" anchor="ctr"/>
-          <a:lstStyle/>
-          <a:p>
-            <a:pPr algn="ctr"/>
-            <a:r>
-              <a:rPr lang="en-US" dirty="0"/>
-              <a:t>Not Shown</a:t>
-            </a:r>
-          </a:p>
-        </p:txBody>
-      </p:sp>
-    </p:spTree>
-    <p:extLst>
-      <p:ext uri="{BB962C8B-B14F-4D97-AF65-F5344CB8AC3E}">
-        <p14:creationId xmlns:p14="http://schemas.microsoft.com/office/powerpoint/2010/main" val="535854387"/>
-      </p:ext>
-    </p:extLst>
-  </p:cSld>
-  <p:clrMapOvr>
-    <a:masterClrMapping/>
-  </p:clrMapOvr>
-</p:sld>
-</file>
-
-<file path=ppt/slides/slide17.xml><?xml version="1.0" encoding="utf-8"?>
-<p:sld xmlns:a="http://schemas.openxmlformats.org/drawingml/2006/main" xmlns:r="http://schemas.openxmlformats.org/officeDocument/2006/relationships" xmlns:p="http://schemas.openxmlformats.org/presentationml/2006/main">
-  <p:cSld>
-    <p:spTree>
-      <p:nvGrpSpPr>
-        <p:cNvPr id="1" name=""/>
-        <p:cNvGrpSpPr/>
-        <p:nvPr/>
-      </p:nvGrpSpPr>
-      <p:grpSpPr>
-        <a:xfrm>
-          <a:off x="0" y="0"/>
-          <a:ext cx="0" cy="0"/>
-          <a:chOff x="0" y="0"/>
-          <a:chExt cx="0" cy="0"/>
-        </a:xfrm>
-      </p:grpSpPr>
-      <p:sp>
-        <p:nvSpPr>
-          <p:cNvPr id="4" name="Rectangle 3"/>
-          <p:cNvSpPr/>
-          <p:nvPr/>
-        </p:nvSpPr>
-        <p:spPr>
-          <a:xfrm>
-            <a:off x="0" y="851783"/>
-            <a:ext cx="12192000" cy="6123965"/>
-          </a:xfrm>
-          <a:prstGeom prst="rect">
-            <a:avLst/>
-          </a:prstGeom>
-          <a:solidFill>
-            <a:srgbClr val="00359E"/>
-          </a:solidFill>
-          <a:ln>
-            <a:solidFill>
-              <a:srgbClr val="00359E"/>
-            </a:solidFill>
-          </a:ln>
-        </p:spPr>
-        <p:style>
-          <a:lnRef idx="2">
-            <a:schemeClr val="accent1">
-              <a:shade val="50000"/>
-            </a:schemeClr>
-          </a:lnRef>
-          <a:fillRef idx="1">
-            <a:schemeClr val="accent1"/>
-          </a:fillRef>
-          <a:effectRef idx="0">
-            <a:schemeClr val="accent1"/>
-          </a:effectRef>
-          <a:fontRef idx="minor">
-            <a:schemeClr val="lt1"/>
-          </a:fontRef>
-        </p:style>
-        <p:txBody>
-          <a:bodyPr rtlCol="0" anchor="ctr"/>
-          <a:lstStyle/>
-          <a:p>
-            <a:pPr algn="ctr"/>
-            <a:endParaRPr lang="en-US" sz="4000" dirty="0">
-              <a:solidFill>
-                <a:schemeClr val="bg1"/>
-              </a:solidFill>
-              <a:latin typeface="Arial" panose="020B0604020202020204" pitchFamily="34" charset="0"/>
-              <a:cs typeface="Arial" panose="020B0604020202020204" pitchFamily="34" charset="0"/>
-            </a:endParaRPr>
-          </a:p>
-        </p:txBody>
-      </p:sp>
-      <p:sp>
-        <p:nvSpPr>
-          <p:cNvPr id="3" name="TextBox 2">
-            <a:extLst>
-              <a:ext uri="{FF2B5EF4-FFF2-40B4-BE49-F238E27FC236}">
-                <a16:creationId xmlns:a16="http://schemas.microsoft.com/office/drawing/2014/main" id="{8820F06A-5A76-4928-9D79-B50D8CD0E691}"/>
-              </a:ext>
-            </a:extLst>
-          </p:cNvPr>
-          <p:cNvSpPr txBox="1"/>
-          <p:nvPr/>
-        </p:nvSpPr>
-        <p:spPr>
-          <a:xfrm>
-            <a:off x="0" y="82342"/>
-            <a:ext cx="12192000" cy="769441"/>
-          </a:xfrm>
-          <a:prstGeom prst="rect">
-            <a:avLst/>
-          </a:prstGeom>
-          <a:noFill/>
-        </p:spPr>
-        <p:txBody>
-          <a:bodyPr wrap="square" rtlCol="0">
-            <a:spAutoFit/>
-          </a:bodyPr>
-          <a:lstStyle/>
-          <a:p>
-            <a:pPr algn="ctr"/>
-            <a:r>
-              <a:rPr lang="en-US" sz="4400" dirty="0">
-                <a:solidFill>
-                  <a:schemeClr val="bg1"/>
-                </a:solidFill>
-                <a:latin typeface="Arial Rounded MT Bold" panose="020F0704030504030204" pitchFamily="34" charset="0"/>
-                <a:cs typeface="Arial" panose="020B0604020202020204" pitchFamily="34" charset="0"/>
-              </a:rPr>
-              <a:t>Runbook Job Status</a:t>
-            </a:r>
-          </a:p>
-        </p:txBody>
-      </p:sp>
-      <p:pic>
-        <p:nvPicPr>
-          <p:cNvPr id="5" name="Picture 4">
-            <a:extLst>
-              <a:ext uri="{FF2B5EF4-FFF2-40B4-BE49-F238E27FC236}">
-                <a16:creationId xmlns:a16="http://schemas.microsoft.com/office/drawing/2014/main" id="{E6D8E50B-56AA-420E-A22F-8497AA26C2F1}"/>
-              </a:ext>
-            </a:extLst>
-          </p:cNvPr>
-          <p:cNvPicPr>
-            <a:picLocks noChangeAspect="1"/>
-          </p:cNvPicPr>
-          <p:nvPr/>
-        </p:nvPicPr>
-        <p:blipFill>
-          <a:blip r:embed="rId3"/>
-          <a:stretch>
-            <a:fillRect/>
-          </a:stretch>
-        </p:blipFill>
-        <p:spPr>
-          <a:xfrm>
-            <a:off x="2967017" y="1141203"/>
-            <a:ext cx="5724693" cy="5545123"/>
-          </a:xfrm>
-          <a:prstGeom prst="rect">
-            <a:avLst/>
-          </a:prstGeom>
-        </p:spPr>
-      </p:pic>
-    </p:spTree>
-    <p:extLst>
-      <p:ext uri="{BB962C8B-B14F-4D97-AF65-F5344CB8AC3E}">
-        <p14:creationId xmlns:p14="http://schemas.microsoft.com/office/powerpoint/2010/main" val="919162649"/>
-      </p:ext>
-    </p:extLst>
-  </p:cSld>
-  <p:clrMapOvr>
-    <a:masterClrMapping/>
-  </p:clrMapOvr>
-</p:sld>
-</file>
-
-<file path=ppt/slides/slide18.xml><?xml version="1.0" encoding="utf-8"?>
-<p:sld xmlns:a="http://schemas.openxmlformats.org/drawingml/2006/main" xmlns:r="http://schemas.openxmlformats.org/officeDocument/2006/relationships" xmlns:p="http://schemas.openxmlformats.org/presentationml/2006/main">
-  <p:cSld>
-    <p:spTree>
-      <p:nvGrpSpPr>
-        <p:cNvPr id="1" name=""/>
-        <p:cNvGrpSpPr/>
-        <p:nvPr/>
-      </p:nvGrpSpPr>
-      <p:grpSpPr>
-        <a:xfrm>
-          <a:off x="0" y="0"/>
-          <a:ext cx="0" cy="0"/>
-          <a:chOff x="0" y="0"/>
-          <a:chExt cx="0" cy="0"/>
-        </a:xfrm>
-      </p:grpSpPr>
-      <p:sp>
-        <p:nvSpPr>
-          <p:cNvPr id="4" name="Rectangle 3"/>
-          <p:cNvSpPr/>
-          <p:nvPr/>
-        </p:nvSpPr>
-        <p:spPr>
-          <a:xfrm>
-            <a:off x="0" y="851783"/>
-            <a:ext cx="12192000" cy="6123965"/>
-          </a:xfrm>
-          <a:prstGeom prst="rect">
-            <a:avLst/>
-          </a:prstGeom>
-          <a:solidFill>
-            <a:srgbClr val="00359E"/>
-          </a:solidFill>
-          <a:ln>
-            <a:solidFill>
-              <a:srgbClr val="00359E"/>
-            </a:solidFill>
-          </a:ln>
-        </p:spPr>
-        <p:style>
-          <a:lnRef idx="2">
-            <a:schemeClr val="accent1">
-              <a:shade val="50000"/>
-            </a:schemeClr>
-          </a:lnRef>
-          <a:fillRef idx="1">
-            <a:schemeClr val="accent1"/>
-          </a:fillRef>
-          <a:effectRef idx="0">
-            <a:schemeClr val="accent1"/>
-          </a:effectRef>
-          <a:fontRef idx="minor">
-            <a:schemeClr val="lt1"/>
-          </a:fontRef>
-        </p:style>
-        <p:txBody>
-          <a:bodyPr rtlCol="0" anchor="ctr"/>
-          <a:lstStyle/>
-          <a:p>
-            <a:pPr algn="ctr"/>
-            <a:endParaRPr lang="en-US" sz="4000" dirty="0">
-              <a:solidFill>
-                <a:schemeClr val="bg1"/>
-              </a:solidFill>
-              <a:latin typeface="Arial" panose="020B0604020202020204" pitchFamily="34" charset="0"/>
-              <a:cs typeface="Arial" panose="020B0604020202020204" pitchFamily="34" charset="0"/>
-            </a:endParaRPr>
-          </a:p>
-        </p:txBody>
-      </p:sp>
-      <p:pic>
-        <p:nvPicPr>
-          <p:cNvPr id="5" name="Picture 4">
-            <a:extLst>
-              <a:ext uri="{FF2B5EF4-FFF2-40B4-BE49-F238E27FC236}">
-                <a16:creationId xmlns:a16="http://schemas.microsoft.com/office/drawing/2014/main" id="{0CAA89AE-5B7C-46FB-9815-29C1B1BC2DDA}"/>
-              </a:ext>
-            </a:extLst>
-          </p:cNvPr>
-          <p:cNvPicPr>
-            <a:picLocks noChangeAspect="1"/>
-          </p:cNvPicPr>
-          <p:nvPr/>
-        </p:nvPicPr>
-        <p:blipFill>
-          <a:blip r:embed="rId3"/>
-          <a:stretch>
-            <a:fillRect/>
-          </a:stretch>
-        </p:blipFill>
-        <p:spPr>
-          <a:xfrm>
-            <a:off x="274532" y="1371600"/>
-            <a:ext cx="7717926" cy="4863830"/>
-          </a:xfrm>
-          <a:prstGeom prst="rect">
-            <a:avLst/>
-          </a:prstGeom>
-        </p:spPr>
-      </p:pic>
-      <p:sp>
-        <p:nvSpPr>
-          <p:cNvPr id="3" name="TextBox 2">
-            <a:extLst>
-              <a:ext uri="{FF2B5EF4-FFF2-40B4-BE49-F238E27FC236}">
-                <a16:creationId xmlns:a16="http://schemas.microsoft.com/office/drawing/2014/main" id="{8820F06A-5A76-4928-9D79-B50D8CD0E691}"/>
-              </a:ext>
-            </a:extLst>
-          </p:cNvPr>
-          <p:cNvSpPr txBox="1"/>
-          <p:nvPr/>
-        </p:nvSpPr>
-        <p:spPr>
-          <a:xfrm>
-            <a:off x="0" y="82342"/>
-            <a:ext cx="12192000" cy="769441"/>
-          </a:xfrm>
-          <a:prstGeom prst="rect">
-            <a:avLst/>
-          </a:prstGeom>
-          <a:noFill/>
-        </p:spPr>
-        <p:txBody>
-          <a:bodyPr wrap="square" rtlCol="0">
-            <a:spAutoFit/>
-          </a:bodyPr>
-          <a:lstStyle/>
-          <a:p>
-            <a:pPr algn="ctr"/>
-            <a:r>
-              <a:rPr lang="en-US" sz="4400" dirty="0">
-                <a:solidFill>
-                  <a:schemeClr val="bg1"/>
-                </a:solidFill>
-                <a:latin typeface="Arial Rounded MT Bold" panose="020F0704030504030204" pitchFamily="34" charset="0"/>
-                <a:cs typeface="Arial" panose="020B0604020202020204" pitchFamily="34" charset="0"/>
-              </a:rPr>
-              <a:t>Creating a Runbook</a:t>
-            </a:r>
-          </a:p>
-        </p:txBody>
-      </p:sp>
-      <p:sp>
-        <p:nvSpPr>
-          <p:cNvPr id="6" name="Callout: Line 5">
-            <a:extLst>
-              <a:ext uri="{FF2B5EF4-FFF2-40B4-BE49-F238E27FC236}">
-                <a16:creationId xmlns:a16="http://schemas.microsoft.com/office/drawing/2014/main" id="{D9E1CA93-0EC9-43AF-A880-BDC166C27F28}"/>
-              </a:ext>
-            </a:extLst>
-          </p:cNvPr>
-          <p:cNvSpPr/>
-          <p:nvPr/>
-        </p:nvSpPr>
-        <p:spPr>
-          <a:xfrm>
-            <a:off x="9017481" y="3062326"/>
-            <a:ext cx="2248934" cy="567626"/>
-          </a:xfrm>
-          <a:prstGeom prst="borderCallout1">
-            <a:avLst>
-              <a:gd name="adj1" fmla="val 18750"/>
-              <a:gd name="adj2" fmla="val -8333"/>
-              <a:gd name="adj3" fmla="val 143665"/>
-              <a:gd name="adj4" fmla="val -164316"/>
-            </a:avLst>
-          </a:prstGeom>
-          <a:solidFill>
-            <a:srgbClr val="C00000"/>
-          </a:solidFill>
-        </p:spPr>
-        <p:style>
-          <a:lnRef idx="2">
-            <a:schemeClr val="accent2">
-              <a:shade val="50000"/>
-            </a:schemeClr>
-          </a:lnRef>
-          <a:fillRef idx="1">
-            <a:schemeClr val="accent2"/>
-          </a:fillRef>
-          <a:effectRef idx="0">
-            <a:schemeClr val="accent2"/>
-          </a:effectRef>
-          <a:fontRef idx="minor">
-            <a:schemeClr val="lt1"/>
-          </a:fontRef>
-        </p:style>
-        <p:txBody>
-          <a:bodyPr rtlCol="0" anchor="ctr"/>
-          <a:lstStyle/>
-          <a:p>
-            <a:pPr algn="ctr"/>
-            <a:r>
-              <a:rPr lang="en-US" sz="1600" dirty="0"/>
-              <a:t>Standard PowerShell Language</a:t>
-            </a:r>
-          </a:p>
-        </p:txBody>
-      </p:sp>
-      <p:sp>
-        <p:nvSpPr>
-          <p:cNvPr id="7" name="Callout: Line 6">
-            <a:extLst>
-              <a:ext uri="{FF2B5EF4-FFF2-40B4-BE49-F238E27FC236}">
-                <a16:creationId xmlns:a16="http://schemas.microsoft.com/office/drawing/2014/main" id="{3ECDD675-E5EB-4404-95A3-2827A87EA00C}"/>
-              </a:ext>
-            </a:extLst>
-          </p:cNvPr>
-          <p:cNvSpPr/>
-          <p:nvPr/>
-        </p:nvSpPr>
-        <p:spPr>
-          <a:xfrm>
-            <a:off x="9017481" y="4337980"/>
-            <a:ext cx="2248934" cy="567626"/>
-          </a:xfrm>
-          <a:prstGeom prst="borderCallout1">
-            <a:avLst>
-              <a:gd name="adj1" fmla="val 18750"/>
-              <a:gd name="adj2" fmla="val -8333"/>
-              <a:gd name="adj3" fmla="val 18244"/>
-              <a:gd name="adj4" fmla="val -165501"/>
-            </a:avLst>
-          </a:prstGeom>
-          <a:solidFill>
-            <a:srgbClr val="C00000"/>
-          </a:solidFill>
-        </p:spPr>
-        <p:style>
-          <a:lnRef idx="2">
-            <a:schemeClr val="accent2">
-              <a:shade val="50000"/>
-            </a:schemeClr>
-          </a:lnRef>
-          <a:fillRef idx="1">
-            <a:schemeClr val="accent2"/>
-          </a:fillRef>
-          <a:effectRef idx="0">
-            <a:schemeClr val="accent2"/>
-          </a:effectRef>
-          <a:fontRef idx="minor">
-            <a:schemeClr val="lt1"/>
-          </a:fontRef>
-        </p:style>
-        <p:txBody>
-          <a:bodyPr rtlCol="0" anchor="ctr"/>
-          <a:lstStyle/>
-          <a:p>
-            <a:pPr algn="ctr"/>
-            <a:r>
-              <a:rPr lang="en-US" sz="1600" dirty="0"/>
-              <a:t>Standard PowerShell using GUI Designer</a:t>
-            </a:r>
-          </a:p>
-        </p:txBody>
-      </p:sp>
-      <p:sp>
-        <p:nvSpPr>
-          <p:cNvPr id="8" name="Callout: Line 7">
-            <a:extLst>
-              <a:ext uri="{FF2B5EF4-FFF2-40B4-BE49-F238E27FC236}">
-                <a16:creationId xmlns:a16="http://schemas.microsoft.com/office/drawing/2014/main" id="{2CD3575A-15C7-4A81-A993-906E03A3EAD7}"/>
-              </a:ext>
-            </a:extLst>
-          </p:cNvPr>
-          <p:cNvSpPr/>
-          <p:nvPr/>
-        </p:nvSpPr>
-        <p:spPr>
-          <a:xfrm>
-            <a:off x="9017481" y="5080962"/>
-            <a:ext cx="2248934" cy="567626"/>
-          </a:xfrm>
-          <a:prstGeom prst="borderCallout1">
-            <a:avLst>
-              <a:gd name="adj1" fmla="val 18750"/>
-              <a:gd name="adj2" fmla="val -8333"/>
-              <a:gd name="adj3" fmla="val -30198"/>
-              <a:gd name="adj4" fmla="val -129209"/>
-            </a:avLst>
-          </a:prstGeom>
-          <a:solidFill>
-            <a:srgbClr val="C00000"/>
-          </a:solidFill>
-        </p:spPr>
-        <p:style>
-          <a:lnRef idx="2">
-            <a:schemeClr val="accent2">
-              <a:shade val="50000"/>
-            </a:schemeClr>
-          </a:lnRef>
-          <a:fillRef idx="1">
-            <a:schemeClr val="accent2"/>
-          </a:fillRef>
-          <a:effectRef idx="0">
-            <a:schemeClr val="accent2"/>
-          </a:effectRef>
-          <a:fontRef idx="minor">
-            <a:schemeClr val="lt1"/>
-          </a:fontRef>
-        </p:style>
-        <p:txBody>
-          <a:bodyPr rtlCol="0" anchor="ctr"/>
-          <a:lstStyle/>
-          <a:p>
-            <a:pPr algn="ctr"/>
-            <a:r>
-              <a:rPr lang="en-US" sz="1600" dirty="0"/>
-              <a:t>PowerShell using Workflow Engine</a:t>
-            </a:r>
-          </a:p>
-        </p:txBody>
-      </p:sp>
-      <p:sp>
-        <p:nvSpPr>
-          <p:cNvPr id="9" name="Callout: Line 8">
-            <a:extLst>
-              <a:ext uri="{FF2B5EF4-FFF2-40B4-BE49-F238E27FC236}">
-                <a16:creationId xmlns:a16="http://schemas.microsoft.com/office/drawing/2014/main" id="{267142CD-3131-4682-B058-D65A47705230}"/>
-              </a:ext>
-            </a:extLst>
-          </p:cNvPr>
-          <p:cNvSpPr/>
-          <p:nvPr/>
-        </p:nvSpPr>
-        <p:spPr>
-          <a:xfrm>
-            <a:off x="9017481" y="5948953"/>
-            <a:ext cx="2248934" cy="567626"/>
-          </a:xfrm>
-          <a:prstGeom prst="borderCallout1">
-            <a:avLst>
-              <a:gd name="adj1" fmla="val 18750"/>
-              <a:gd name="adj2" fmla="val -8333"/>
-              <a:gd name="adj3" fmla="val -133995"/>
-              <a:gd name="adj4" fmla="val -109154"/>
-            </a:avLst>
-          </a:prstGeom>
-          <a:solidFill>
-            <a:srgbClr val="C00000"/>
-          </a:solidFill>
-        </p:spPr>
-        <p:style>
-          <a:lnRef idx="2">
-            <a:schemeClr val="accent2">
-              <a:shade val="50000"/>
-            </a:schemeClr>
-          </a:lnRef>
-          <a:fillRef idx="1">
-            <a:schemeClr val="accent2"/>
-          </a:fillRef>
-          <a:effectRef idx="0">
-            <a:schemeClr val="accent2"/>
-          </a:effectRef>
-          <a:fontRef idx="minor">
-            <a:schemeClr val="lt1"/>
-          </a:fontRef>
-        </p:style>
-        <p:txBody>
-          <a:bodyPr rtlCol="0" anchor="ctr"/>
-          <a:lstStyle/>
-          <a:p>
-            <a:pPr algn="ctr"/>
-            <a:r>
-              <a:rPr lang="en-US" sz="1600" dirty="0"/>
-              <a:t>PowerShell Workflow using GUI Designer</a:t>
-            </a:r>
-          </a:p>
-        </p:txBody>
-      </p:sp>
-      <p:sp>
-        <p:nvSpPr>
-          <p:cNvPr id="10" name="Callout: Line 9">
-            <a:extLst>
-              <a:ext uri="{FF2B5EF4-FFF2-40B4-BE49-F238E27FC236}">
-                <a16:creationId xmlns:a16="http://schemas.microsoft.com/office/drawing/2014/main" id="{34864108-5027-4359-82A5-3B6B38B127A8}"/>
-              </a:ext>
-            </a:extLst>
-          </p:cNvPr>
-          <p:cNvSpPr/>
-          <p:nvPr/>
-        </p:nvSpPr>
-        <p:spPr>
-          <a:xfrm>
-            <a:off x="9017481" y="3721970"/>
-            <a:ext cx="2248934" cy="567626"/>
-          </a:xfrm>
-          <a:prstGeom prst="borderCallout1">
-            <a:avLst>
-              <a:gd name="adj1" fmla="val 18750"/>
-              <a:gd name="adj2" fmla="val -8333"/>
-              <a:gd name="adj3" fmla="val 79541"/>
-              <a:gd name="adj4" fmla="val -152473"/>
-            </a:avLst>
-          </a:prstGeom>
-          <a:solidFill>
-            <a:srgbClr val="C00000"/>
-          </a:solidFill>
-        </p:spPr>
-        <p:style>
-          <a:lnRef idx="2">
-            <a:schemeClr val="accent2">
-              <a:shade val="50000"/>
-            </a:schemeClr>
-          </a:lnRef>
-          <a:fillRef idx="1">
-            <a:schemeClr val="accent2"/>
-          </a:fillRef>
-          <a:effectRef idx="0">
-            <a:schemeClr val="accent2"/>
-          </a:effectRef>
-          <a:fontRef idx="minor">
-            <a:schemeClr val="lt1"/>
-          </a:fontRef>
-        </p:style>
-        <p:txBody>
-          <a:bodyPr rtlCol="0" anchor="ctr"/>
-          <a:lstStyle/>
-          <a:p>
-            <a:pPr algn="ctr"/>
-            <a:r>
-              <a:rPr lang="en-US" sz="1600" dirty="0"/>
-              <a:t>Python 2 Language</a:t>
-            </a:r>
-          </a:p>
-        </p:txBody>
-      </p:sp>
-    </p:spTree>
-    <p:extLst>
-      <p:ext uri="{BB962C8B-B14F-4D97-AF65-F5344CB8AC3E}">
-        <p14:creationId xmlns:p14="http://schemas.microsoft.com/office/powerpoint/2010/main" val="654000242"/>
-      </p:ext>
-    </p:extLst>
-  </p:cSld>
-  <p:clrMapOvr>
-    <a:masterClrMapping/>
-  </p:clrMapOvr>
-</p:sld>
-</file>
-
-<file path=ppt/slides/slide19.xml><?xml version="1.0" encoding="utf-8"?>
+<file path=ppt/slides/slide20.xml><?xml version="1.0" encoding="utf-8"?>
 <p:sld xmlns:a="http://schemas.openxmlformats.org/drawingml/2006/main" xmlns:r="http://schemas.openxmlformats.org/officeDocument/2006/relationships" xmlns:p="http://schemas.openxmlformats.org/presentationml/2006/main">
   <p:cSld>
     <p:spTree>
@@ -9974,683 +10487,7 @@
 </p:sld>
 </file>
 
-<file path=ppt/slides/slide2.xml><?xml version="1.0" encoding="utf-8"?>
-<p:sld xmlns:a="http://schemas.openxmlformats.org/drawingml/2006/main" xmlns:r="http://schemas.openxmlformats.org/officeDocument/2006/relationships" xmlns:p="http://schemas.openxmlformats.org/presentationml/2006/main">
-  <p:cSld>
-    <p:spTree>
-      <p:nvGrpSpPr>
-        <p:cNvPr id="1" name=""/>
-        <p:cNvGrpSpPr/>
-        <p:nvPr/>
-      </p:nvGrpSpPr>
-      <p:grpSpPr>
-        <a:xfrm>
-          <a:off x="0" y="0"/>
-          <a:ext cx="0" cy="0"/>
-          <a:chOff x="0" y="0"/>
-          <a:chExt cx="0" cy="0"/>
-        </a:xfrm>
-      </p:grpSpPr>
-      <p:sp>
-        <p:nvSpPr>
-          <p:cNvPr id="4" name="Rectangle 3"/>
-          <p:cNvSpPr/>
-          <p:nvPr/>
-        </p:nvSpPr>
-        <p:spPr>
-          <a:xfrm>
-            <a:off x="0" y="646097"/>
-            <a:ext cx="12192000" cy="6211903"/>
-          </a:xfrm>
-          <a:prstGeom prst="rect">
-            <a:avLst/>
-          </a:prstGeom>
-          <a:solidFill>
-            <a:srgbClr val="00359E"/>
-          </a:solidFill>
-          <a:ln>
-            <a:solidFill>
-              <a:srgbClr val="00359E"/>
-            </a:solidFill>
-          </a:ln>
-        </p:spPr>
-        <p:style>
-          <a:lnRef idx="2">
-            <a:schemeClr val="accent1">
-              <a:shade val="50000"/>
-            </a:schemeClr>
-          </a:lnRef>
-          <a:fillRef idx="1">
-            <a:schemeClr val="accent1"/>
-          </a:fillRef>
-          <a:effectRef idx="0">
-            <a:schemeClr val="accent1"/>
-          </a:effectRef>
-          <a:fontRef idx="minor">
-            <a:schemeClr val="lt1"/>
-          </a:fontRef>
-        </p:style>
-        <p:txBody>
-          <a:bodyPr rtlCol="0" anchor="ctr"/>
-          <a:lstStyle/>
-          <a:p>
-            <a:pPr algn="ctr"/>
-            <a:endParaRPr lang="en-US" sz="4000" dirty="0">
-              <a:solidFill>
-                <a:schemeClr val="bg1"/>
-              </a:solidFill>
-              <a:latin typeface="Arial" panose="020B0604020202020204" pitchFamily="34" charset="0"/>
-              <a:cs typeface="Arial" panose="020B0604020202020204" pitchFamily="34" charset="0"/>
-            </a:endParaRPr>
-          </a:p>
-        </p:txBody>
-      </p:sp>
-      <p:sp>
-        <p:nvSpPr>
-          <p:cNvPr id="5" name="Content Placeholder 1"/>
-          <p:cNvSpPr txBox="1">
-            <a:spLocks/>
-          </p:cNvSpPr>
-          <p:nvPr/>
-        </p:nvSpPr>
-        <p:spPr>
-          <a:xfrm>
-            <a:off x="7708475" y="858259"/>
-            <a:ext cx="5099957" cy="1069298"/>
-          </a:xfrm>
-          <a:prstGeom prst="rect">
-            <a:avLst/>
-          </a:prstGeom>
-        </p:spPr>
-        <p:txBody>
-          <a:bodyPr vert="horz" lIns="91440" tIns="45720" rIns="91440" bIns="45720" rtlCol="0">
-            <a:normAutofit/>
-          </a:bodyPr>
-          <a:lstStyle>
-            <a:lvl1pPr marL="0" indent="0" algn="ctr" defTabSz="914400" rtl="0" eaLnBrk="1" latinLnBrk="0" hangingPunct="1">
-              <a:lnSpc>
-                <a:spcPct val="90000"/>
-              </a:lnSpc>
-              <a:spcBef>
-                <a:spcPts val="1000"/>
-              </a:spcBef>
-              <a:buFont typeface="Arial" panose="020B0604020202020204" pitchFamily="34" charset="0"/>
-              <a:buNone/>
-              <a:defRPr sz="2400" kern="1200">
-                <a:solidFill>
-                  <a:schemeClr val="tx1"/>
-                </a:solidFill>
-                <a:latin typeface="+mn-lt"/>
-                <a:ea typeface="+mn-ea"/>
-                <a:cs typeface="+mn-cs"/>
-              </a:defRPr>
-            </a:lvl1pPr>
-            <a:lvl2pPr marL="457200" indent="0" algn="ctr" defTabSz="914400" rtl="0" eaLnBrk="1" latinLnBrk="0" hangingPunct="1">
-              <a:lnSpc>
-                <a:spcPct val="90000"/>
-              </a:lnSpc>
-              <a:spcBef>
-                <a:spcPts val="500"/>
-              </a:spcBef>
-              <a:buFont typeface="Arial" panose="020B0604020202020204" pitchFamily="34" charset="0"/>
-              <a:buNone/>
-              <a:defRPr sz="2000" kern="1200">
-                <a:solidFill>
-                  <a:schemeClr val="tx1"/>
-                </a:solidFill>
-                <a:latin typeface="+mn-lt"/>
-                <a:ea typeface="+mn-ea"/>
-                <a:cs typeface="+mn-cs"/>
-              </a:defRPr>
-            </a:lvl2pPr>
-            <a:lvl3pPr marL="914400" indent="0" algn="ctr" defTabSz="914400" rtl="0" eaLnBrk="1" latinLnBrk="0" hangingPunct="1">
-              <a:lnSpc>
-                <a:spcPct val="90000"/>
-              </a:lnSpc>
-              <a:spcBef>
-                <a:spcPts val="500"/>
-              </a:spcBef>
-              <a:buFont typeface="Arial" panose="020B0604020202020204" pitchFamily="34" charset="0"/>
-              <a:buNone/>
-              <a:defRPr sz="1800" kern="1200">
-                <a:solidFill>
-                  <a:schemeClr val="tx1"/>
-                </a:solidFill>
-                <a:latin typeface="+mn-lt"/>
-                <a:ea typeface="+mn-ea"/>
-                <a:cs typeface="+mn-cs"/>
-              </a:defRPr>
-            </a:lvl3pPr>
-            <a:lvl4pPr marL="1371600" indent="0" algn="ctr" defTabSz="914400" rtl="0" eaLnBrk="1" latinLnBrk="0" hangingPunct="1">
-              <a:lnSpc>
-                <a:spcPct val="90000"/>
-              </a:lnSpc>
-              <a:spcBef>
-                <a:spcPts val="500"/>
-              </a:spcBef>
-              <a:buFont typeface="Arial" panose="020B0604020202020204" pitchFamily="34" charset="0"/>
-              <a:buNone/>
-              <a:defRPr sz="1600" kern="1200">
-                <a:solidFill>
-                  <a:schemeClr val="tx1"/>
-                </a:solidFill>
-                <a:latin typeface="+mn-lt"/>
-                <a:ea typeface="+mn-ea"/>
-                <a:cs typeface="+mn-cs"/>
-              </a:defRPr>
-            </a:lvl4pPr>
-            <a:lvl5pPr marL="1828800" indent="0" algn="ctr" defTabSz="914400" rtl="0" eaLnBrk="1" latinLnBrk="0" hangingPunct="1">
-              <a:lnSpc>
-                <a:spcPct val="90000"/>
-              </a:lnSpc>
-              <a:spcBef>
-                <a:spcPts val="500"/>
-              </a:spcBef>
-              <a:buFont typeface="Arial" panose="020B0604020202020204" pitchFamily="34" charset="0"/>
-              <a:buNone/>
-              <a:defRPr sz="1600" kern="1200">
-                <a:solidFill>
-                  <a:schemeClr val="tx1"/>
-                </a:solidFill>
-                <a:latin typeface="+mn-lt"/>
-                <a:ea typeface="+mn-ea"/>
-                <a:cs typeface="+mn-cs"/>
-              </a:defRPr>
-            </a:lvl5pPr>
-            <a:lvl6pPr marL="2286000" indent="0" algn="ctr" defTabSz="914400" rtl="0" eaLnBrk="1" latinLnBrk="0" hangingPunct="1">
-              <a:lnSpc>
-                <a:spcPct val="90000"/>
-              </a:lnSpc>
-              <a:spcBef>
-                <a:spcPts val="500"/>
-              </a:spcBef>
-              <a:buFont typeface="Arial" panose="020B0604020202020204" pitchFamily="34" charset="0"/>
-              <a:buNone/>
-              <a:defRPr sz="1600" kern="1200">
-                <a:solidFill>
-                  <a:schemeClr val="tx1"/>
-                </a:solidFill>
-                <a:latin typeface="+mn-lt"/>
-                <a:ea typeface="+mn-ea"/>
-                <a:cs typeface="+mn-cs"/>
-              </a:defRPr>
-            </a:lvl6pPr>
-            <a:lvl7pPr marL="2743200" indent="0" algn="ctr" defTabSz="914400" rtl="0" eaLnBrk="1" latinLnBrk="0" hangingPunct="1">
-              <a:lnSpc>
-                <a:spcPct val="90000"/>
-              </a:lnSpc>
-              <a:spcBef>
-                <a:spcPts val="500"/>
-              </a:spcBef>
-              <a:buFont typeface="Arial" panose="020B0604020202020204" pitchFamily="34" charset="0"/>
-              <a:buNone/>
-              <a:defRPr sz="1600" kern="1200">
-                <a:solidFill>
-                  <a:schemeClr val="tx1"/>
-                </a:solidFill>
-                <a:latin typeface="+mn-lt"/>
-                <a:ea typeface="+mn-ea"/>
-                <a:cs typeface="+mn-cs"/>
-              </a:defRPr>
-            </a:lvl7pPr>
-            <a:lvl8pPr marL="3200400" indent="0" algn="ctr" defTabSz="914400" rtl="0" eaLnBrk="1" latinLnBrk="0" hangingPunct="1">
-              <a:lnSpc>
-                <a:spcPct val="90000"/>
-              </a:lnSpc>
-              <a:spcBef>
-                <a:spcPts val="500"/>
-              </a:spcBef>
-              <a:buFont typeface="Arial" panose="020B0604020202020204" pitchFamily="34" charset="0"/>
-              <a:buNone/>
-              <a:defRPr sz="1600" kern="1200">
-                <a:solidFill>
-                  <a:schemeClr val="tx1"/>
-                </a:solidFill>
-                <a:latin typeface="+mn-lt"/>
-                <a:ea typeface="+mn-ea"/>
-                <a:cs typeface="+mn-cs"/>
-              </a:defRPr>
-            </a:lvl8pPr>
-            <a:lvl9pPr marL="3657600" indent="0" algn="ctr" defTabSz="914400" rtl="0" eaLnBrk="1" latinLnBrk="0" hangingPunct="1">
-              <a:lnSpc>
-                <a:spcPct val="90000"/>
-              </a:lnSpc>
-              <a:spcBef>
-                <a:spcPts val="500"/>
-              </a:spcBef>
-              <a:buFont typeface="Arial" panose="020B0604020202020204" pitchFamily="34" charset="0"/>
-              <a:buNone/>
-              <a:defRPr sz="1600" kern="1200">
-                <a:solidFill>
-                  <a:schemeClr val="tx1"/>
-                </a:solidFill>
-                <a:latin typeface="+mn-lt"/>
-                <a:ea typeface="+mn-ea"/>
-                <a:cs typeface="+mn-cs"/>
-              </a:defRPr>
-            </a:lvl9pPr>
-          </a:lstStyle>
-          <a:p>
-            <a:endParaRPr lang="en-US" dirty="0">
-              <a:solidFill>
-                <a:schemeClr val="bg1"/>
-              </a:solidFill>
-            </a:endParaRPr>
-          </a:p>
-          <a:p>
-            <a:r>
-              <a:rPr lang="en-US">
-                <a:solidFill>
-                  <a:schemeClr val="bg1"/>
-                </a:solidFill>
-              </a:rPr>
-              <a:t>@bryancafferky</a:t>
-            </a:r>
-            <a:endParaRPr lang="en-US" dirty="0">
-              <a:solidFill>
-                <a:schemeClr val="bg1"/>
-              </a:solidFill>
-            </a:endParaRPr>
-          </a:p>
-        </p:txBody>
-      </p:sp>
-      <p:sp>
-        <p:nvSpPr>
-          <p:cNvPr id="7" name="Content Placeholder 2"/>
-          <p:cNvSpPr txBox="1">
-            <a:spLocks/>
-          </p:cNvSpPr>
-          <p:nvPr/>
-        </p:nvSpPr>
-        <p:spPr>
-          <a:xfrm>
-            <a:off x="351742" y="1735496"/>
-            <a:ext cx="9183149" cy="3945165"/>
-          </a:xfrm>
-          <a:prstGeom prst="rect">
-            <a:avLst/>
-          </a:prstGeom>
-        </p:spPr>
-        <p:txBody>
-          <a:bodyPr vert="horz" lIns="91440" tIns="45720" rIns="91440" bIns="45720" rtlCol="0" anchor="ctr">
-            <a:normAutofit/>
-          </a:bodyPr>
-          <a:lstStyle>
-            <a:defPPr>
-              <a:defRPr lang="en-US"/>
-            </a:defPPr>
-            <a:lvl1pPr marL="0" algn="l" defTabSz="914400" rtl="0" eaLnBrk="1" latinLnBrk="0" hangingPunct="1">
-              <a:defRPr sz="1200" kern="1200">
-                <a:solidFill>
-                  <a:schemeClr val="tx1">
-                    <a:tint val="75000"/>
-                  </a:schemeClr>
-                </a:solidFill>
-                <a:latin typeface="+mn-lt"/>
-                <a:ea typeface="+mn-ea"/>
-                <a:cs typeface="+mn-cs"/>
-              </a:defRPr>
-            </a:lvl1pPr>
-            <a:lvl2pPr marL="457200" algn="l" defTabSz="914400" rtl="0" eaLnBrk="1" latinLnBrk="0" hangingPunct="1">
-              <a:defRPr sz="1800" kern="1200">
-                <a:solidFill>
-                  <a:schemeClr val="tx1"/>
-                </a:solidFill>
-                <a:latin typeface="+mn-lt"/>
-                <a:ea typeface="+mn-ea"/>
-                <a:cs typeface="+mn-cs"/>
-              </a:defRPr>
-            </a:lvl2pPr>
-            <a:lvl3pPr marL="914400" algn="l" defTabSz="914400" rtl="0" eaLnBrk="1" latinLnBrk="0" hangingPunct="1">
-              <a:defRPr sz="1800" kern="1200">
-                <a:solidFill>
-                  <a:schemeClr val="tx1"/>
-                </a:solidFill>
-                <a:latin typeface="+mn-lt"/>
-                <a:ea typeface="+mn-ea"/>
-                <a:cs typeface="+mn-cs"/>
-              </a:defRPr>
-            </a:lvl3pPr>
-            <a:lvl4pPr marL="1371600" algn="l" defTabSz="914400" rtl="0" eaLnBrk="1" latinLnBrk="0" hangingPunct="1">
-              <a:defRPr sz="1800" kern="1200">
-                <a:solidFill>
-                  <a:schemeClr val="tx1"/>
-                </a:solidFill>
-                <a:latin typeface="+mn-lt"/>
-                <a:ea typeface="+mn-ea"/>
-                <a:cs typeface="+mn-cs"/>
-              </a:defRPr>
-            </a:lvl4pPr>
-            <a:lvl5pPr marL="1828800" algn="l" defTabSz="914400" rtl="0" eaLnBrk="1" latinLnBrk="0" hangingPunct="1">
-              <a:defRPr sz="1800" kern="1200">
-                <a:solidFill>
-                  <a:schemeClr val="tx1"/>
-                </a:solidFill>
-                <a:latin typeface="+mn-lt"/>
-                <a:ea typeface="+mn-ea"/>
-                <a:cs typeface="+mn-cs"/>
-              </a:defRPr>
-            </a:lvl5pPr>
-            <a:lvl6pPr marL="2286000" algn="l" defTabSz="914400" rtl="0" eaLnBrk="1" latinLnBrk="0" hangingPunct="1">
-              <a:defRPr sz="1800" kern="1200">
-                <a:solidFill>
-                  <a:schemeClr val="tx1"/>
-                </a:solidFill>
-                <a:latin typeface="+mn-lt"/>
-                <a:ea typeface="+mn-ea"/>
-                <a:cs typeface="+mn-cs"/>
-              </a:defRPr>
-            </a:lvl6pPr>
-            <a:lvl7pPr marL="2743200" algn="l" defTabSz="914400" rtl="0" eaLnBrk="1" latinLnBrk="0" hangingPunct="1">
-              <a:defRPr sz="1800" kern="1200">
-                <a:solidFill>
-                  <a:schemeClr val="tx1"/>
-                </a:solidFill>
-                <a:latin typeface="+mn-lt"/>
-                <a:ea typeface="+mn-ea"/>
-                <a:cs typeface="+mn-cs"/>
-              </a:defRPr>
-            </a:lvl7pPr>
-            <a:lvl8pPr marL="3200400" algn="l" defTabSz="914400" rtl="0" eaLnBrk="1" latinLnBrk="0" hangingPunct="1">
-              <a:defRPr sz="1800" kern="1200">
-                <a:solidFill>
-                  <a:schemeClr val="tx1"/>
-                </a:solidFill>
-                <a:latin typeface="+mn-lt"/>
-                <a:ea typeface="+mn-ea"/>
-                <a:cs typeface="+mn-cs"/>
-              </a:defRPr>
-            </a:lvl8pPr>
-            <a:lvl9pPr marL="3657600" algn="l" defTabSz="914400" rtl="0" eaLnBrk="1" latinLnBrk="0" hangingPunct="1">
-              <a:defRPr sz="1800" kern="1200">
-                <a:solidFill>
-                  <a:schemeClr val="tx1"/>
-                </a:solidFill>
-                <a:latin typeface="+mn-lt"/>
-                <a:ea typeface="+mn-ea"/>
-                <a:cs typeface="+mn-cs"/>
-              </a:defRPr>
-            </a:lvl9pPr>
-          </a:lstStyle>
-          <a:p>
-            <a:pPr>
-              <a:spcBef>
-                <a:spcPts val="1800"/>
-              </a:spcBef>
-            </a:pPr>
-            <a:r>
-              <a:rPr lang="en-US" sz="2400" dirty="0">
-                <a:solidFill>
-                  <a:schemeClr val="bg1"/>
-                </a:solidFill>
-              </a:rPr>
-              <a:t>Microsoft Technology Solutions Professional </a:t>
-            </a:r>
-          </a:p>
-          <a:p>
-            <a:pPr>
-              <a:spcBef>
-                <a:spcPts val="1800"/>
-              </a:spcBef>
-            </a:pPr>
-            <a:r>
-              <a:rPr lang="en-US" sz="2400" dirty="0">
-                <a:solidFill>
-                  <a:schemeClr val="bg1"/>
-                </a:solidFill>
-              </a:rPr>
-              <a:t>Two Microsoft MVP </a:t>
-            </a:r>
-          </a:p>
-          <a:p>
-            <a:pPr>
-              <a:spcBef>
-                <a:spcPts val="1800"/>
-              </a:spcBef>
-            </a:pPr>
-            <a:r>
-              <a:rPr lang="en-US" sz="2400" dirty="0">
-                <a:solidFill>
-                  <a:schemeClr val="bg1"/>
-                </a:solidFill>
-              </a:rPr>
-              <a:t>Decades of IT experience</a:t>
-            </a:r>
-          </a:p>
-          <a:p>
-            <a:pPr>
-              <a:spcBef>
-                <a:spcPts val="1800"/>
-              </a:spcBef>
-            </a:pPr>
-            <a:r>
-              <a:rPr lang="en-US" sz="2400" dirty="0">
-                <a:solidFill>
-                  <a:schemeClr val="bg1"/>
-                </a:solidFill>
-              </a:rPr>
-              <a:t>Author of Pro PowerShell for Database Developers by </a:t>
-            </a:r>
-            <a:r>
-              <a:rPr lang="en-US" sz="2400" dirty="0" err="1">
-                <a:solidFill>
-                  <a:schemeClr val="bg1"/>
-                </a:solidFill>
-              </a:rPr>
-              <a:t>Apress</a:t>
-            </a:r>
-            <a:endParaRPr lang="en-US" sz="2400" dirty="0">
-              <a:solidFill>
-                <a:schemeClr val="bg1"/>
-              </a:solidFill>
-            </a:endParaRPr>
-          </a:p>
-          <a:p>
-            <a:pPr>
-              <a:spcBef>
-                <a:spcPts val="1800"/>
-              </a:spcBef>
-            </a:pPr>
-            <a:r>
-              <a:rPr lang="en-US" sz="2400" dirty="0">
-                <a:solidFill>
-                  <a:schemeClr val="bg1"/>
-                </a:solidFill>
-              </a:rPr>
-              <a:t>SQL PASS Chapter Lead</a:t>
-            </a:r>
-          </a:p>
-          <a:p>
-            <a:pPr>
-              <a:spcBef>
-                <a:spcPts val="1800"/>
-              </a:spcBef>
-            </a:pPr>
-            <a:r>
-              <a:rPr lang="en-US" sz="2400" dirty="0">
-                <a:solidFill>
-                  <a:schemeClr val="bg1"/>
-                </a:solidFill>
-              </a:rPr>
-              <a:t>Lead the Greater Boston Data Science, ML , and AI Group</a:t>
-            </a:r>
-          </a:p>
-        </p:txBody>
-      </p:sp>
-      <p:pic>
-        <p:nvPicPr>
-          <p:cNvPr id="8" name="Picture 7"/>
-          <p:cNvPicPr>
-            <a:picLocks noChangeAspect="1"/>
-          </p:cNvPicPr>
-          <p:nvPr/>
-        </p:nvPicPr>
-        <p:blipFill>
-          <a:blip r:embed="rId3">
-            <a:extLst>
-              <a:ext uri="{28A0092B-C50C-407E-A947-70E740481C1C}">
-                <a14:useLocalDpi xmlns:a14="http://schemas.microsoft.com/office/drawing/2010/main" val="0"/>
-              </a:ext>
-            </a:extLst>
-          </a:blip>
-          <a:stretch>
-            <a:fillRect/>
-          </a:stretch>
-        </p:blipFill>
-        <p:spPr>
-          <a:xfrm>
-            <a:off x="9718063" y="3848967"/>
-            <a:ext cx="1381125" cy="1381125"/>
-          </a:xfrm>
-          <a:prstGeom prst="rect">
-            <a:avLst/>
-          </a:prstGeom>
-        </p:spPr>
-      </p:pic>
-      <p:sp>
-        <p:nvSpPr>
-          <p:cNvPr id="6" name="Title 3"/>
-          <p:cNvSpPr txBox="1">
-            <a:spLocks/>
-          </p:cNvSpPr>
-          <p:nvPr/>
-        </p:nvSpPr>
-        <p:spPr>
-          <a:xfrm>
-            <a:off x="0" y="-45199"/>
-            <a:ext cx="12522741" cy="1039950"/>
-          </a:xfrm>
-          <a:prstGeom prst="rect">
-            <a:avLst/>
-          </a:prstGeom>
-          <a:solidFill>
-            <a:schemeClr val="bg1"/>
-          </a:solidFill>
-        </p:spPr>
-        <p:txBody>
-          <a:bodyPr vert="horz" lIns="91440" tIns="45720" rIns="91440" bIns="45720" rtlCol="0" anchor="b">
-            <a:normAutofit/>
-          </a:bodyPr>
-          <a:lstStyle>
-            <a:lvl1pPr algn="ctr" defTabSz="914400" rtl="0" eaLnBrk="1" latinLnBrk="0" hangingPunct="1">
-              <a:lnSpc>
-                <a:spcPct val="90000"/>
-              </a:lnSpc>
-              <a:spcBef>
-                <a:spcPct val="0"/>
-              </a:spcBef>
-              <a:buNone/>
-              <a:defRPr sz="6000" kern="1200">
-                <a:solidFill>
-                  <a:schemeClr val="tx1"/>
-                </a:solidFill>
-                <a:latin typeface="+mj-lt"/>
-                <a:ea typeface="+mj-ea"/>
-                <a:cs typeface="+mj-cs"/>
-              </a:defRPr>
-            </a:lvl1pPr>
-          </a:lstStyle>
-          <a:p>
-            <a:pPr algn="l"/>
-            <a:r>
-              <a:rPr lang="en-US" sz="4800" dirty="0">
-                <a:solidFill>
-                  <a:srgbClr val="00359E"/>
-                </a:solidFill>
-                <a:latin typeface="Arial" panose="020B0604020202020204" pitchFamily="34" charset="0"/>
-                <a:cs typeface="Arial" panose="020B0604020202020204" pitchFamily="34" charset="0"/>
-              </a:rPr>
-              <a:t>Bryan Cafferky</a:t>
-            </a:r>
-          </a:p>
-        </p:txBody>
-      </p:sp>
-      <p:pic>
-        <p:nvPicPr>
-          <p:cNvPr id="9" name="Picture 8">
-            <a:extLst>
-              <a:ext uri="{FF2B5EF4-FFF2-40B4-BE49-F238E27FC236}">
-                <a16:creationId xmlns:a16="http://schemas.microsoft.com/office/drawing/2014/main" id="{2A5680D3-BC73-4A87-8A25-1EFB126FE122}"/>
-              </a:ext>
-            </a:extLst>
-          </p:cNvPr>
-          <p:cNvPicPr>
-            <a:picLocks noChangeAspect="1"/>
-          </p:cNvPicPr>
-          <p:nvPr/>
-        </p:nvPicPr>
-        <p:blipFill>
-          <a:blip r:embed="rId4">
-            <a:extLst>
-              <a:ext uri="{28A0092B-C50C-407E-A947-70E740481C1C}">
-                <a14:useLocalDpi xmlns:a14="http://schemas.microsoft.com/office/drawing/2010/main" val="0"/>
-              </a:ext>
-            </a:extLst>
-          </a:blip>
-          <a:stretch>
-            <a:fillRect/>
-          </a:stretch>
-        </p:blipFill>
-        <p:spPr>
-          <a:xfrm>
-            <a:off x="9580046" y="1952547"/>
-            <a:ext cx="1702316" cy="628383"/>
-          </a:xfrm>
-          <a:prstGeom prst="rect">
-            <a:avLst/>
-          </a:prstGeom>
-        </p:spPr>
-      </p:pic>
-      <p:pic>
-        <p:nvPicPr>
-          <p:cNvPr id="10" name="Picture 9">
-            <a:extLst>
-              <a:ext uri="{FF2B5EF4-FFF2-40B4-BE49-F238E27FC236}">
-                <a16:creationId xmlns:a16="http://schemas.microsoft.com/office/drawing/2014/main" id="{A4D015F6-5D52-4325-BEF5-A2A6D2D99078}"/>
-              </a:ext>
-            </a:extLst>
-          </p:cNvPr>
-          <p:cNvPicPr>
-            <a:picLocks noChangeAspect="1"/>
-          </p:cNvPicPr>
-          <p:nvPr/>
-        </p:nvPicPr>
-        <p:blipFill>
-          <a:blip r:embed="rId5">
-            <a:extLst>
-              <a:ext uri="{28A0092B-C50C-407E-A947-70E740481C1C}">
-                <a14:useLocalDpi xmlns:a14="http://schemas.microsoft.com/office/drawing/2010/main" val="0"/>
-              </a:ext>
-            </a:extLst>
-          </a:blip>
-          <a:stretch>
-            <a:fillRect/>
-          </a:stretch>
-        </p:blipFill>
-        <p:spPr>
-          <a:xfrm>
-            <a:off x="9987007" y="2580930"/>
-            <a:ext cx="843239" cy="843239"/>
-          </a:xfrm>
-          <a:prstGeom prst="rect">
-            <a:avLst/>
-          </a:prstGeom>
-        </p:spPr>
-      </p:pic>
-    </p:spTree>
-    <p:extLst>
-      <p:ext uri="{BB962C8B-B14F-4D97-AF65-F5344CB8AC3E}">
-        <p14:creationId xmlns:p14="http://schemas.microsoft.com/office/powerpoint/2010/main" val="3651117982"/>
-      </p:ext>
-    </p:extLst>
-  </p:cSld>
-  <p:clrMapOvr>
-    <a:masterClrMapping/>
-  </p:clrMapOvr>
-</p:sld>
-</file>
-
-<file path=ppt/slides/slide20.xml><?xml version="1.0" encoding="utf-8"?>
+<file path=ppt/slides/slide21.xml><?xml version="1.0" encoding="utf-8"?>
 <p:sld xmlns:a="http://schemas.openxmlformats.org/drawingml/2006/main" xmlns:r="http://schemas.openxmlformats.org/officeDocument/2006/relationships" xmlns:p="http://schemas.openxmlformats.org/presentationml/2006/main">
   <p:cSld>
     <p:spTree>
@@ -11191,7 +11028,7 @@
 </p:sld>
 </file>
 
-<file path=ppt/slides/slide21.xml><?xml version="1.0" encoding="utf-8"?>
+<file path=ppt/slides/slide22.xml><?xml version="1.0" encoding="utf-8"?>
 <p:sld xmlns:a="http://schemas.openxmlformats.org/drawingml/2006/main" xmlns:r="http://schemas.openxmlformats.org/officeDocument/2006/relationships" xmlns:p="http://schemas.openxmlformats.org/presentationml/2006/main">
   <p:cSld>
     <p:bg>
@@ -11371,7 +11208,7 @@
 </p:sld>
 </file>
 
-<file path=ppt/slides/slide22.xml><?xml version="1.0" encoding="utf-8"?>
+<file path=ppt/slides/slide23.xml><?xml version="1.0" encoding="utf-8"?>
 <p:sld xmlns:a="http://schemas.openxmlformats.org/drawingml/2006/main" xmlns:r="http://schemas.openxmlformats.org/officeDocument/2006/relationships" xmlns:p="http://schemas.openxmlformats.org/presentationml/2006/main">
   <p:cSld>
     <p:spTree>
@@ -11497,7 +11334,7 @@
 </p:sld>
 </file>
 
-<file path=ppt/slides/slide23.xml><?xml version="1.0" encoding="utf-8"?>
+<file path=ppt/slides/slide24.xml><?xml version="1.0" encoding="utf-8"?>
 <p:sld xmlns:a="http://schemas.openxmlformats.org/drawingml/2006/main" xmlns:r="http://schemas.openxmlformats.org/officeDocument/2006/relationships" xmlns:p="http://schemas.openxmlformats.org/presentationml/2006/main">
   <p:cSld>
     <p:spTree>
@@ -12033,6 +11870,682 @@
         </p:nvSpPr>
         <p:spPr>
           <a:xfrm>
+            <a:off x="0" y="646097"/>
+            <a:ext cx="12192000" cy="6211903"/>
+          </a:xfrm>
+          <a:prstGeom prst="rect">
+            <a:avLst/>
+          </a:prstGeom>
+          <a:solidFill>
+            <a:srgbClr val="00359E"/>
+          </a:solidFill>
+          <a:ln>
+            <a:solidFill>
+              <a:srgbClr val="00359E"/>
+            </a:solidFill>
+          </a:ln>
+        </p:spPr>
+        <p:style>
+          <a:lnRef idx="2">
+            <a:schemeClr val="accent1">
+              <a:shade val="50000"/>
+            </a:schemeClr>
+          </a:lnRef>
+          <a:fillRef idx="1">
+            <a:schemeClr val="accent1"/>
+          </a:fillRef>
+          <a:effectRef idx="0">
+            <a:schemeClr val="accent1"/>
+          </a:effectRef>
+          <a:fontRef idx="minor">
+            <a:schemeClr val="lt1"/>
+          </a:fontRef>
+        </p:style>
+        <p:txBody>
+          <a:bodyPr rtlCol="0" anchor="ctr"/>
+          <a:lstStyle/>
+          <a:p>
+            <a:pPr algn="ctr"/>
+            <a:endParaRPr lang="en-US" sz="4000" dirty="0">
+              <a:solidFill>
+                <a:schemeClr val="bg1"/>
+              </a:solidFill>
+              <a:latin typeface="Arial" panose="020B0604020202020204" pitchFamily="34" charset="0"/>
+              <a:cs typeface="Arial" panose="020B0604020202020204" pitchFamily="34" charset="0"/>
+            </a:endParaRPr>
+          </a:p>
+        </p:txBody>
+      </p:sp>
+      <p:sp>
+        <p:nvSpPr>
+          <p:cNvPr id="5" name="Content Placeholder 1"/>
+          <p:cNvSpPr txBox="1">
+            <a:spLocks/>
+          </p:cNvSpPr>
+          <p:nvPr/>
+        </p:nvSpPr>
+        <p:spPr>
+          <a:xfrm>
+            <a:off x="7708475" y="858259"/>
+            <a:ext cx="5099957" cy="1069298"/>
+          </a:xfrm>
+          <a:prstGeom prst="rect">
+            <a:avLst/>
+          </a:prstGeom>
+        </p:spPr>
+        <p:txBody>
+          <a:bodyPr vert="horz" lIns="91440" tIns="45720" rIns="91440" bIns="45720" rtlCol="0">
+            <a:normAutofit/>
+          </a:bodyPr>
+          <a:lstStyle>
+            <a:lvl1pPr marL="0" indent="0" algn="ctr" defTabSz="914400" rtl="0" eaLnBrk="1" latinLnBrk="0" hangingPunct="1">
+              <a:lnSpc>
+                <a:spcPct val="90000"/>
+              </a:lnSpc>
+              <a:spcBef>
+                <a:spcPts val="1000"/>
+              </a:spcBef>
+              <a:buFont typeface="Arial" panose="020B0604020202020204" pitchFamily="34" charset="0"/>
+              <a:buNone/>
+              <a:defRPr sz="2400" kern="1200">
+                <a:solidFill>
+                  <a:schemeClr val="tx1"/>
+                </a:solidFill>
+                <a:latin typeface="+mn-lt"/>
+                <a:ea typeface="+mn-ea"/>
+                <a:cs typeface="+mn-cs"/>
+              </a:defRPr>
+            </a:lvl1pPr>
+            <a:lvl2pPr marL="457200" indent="0" algn="ctr" defTabSz="914400" rtl="0" eaLnBrk="1" latinLnBrk="0" hangingPunct="1">
+              <a:lnSpc>
+                <a:spcPct val="90000"/>
+              </a:lnSpc>
+              <a:spcBef>
+                <a:spcPts val="500"/>
+              </a:spcBef>
+              <a:buFont typeface="Arial" panose="020B0604020202020204" pitchFamily="34" charset="0"/>
+              <a:buNone/>
+              <a:defRPr sz="2000" kern="1200">
+                <a:solidFill>
+                  <a:schemeClr val="tx1"/>
+                </a:solidFill>
+                <a:latin typeface="+mn-lt"/>
+                <a:ea typeface="+mn-ea"/>
+                <a:cs typeface="+mn-cs"/>
+              </a:defRPr>
+            </a:lvl2pPr>
+            <a:lvl3pPr marL="914400" indent="0" algn="ctr" defTabSz="914400" rtl="0" eaLnBrk="1" latinLnBrk="0" hangingPunct="1">
+              <a:lnSpc>
+                <a:spcPct val="90000"/>
+              </a:lnSpc>
+              <a:spcBef>
+                <a:spcPts val="500"/>
+              </a:spcBef>
+              <a:buFont typeface="Arial" panose="020B0604020202020204" pitchFamily="34" charset="0"/>
+              <a:buNone/>
+              <a:defRPr sz="1800" kern="1200">
+                <a:solidFill>
+                  <a:schemeClr val="tx1"/>
+                </a:solidFill>
+                <a:latin typeface="+mn-lt"/>
+                <a:ea typeface="+mn-ea"/>
+                <a:cs typeface="+mn-cs"/>
+              </a:defRPr>
+            </a:lvl3pPr>
+            <a:lvl4pPr marL="1371600" indent="0" algn="ctr" defTabSz="914400" rtl="0" eaLnBrk="1" latinLnBrk="0" hangingPunct="1">
+              <a:lnSpc>
+                <a:spcPct val="90000"/>
+              </a:lnSpc>
+              <a:spcBef>
+                <a:spcPts val="500"/>
+              </a:spcBef>
+              <a:buFont typeface="Arial" panose="020B0604020202020204" pitchFamily="34" charset="0"/>
+              <a:buNone/>
+              <a:defRPr sz="1600" kern="1200">
+                <a:solidFill>
+                  <a:schemeClr val="tx1"/>
+                </a:solidFill>
+                <a:latin typeface="+mn-lt"/>
+                <a:ea typeface="+mn-ea"/>
+                <a:cs typeface="+mn-cs"/>
+              </a:defRPr>
+            </a:lvl4pPr>
+            <a:lvl5pPr marL="1828800" indent="0" algn="ctr" defTabSz="914400" rtl="0" eaLnBrk="1" latinLnBrk="0" hangingPunct="1">
+              <a:lnSpc>
+                <a:spcPct val="90000"/>
+              </a:lnSpc>
+              <a:spcBef>
+                <a:spcPts val="500"/>
+              </a:spcBef>
+              <a:buFont typeface="Arial" panose="020B0604020202020204" pitchFamily="34" charset="0"/>
+              <a:buNone/>
+              <a:defRPr sz="1600" kern="1200">
+                <a:solidFill>
+                  <a:schemeClr val="tx1"/>
+                </a:solidFill>
+                <a:latin typeface="+mn-lt"/>
+                <a:ea typeface="+mn-ea"/>
+                <a:cs typeface="+mn-cs"/>
+              </a:defRPr>
+            </a:lvl5pPr>
+            <a:lvl6pPr marL="2286000" indent="0" algn="ctr" defTabSz="914400" rtl="0" eaLnBrk="1" latinLnBrk="0" hangingPunct="1">
+              <a:lnSpc>
+                <a:spcPct val="90000"/>
+              </a:lnSpc>
+              <a:spcBef>
+                <a:spcPts val="500"/>
+              </a:spcBef>
+              <a:buFont typeface="Arial" panose="020B0604020202020204" pitchFamily="34" charset="0"/>
+              <a:buNone/>
+              <a:defRPr sz="1600" kern="1200">
+                <a:solidFill>
+                  <a:schemeClr val="tx1"/>
+                </a:solidFill>
+                <a:latin typeface="+mn-lt"/>
+                <a:ea typeface="+mn-ea"/>
+                <a:cs typeface="+mn-cs"/>
+              </a:defRPr>
+            </a:lvl6pPr>
+            <a:lvl7pPr marL="2743200" indent="0" algn="ctr" defTabSz="914400" rtl="0" eaLnBrk="1" latinLnBrk="0" hangingPunct="1">
+              <a:lnSpc>
+                <a:spcPct val="90000"/>
+              </a:lnSpc>
+              <a:spcBef>
+                <a:spcPts val="500"/>
+              </a:spcBef>
+              <a:buFont typeface="Arial" panose="020B0604020202020204" pitchFamily="34" charset="0"/>
+              <a:buNone/>
+              <a:defRPr sz="1600" kern="1200">
+                <a:solidFill>
+                  <a:schemeClr val="tx1"/>
+                </a:solidFill>
+                <a:latin typeface="+mn-lt"/>
+                <a:ea typeface="+mn-ea"/>
+                <a:cs typeface="+mn-cs"/>
+              </a:defRPr>
+            </a:lvl7pPr>
+            <a:lvl8pPr marL="3200400" indent="0" algn="ctr" defTabSz="914400" rtl="0" eaLnBrk="1" latinLnBrk="0" hangingPunct="1">
+              <a:lnSpc>
+                <a:spcPct val="90000"/>
+              </a:lnSpc>
+              <a:spcBef>
+                <a:spcPts val="500"/>
+              </a:spcBef>
+              <a:buFont typeface="Arial" panose="020B0604020202020204" pitchFamily="34" charset="0"/>
+              <a:buNone/>
+              <a:defRPr sz="1600" kern="1200">
+                <a:solidFill>
+                  <a:schemeClr val="tx1"/>
+                </a:solidFill>
+                <a:latin typeface="+mn-lt"/>
+                <a:ea typeface="+mn-ea"/>
+                <a:cs typeface="+mn-cs"/>
+              </a:defRPr>
+            </a:lvl8pPr>
+            <a:lvl9pPr marL="3657600" indent="0" algn="ctr" defTabSz="914400" rtl="0" eaLnBrk="1" latinLnBrk="0" hangingPunct="1">
+              <a:lnSpc>
+                <a:spcPct val="90000"/>
+              </a:lnSpc>
+              <a:spcBef>
+                <a:spcPts val="500"/>
+              </a:spcBef>
+              <a:buFont typeface="Arial" panose="020B0604020202020204" pitchFamily="34" charset="0"/>
+              <a:buNone/>
+              <a:defRPr sz="1600" kern="1200">
+                <a:solidFill>
+                  <a:schemeClr val="tx1"/>
+                </a:solidFill>
+                <a:latin typeface="+mn-lt"/>
+                <a:ea typeface="+mn-ea"/>
+                <a:cs typeface="+mn-cs"/>
+              </a:defRPr>
+            </a:lvl9pPr>
+          </a:lstStyle>
+          <a:p>
+            <a:endParaRPr lang="en-US" dirty="0">
+              <a:solidFill>
+                <a:schemeClr val="bg1"/>
+              </a:solidFill>
+            </a:endParaRPr>
+          </a:p>
+          <a:p>
+            <a:r>
+              <a:rPr lang="en-US">
+                <a:solidFill>
+                  <a:schemeClr val="bg1"/>
+                </a:solidFill>
+              </a:rPr>
+              <a:t>@bryancafferky</a:t>
+            </a:r>
+            <a:endParaRPr lang="en-US" dirty="0">
+              <a:solidFill>
+                <a:schemeClr val="bg1"/>
+              </a:solidFill>
+            </a:endParaRPr>
+          </a:p>
+        </p:txBody>
+      </p:sp>
+      <p:sp>
+        <p:nvSpPr>
+          <p:cNvPr id="7" name="Content Placeholder 2"/>
+          <p:cNvSpPr txBox="1">
+            <a:spLocks/>
+          </p:cNvSpPr>
+          <p:nvPr/>
+        </p:nvSpPr>
+        <p:spPr>
+          <a:xfrm>
+            <a:off x="351742" y="1735496"/>
+            <a:ext cx="9183149" cy="3945165"/>
+          </a:xfrm>
+          <a:prstGeom prst="rect">
+            <a:avLst/>
+          </a:prstGeom>
+        </p:spPr>
+        <p:txBody>
+          <a:bodyPr vert="horz" lIns="91440" tIns="45720" rIns="91440" bIns="45720" rtlCol="0" anchor="ctr">
+            <a:normAutofit/>
+          </a:bodyPr>
+          <a:lstStyle>
+            <a:defPPr>
+              <a:defRPr lang="en-US"/>
+            </a:defPPr>
+            <a:lvl1pPr marL="0" algn="l" defTabSz="914400" rtl="0" eaLnBrk="1" latinLnBrk="0" hangingPunct="1">
+              <a:defRPr sz="1200" kern="1200">
+                <a:solidFill>
+                  <a:schemeClr val="tx1">
+                    <a:tint val="75000"/>
+                  </a:schemeClr>
+                </a:solidFill>
+                <a:latin typeface="+mn-lt"/>
+                <a:ea typeface="+mn-ea"/>
+                <a:cs typeface="+mn-cs"/>
+              </a:defRPr>
+            </a:lvl1pPr>
+            <a:lvl2pPr marL="457200" algn="l" defTabSz="914400" rtl="0" eaLnBrk="1" latinLnBrk="0" hangingPunct="1">
+              <a:defRPr sz="1800" kern="1200">
+                <a:solidFill>
+                  <a:schemeClr val="tx1"/>
+                </a:solidFill>
+                <a:latin typeface="+mn-lt"/>
+                <a:ea typeface="+mn-ea"/>
+                <a:cs typeface="+mn-cs"/>
+              </a:defRPr>
+            </a:lvl2pPr>
+            <a:lvl3pPr marL="914400" algn="l" defTabSz="914400" rtl="0" eaLnBrk="1" latinLnBrk="0" hangingPunct="1">
+              <a:defRPr sz="1800" kern="1200">
+                <a:solidFill>
+                  <a:schemeClr val="tx1"/>
+                </a:solidFill>
+                <a:latin typeface="+mn-lt"/>
+                <a:ea typeface="+mn-ea"/>
+                <a:cs typeface="+mn-cs"/>
+              </a:defRPr>
+            </a:lvl3pPr>
+            <a:lvl4pPr marL="1371600" algn="l" defTabSz="914400" rtl="0" eaLnBrk="1" latinLnBrk="0" hangingPunct="1">
+              <a:defRPr sz="1800" kern="1200">
+                <a:solidFill>
+                  <a:schemeClr val="tx1"/>
+                </a:solidFill>
+                <a:latin typeface="+mn-lt"/>
+                <a:ea typeface="+mn-ea"/>
+                <a:cs typeface="+mn-cs"/>
+              </a:defRPr>
+            </a:lvl4pPr>
+            <a:lvl5pPr marL="1828800" algn="l" defTabSz="914400" rtl="0" eaLnBrk="1" latinLnBrk="0" hangingPunct="1">
+              <a:defRPr sz="1800" kern="1200">
+                <a:solidFill>
+                  <a:schemeClr val="tx1"/>
+                </a:solidFill>
+                <a:latin typeface="+mn-lt"/>
+                <a:ea typeface="+mn-ea"/>
+                <a:cs typeface="+mn-cs"/>
+              </a:defRPr>
+            </a:lvl5pPr>
+            <a:lvl6pPr marL="2286000" algn="l" defTabSz="914400" rtl="0" eaLnBrk="1" latinLnBrk="0" hangingPunct="1">
+              <a:defRPr sz="1800" kern="1200">
+                <a:solidFill>
+                  <a:schemeClr val="tx1"/>
+                </a:solidFill>
+                <a:latin typeface="+mn-lt"/>
+                <a:ea typeface="+mn-ea"/>
+                <a:cs typeface="+mn-cs"/>
+              </a:defRPr>
+            </a:lvl6pPr>
+            <a:lvl7pPr marL="2743200" algn="l" defTabSz="914400" rtl="0" eaLnBrk="1" latinLnBrk="0" hangingPunct="1">
+              <a:defRPr sz="1800" kern="1200">
+                <a:solidFill>
+                  <a:schemeClr val="tx1"/>
+                </a:solidFill>
+                <a:latin typeface="+mn-lt"/>
+                <a:ea typeface="+mn-ea"/>
+                <a:cs typeface="+mn-cs"/>
+              </a:defRPr>
+            </a:lvl7pPr>
+            <a:lvl8pPr marL="3200400" algn="l" defTabSz="914400" rtl="0" eaLnBrk="1" latinLnBrk="0" hangingPunct="1">
+              <a:defRPr sz="1800" kern="1200">
+                <a:solidFill>
+                  <a:schemeClr val="tx1"/>
+                </a:solidFill>
+                <a:latin typeface="+mn-lt"/>
+                <a:ea typeface="+mn-ea"/>
+                <a:cs typeface="+mn-cs"/>
+              </a:defRPr>
+            </a:lvl8pPr>
+            <a:lvl9pPr marL="3657600" algn="l" defTabSz="914400" rtl="0" eaLnBrk="1" latinLnBrk="0" hangingPunct="1">
+              <a:defRPr sz="1800" kern="1200">
+                <a:solidFill>
+                  <a:schemeClr val="tx1"/>
+                </a:solidFill>
+                <a:latin typeface="+mn-lt"/>
+                <a:ea typeface="+mn-ea"/>
+                <a:cs typeface="+mn-cs"/>
+              </a:defRPr>
+            </a:lvl9pPr>
+          </a:lstStyle>
+          <a:p>
+            <a:pPr>
+              <a:spcBef>
+                <a:spcPts val="1800"/>
+              </a:spcBef>
+            </a:pPr>
+            <a:r>
+              <a:rPr lang="en-US" sz="2400" dirty="0">
+                <a:solidFill>
+                  <a:schemeClr val="bg1"/>
+                </a:solidFill>
+              </a:rPr>
+              <a:t>Microsoft Technology Solutions Professional </a:t>
+            </a:r>
+          </a:p>
+          <a:p>
+            <a:pPr>
+              <a:spcBef>
+                <a:spcPts val="1800"/>
+              </a:spcBef>
+            </a:pPr>
+            <a:r>
+              <a:rPr lang="en-US" sz="2400" dirty="0">
+                <a:solidFill>
+                  <a:schemeClr val="bg1"/>
+                </a:solidFill>
+              </a:rPr>
+              <a:t>Two Microsoft MVP </a:t>
+            </a:r>
+          </a:p>
+          <a:p>
+            <a:pPr>
+              <a:spcBef>
+                <a:spcPts val="1800"/>
+              </a:spcBef>
+            </a:pPr>
+            <a:r>
+              <a:rPr lang="en-US" sz="2400" dirty="0">
+                <a:solidFill>
+                  <a:schemeClr val="bg1"/>
+                </a:solidFill>
+              </a:rPr>
+              <a:t>Decades of IT experience</a:t>
+            </a:r>
+          </a:p>
+          <a:p>
+            <a:pPr>
+              <a:spcBef>
+                <a:spcPts val="1800"/>
+              </a:spcBef>
+            </a:pPr>
+            <a:r>
+              <a:rPr lang="en-US" sz="2400" dirty="0">
+                <a:solidFill>
+                  <a:schemeClr val="bg1"/>
+                </a:solidFill>
+              </a:rPr>
+              <a:t>Author of Pro PowerShell for Database Developers by </a:t>
+            </a:r>
+            <a:r>
+              <a:rPr lang="en-US" sz="2400" dirty="0" err="1">
+                <a:solidFill>
+                  <a:schemeClr val="bg1"/>
+                </a:solidFill>
+              </a:rPr>
+              <a:t>Apress</a:t>
+            </a:r>
+            <a:endParaRPr lang="en-US" sz="2400" dirty="0">
+              <a:solidFill>
+                <a:schemeClr val="bg1"/>
+              </a:solidFill>
+            </a:endParaRPr>
+          </a:p>
+          <a:p>
+            <a:pPr>
+              <a:spcBef>
+                <a:spcPts val="1800"/>
+              </a:spcBef>
+            </a:pPr>
+            <a:r>
+              <a:rPr lang="en-US" sz="2400" dirty="0">
+                <a:solidFill>
+                  <a:schemeClr val="bg1"/>
+                </a:solidFill>
+              </a:rPr>
+              <a:t>SQL PASS Chapter Lead</a:t>
+            </a:r>
+          </a:p>
+          <a:p>
+            <a:pPr>
+              <a:spcBef>
+                <a:spcPts val="1800"/>
+              </a:spcBef>
+            </a:pPr>
+            <a:r>
+              <a:rPr lang="en-US" sz="2400" dirty="0">
+                <a:solidFill>
+                  <a:schemeClr val="bg1"/>
+                </a:solidFill>
+              </a:rPr>
+              <a:t>Lead the Greater Boston Data Science, ML , and AI Group</a:t>
+            </a:r>
+          </a:p>
+        </p:txBody>
+      </p:sp>
+      <p:pic>
+        <p:nvPicPr>
+          <p:cNvPr id="8" name="Picture 7"/>
+          <p:cNvPicPr>
+            <a:picLocks noChangeAspect="1"/>
+          </p:cNvPicPr>
+          <p:nvPr/>
+        </p:nvPicPr>
+        <p:blipFill>
+          <a:blip r:embed="rId3">
+            <a:extLst>
+              <a:ext uri="{28A0092B-C50C-407E-A947-70E740481C1C}">
+                <a14:useLocalDpi xmlns:a14="http://schemas.microsoft.com/office/drawing/2010/main" val="0"/>
+              </a:ext>
+            </a:extLst>
+          </a:blip>
+          <a:stretch>
+            <a:fillRect/>
+          </a:stretch>
+        </p:blipFill>
+        <p:spPr>
+          <a:xfrm>
+            <a:off x="9718063" y="3848967"/>
+            <a:ext cx="1381125" cy="1381125"/>
+          </a:xfrm>
+          <a:prstGeom prst="rect">
+            <a:avLst/>
+          </a:prstGeom>
+        </p:spPr>
+      </p:pic>
+      <p:sp>
+        <p:nvSpPr>
+          <p:cNvPr id="6" name="Title 3"/>
+          <p:cNvSpPr txBox="1">
+            <a:spLocks/>
+          </p:cNvSpPr>
+          <p:nvPr/>
+        </p:nvSpPr>
+        <p:spPr>
+          <a:xfrm>
+            <a:off x="0" y="-45199"/>
+            <a:ext cx="12522741" cy="1039950"/>
+          </a:xfrm>
+          <a:prstGeom prst="rect">
+            <a:avLst/>
+          </a:prstGeom>
+          <a:solidFill>
+            <a:schemeClr val="bg1"/>
+          </a:solidFill>
+        </p:spPr>
+        <p:txBody>
+          <a:bodyPr vert="horz" lIns="91440" tIns="45720" rIns="91440" bIns="45720" rtlCol="0" anchor="b">
+            <a:normAutofit/>
+          </a:bodyPr>
+          <a:lstStyle>
+            <a:lvl1pPr algn="ctr" defTabSz="914400" rtl="0" eaLnBrk="1" latinLnBrk="0" hangingPunct="1">
+              <a:lnSpc>
+                <a:spcPct val="90000"/>
+              </a:lnSpc>
+              <a:spcBef>
+                <a:spcPct val="0"/>
+              </a:spcBef>
+              <a:buNone/>
+              <a:defRPr sz="6000" kern="1200">
+                <a:solidFill>
+                  <a:schemeClr val="tx1"/>
+                </a:solidFill>
+                <a:latin typeface="+mj-lt"/>
+                <a:ea typeface="+mj-ea"/>
+                <a:cs typeface="+mj-cs"/>
+              </a:defRPr>
+            </a:lvl1pPr>
+          </a:lstStyle>
+          <a:p>
+            <a:pPr algn="l"/>
+            <a:r>
+              <a:rPr lang="en-US" sz="4800" dirty="0">
+                <a:solidFill>
+                  <a:srgbClr val="00359E"/>
+                </a:solidFill>
+                <a:latin typeface="Arial" panose="020B0604020202020204" pitchFamily="34" charset="0"/>
+                <a:cs typeface="Arial" panose="020B0604020202020204" pitchFamily="34" charset="0"/>
+              </a:rPr>
+              <a:t>Bryan Cafferky</a:t>
+            </a:r>
+          </a:p>
+        </p:txBody>
+      </p:sp>
+      <p:pic>
+        <p:nvPicPr>
+          <p:cNvPr id="9" name="Picture 8">
+            <a:extLst>
+              <a:ext uri="{FF2B5EF4-FFF2-40B4-BE49-F238E27FC236}">
+                <a16:creationId xmlns:a16="http://schemas.microsoft.com/office/drawing/2014/main" id="{2A5680D3-BC73-4A87-8A25-1EFB126FE122}"/>
+              </a:ext>
+            </a:extLst>
+          </p:cNvPr>
+          <p:cNvPicPr>
+            <a:picLocks noChangeAspect="1"/>
+          </p:cNvPicPr>
+          <p:nvPr/>
+        </p:nvPicPr>
+        <p:blipFill>
+          <a:blip r:embed="rId4">
+            <a:extLst>
+              <a:ext uri="{28A0092B-C50C-407E-A947-70E740481C1C}">
+                <a14:useLocalDpi xmlns:a14="http://schemas.microsoft.com/office/drawing/2010/main" val="0"/>
+              </a:ext>
+            </a:extLst>
+          </a:blip>
+          <a:stretch>
+            <a:fillRect/>
+          </a:stretch>
+        </p:blipFill>
+        <p:spPr>
+          <a:xfrm>
+            <a:off x="9580046" y="1952547"/>
+            <a:ext cx="1702316" cy="628383"/>
+          </a:xfrm>
+          <a:prstGeom prst="rect">
+            <a:avLst/>
+          </a:prstGeom>
+        </p:spPr>
+      </p:pic>
+      <p:pic>
+        <p:nvPicPr>
+          <p:cNvPr id="10" name="Picture 9">
+            <a:extLst>
+              <a:ext uri="{FF2B5EF4-FFF2-40B4-BE49-F238E27FC236}">
+                <a16:creationId xmlns:a16="http://schemas.microsoft.com/office/drawing/2014/main" id="{A4D015F6-5D52-4325-BEF5-A2A6D2D99078}"/>
+              </a:ext>
+            </a:extLst>
+          </p:cNvPr>
+          <p:cNvPicPr>
+            <a:picLocks noChangeAspect="1"/>
+          </p:cNvPicPr>
+          <p:nvPr/>
+        </p:nvPicPr>
+        <p:blipFill>
+          <a:blip r:embed="rId5">
+            <a:extLst>
+              <a:ext uri="{28A0092B-C50C-407E-A947-70E740481C1C}">
+                <a14:useLocalDpi xmlns:a14="http://schemas.microsoft.com/office/drawing/2010/main" val="0"/>
+              </a:ext>
+            </a:extLst>
+          </a:blip>
+          <a:stretch>
+            <a:fillRect/>
+          </a:stretch>
+        </p:blipFill>
+        <p:spPr>
+          <a:xfrm>
+            <a:off x="9987007" y="2580930"/>
+            <a:ext cx="843239" cy="843239"/>
+          </a:xfrm>
+          <a:prstGeom prst="rect">
+            <a:avLst/>
+          </a:prstGeom>
+        </p:spPr>
+      </p:pic>
+    </p:spTree>
+    <p:extLst>
+      <p:ext uri="{BB962C8B-B14F-4D97-AF65-F5344CB8AC3E}">
+        <p14:creationId xmlns:p14="http://schemas.microsoft.com/office/powerpoint/2010/main" val="3651117982"/>
+      </p:ext>
+    </p:extLst>
+  </p:cSld>
+  <p:clrMapOvr>
+    <a:masterClrMapping/>
+  </p:clrMapOvr>
+</p:sld>
+</file>
+
+<file path=ppt/slides/slide4.xml><?xml version="1.0" encoding="utf-8"?>
+<p:sld xmlns:a="http://schemas.openxmlformats.org/drawingml/2006/main" xmlns:r="http://schemas.openxmlformats.org/officeDocument/2006/relationships" xmlns:p="http://schemas.openxmlformats.org/presentationml/2006/main">
+  <p:cSld>
+    <p:spTree>
+      <p:nvGrpSpPr>
+        <p:cNvPr id="1" name=""/>
+        <p:cNvGrpSpPr/>
+        <p:nvPr/>
+      </p:nvGrpSpPr>
+      <p:grpSpPr>
+        <a:xfrm>
+          <a:off x="0" y="0"/>
+          <a:ext cx="0" cy="0"/>
+          <a:chOff x="0" y="0"/>
+          <a:chExt cx="0" cy="0"/>
+        </a:xfrm>
+      </p:grpSpPr>
+      <p:sp>
+        <p:nvSpPr>
+          <p:cNvPr id="4" name="Rectangle 3"/>
+          <p:cNvSpPr/>
+          <p:nvPr/>
+        </p:nvSpPr>
+        <p:spPr>
+          <a:xfrm>
             <a:off x="0" y="872454"/>
             <a:ext cx="12192000" cy="6123965"/>
           </a:xfrm>
@@ -12481,7 +12994,7 @@
 </p:sld>
 </file>
 
-<file path=ppt/slides/slide4.xml><?xml version="1.0" encoding="utf-8"?>
+<file path=ppt/slides/slide5.xml><?xml version="1.0" encoding="utf-8"?>
 <p:sld xmlns:a="http://schemas.openxmlformats.org/drawingml/2006/main" xmlns:r="http://schemas.openxmlformats.org/officeDocument/2006/relationships" xmlns:p="http://schemas.openxmlformats.org/presentationml/2006/main">
   <p:cSld>
     <p:spTree>
@@ -12954,7 +13467,7 @@
 </p:sld>
 </file>
 
-<file path=ppt/slides/slide5.xml><?xml version="1.0" encoding="utf-8"?>
+<file path=ppt/slides/slide6.xml><?xml version="1.0" encoding="utf-8"?>
 <p:sld xmlns:a="http://schemas.openxmlformats.org/drawingml/2006/main" xmlns:r="http://schemas.openxmlformats.org/officeDocument/2006/relationships" xmlns:p="http://schemas.openxmlformats.org/presentationml/2006/main">
   <p:cSld>
     <p:spTree>
@@ -13411,7 +13924,7 @@
 </p:sld>
 </file>
 
-<file path=ppt/slides/slide6.xml><?xml version="1.0" encoding="utf-8"?>
+<file path=ppt/slides/slide7.xml><?xml version="1.0" encoding="utf-8"?>
 <p:sld xmlns:a="http://schemas.openxmlformats.org/drawingml/2006/main" xmlns:r="http://schemas.openxmlformats.org/officeDocument/2006/relationships" xmlns:p="http://schemas.openxmlformats.org/presentationml/2006/main">
   <p:cSld>
     <p:spTree>
@@ -13848,7 +14361,7 @@
 </p:sld>
 </file>
 
-<file path=ppt/slides/slide7.xml><?xml version="1.0" encoding="utf-8"?>
+<file path=ppt/slides/slide8.xml><?xml version="1.0" encoding="utf-8"?>
 <p:sld xmlns:a="http://schemas.openxmlformats.org/drawingml/2006/main" xmlns:r="http://schemas.openxmlformats.org/officeDocument/2006/relationships" xmlns:p="http://schemas.openxmlformats.org/presentationml/2006/main">
   <p:cSld>
     <p:spTree>
@@ -14318,7 +14831,7 @@
 </p:sld>
 </file>
 
-<file path=ppt/slides/slide8.xml><?xml version="1.0" encoding="utf-8"?>
+<file path=ppt/slides/slide9.xml><?xml version="1.0" encoding="utf-8"?>
 <p:sld xmlns:a="http://schemas.openxmlformats.org/drawingml/2006/main" xmlns:r="http://schemas.openxmlformats.org/officeDocument/2006/relationships" xmlns:p="http://schemas.openxmlformats.org/presentationml/2006/main">
   <p:cSld>
     <p:spTree>
@@ -14567,264 +15080,6 @@
     <p:extLst>
       <p:ext uri="{BB962C8B-B14F-4D97-AF65-F5344CB8AC3E}">
         <p14:creationId xmlns:p14="http://schemas.microsoft.com/office/powerpoint/2010/main" val="1337113255"/>
-      </p:ext>
-    </p:extLst>
-  </p:cSld>
-  <p:clrMapOvr>
-    <a:masterClrMapping/>
-  </p:clrMapOvr>
-</p:sld>
-</file>
-
-<file path=ppt/slides/slide9.xml><?xml version="1.0" encoding="utf-8"?>
-<p:sld xmlns:a="http://schemas.openxmlformats.org/drawingml/2006/main" xmlns:r="http://schemas.openxmlformats.org/officeDocument/2006/relationships" xmlns:p="http://schemas.openxmlformats.org/presentationml/2006/main">
-  <p:cSld>
-    <p:spTree>
-      <p:nvGrpSpPr>
-        <p:cNvPr id="1" name=""/>
-        <p:cNvGrpSpPr/>
-        <p:nvPr/>
-      </p:nvGrpSpPr>
-      <p:grpSpPr>
-        <a:xfrm>
-          <a:off x="0" y="0"/>
-          <a:ext cx="0" cy="0"/>
-          <a:chOff x="0" y="0"/>
-          <a:chExt cx="0" cy="0"/>
-        </a:xfrm>
-      </p:grpSpPr>
-      <p:sp>
-        <p:nvSpPr>
-          <p:cNvPr id="2" name="Rectangle 1">
-            <a:extLst>
-              <a:ext uri="{FF2B5EF4-FFF2-40B4-BE49-F238E27FC236}">
-                <a16:creationId xmlns:a16="http://schemas.microsoft.com/office/drawing/2014/main" id="{466E9656-2788-4BA8-9CE7-EEA26B60BCE2}"/>
-              </a:ext>
-            </a:extLst>
-          </p:cNvPr>
-          <p:cNvSpPr/>
-          <p:nvPr/>
-        </p:nvSpPr>
-        <p:spPr>
-          <a:xfrm>
-            <a:off x="0" y="-18229"/>
-            <a:ext cx="12192000" cy="870012"/>
-          </a:xfrm>
-          <a:prstGeom prst="rect">
-            <a:avLst/>
-          </a:prstGeom>
-          <a:solidFill>
-            <a:srgbClr val="00359E"/>
-          </a:solidFill>
-          <a:ln>
-            <a:solidFill>
-              <a:srgbClr val="00359E"/>
-            </a:solidFill>
-          </a:ln>
-        </p:spPr>
-        <p:style>
-          <a:lnRef idx="2">
-            <a:schemeClr val="accent1">
-              <a:shade val="50000"/>
-            </a:schemeClr>
-          </a:lnRef>
-          <a:fillRef idx="1">
-            <a:schemeClr val="accent1"/>
-          </a:fillRef>
-          <a:effectRef idx="0">
-            <a:schemeClr val="accent1"/>
-          </a:effectRef>
-          <a:fontRef idx="minor">
-            <a:schemeClr val="lt1"/>
-          </a:fontRef>
-        </p:style>
-        <p:txBody>
-          <a:bodyPr rtlCol="0" anchor="ctr"/>
-          <a:lstStyle/>
-          <a:p>
-            <a:pPr algn="ctr"/>
-            <a:endParaRPr lang="en-US"/>
-          </a:p>
-        </p:txBody>
-      </p:sp>
-      <p:sp>
-        <p:nvSpPr>
-          <p:cNvPr id="4" name="Rectangle 3"/>
-          <p:cNvSpPr/>
-          <p:nvPr/>
-        </p:nvSpPr>
-        <p:spPr>
-          <a:xfrm>
-            <a:off x="0" y="851783"/>
-            <a:ext cx="12192000" cy="6123965"/>
-          </a:xfrm>
-          <a:prstGeom prst="rect">
-            <a:avLst/>
-          </a:prstGeom>
-          <a:solidFill>
-            <a:srgbClr val="00359E"/>
-          </a:solidFill>
-          <a:ln>
-            <a:solidFill>
-              <a:srgbClr val="00359E"/>
-            </a:solidFill>
-          </a:ln>
-        </p:spPr>
-        <p:style>
-          <a:lnRef idx="2">
-            <a:schemeClr val="accent1">
-              <a:shade val="50000"/>
-            </a:schemeClr>
-          </a:lnRef>
-          <a:fillRef idx="1">
-            <a:schemeClr val="accent1"/>
-          </a:fillRef>
-          <a:effectRef idx="0">
-            <a:schemeClr val="accent1"/>
-          </a:effectRef>
-          <a:fontRef idx="minor">
-            <a:schemeClr val="lt1"/>
-          </a:fontRef>
-        </p:style>
-        <p:txBody>
-          <a:bodyPr rtlCol="0" anchor="ctr"/>
-          <a:lstStyle/>
-          <a:p>
-            <a:pPr algn="ctr"/>
-            <a:endParaRPr lang="en-US" sz="4000" dirty="0">
-              <a:solidFill>
-                <a:schemeClr val="bg1"/>
-              </a:solidFill>
-              <a:latin typeface="Arial" panose="020B0604020202020204" pitchFamily="34" charset="0"/>
-              <a:cs typeface="Arial" panose="020B0604020202020204" pitchFamily="34" charset="0"/>
-            </a:endParaRPr>
-          </a:p>
-        </p:txBody>
-      </p:sp>
-      <p:sp>
-        <p:nvSpPr>
-          <p:cNvPr id="6" name="Title 3"/>
-          <p:cNvSpPr txBox="1">
-            <a:spLocks/>
-          </p:cNvSpPr>
-          <p:nvPr/>
-        </p:nvSpPr>
-        <p:spPr>
-          <a:xfrm>
-            <a:off x="0" y="59324"/>
-            <a:ext cx="12192000" cy="792459"/>
-          </a:xfrm>
-          <a:prstGeom prst="rect">
-            <a:avLst/>
-          </a:prstGeom>
-        </p:spPr>
-        <p:txBody>
-          <a:bodyPr vert="horz" lIns="91440" tIns="45720" rIns="91440" bIns="45720" rtlCol="0" anchor="b">
-            <a:normAutofit/>
-          </a:bodyPr>
-          <a:lstStyle>
-            <a:lvl1pPr algn="ctr" defTabSz="914400" rtl="0" eaLnBrk="1" latinLnBrk="0" hangingPunct="1">
-              <a:lnSpc>
-                <a:spcPct val="90000"/>
-              </a:lnSpc>
-              <a:spcBef>
-                <a:spcPct val="0"/>
-              </a:spcBef>
-              <a:buNone/>
-              <a:defRPr sz="6000" kern="1200">
-                <a:solidFill>
-                  <a:schemeClr val="tx1"/>
-                </a:solidFill>
-                <a:latin typeface="+mj-lt"/>
-                <a:ea typeface="+mj-ea"/>
-                <a:cs typeface="+mj-cs"/>
-              </a:defRPr>
-            </a:lvl1pPr>
-          </a:lstStyle>
-          <a:p>
-            <a:r>
-              <a:rPr lang="en-US" sz="4000" dirty="0">
-                <a:solidFill>
-                  <a:schemeClr val="bg1"/>
-                </a:solidFill>
-                <a:latin typeface="Arial Rounded MT Bold" panose="020F0704030504030204" pitchFamily="34" charset="0"/>
-              </a:rPr>
-              <a:t>Azure Hybrid Runbook Worker</a:t>
-            </a:r>
-          </a:p>
-        </p:txBody>
-      </p:sp>
-      <p:pic>
-        <p:nvPicPr>
-          <p:cNvPr id="7" name="Picture 6">
-            <a:extLst>
-              <a:ext uri="{FF2B5EF4-FFF2-40B4-BE49-F238E27FC236}">
-                <a16:creationId xmlns:a16="http://schemas.microsoft.com/office/drawing/2014/main" id="{D3EB526B-FBDD-4D54-9D57-7B58C251D1F7}"/>
-              </a:ext>
-            </a:extLst>
-          </p:cNvPr>
-          <p:cNvPicPr>
-            <a:picLocks noChangeAspect="1"/>
-          </p:cNvPicPr>
-          <p:nvPr/>
-        </p:nvPicPr>
-        <p:blipFill>
-          <a:blip r:embed="rId3"/>
-          <a:stretch>
-            <a:fillRect/>
-          </a:stretch>
-        </p:blipFill>
-        <p:spPr>
-          <a:xfrm>
-            <a:off x="1778466" y="1173280"/>
-            <a:ext cx="8086900" cy="4832936"/>
-          </a:xfrm>
-          <a:prstGeom prst="rect">
-            <a:avLst/>
-          </a:prstGeom>
-        </p:spPr>
-      </p:pic>
-      <p:sp>
-        <p:nvSpPr>
-          <p:cNvPr id="8" name="Rectangle 7">
-            <a:extLst>
-              <a:ext uri="{FF2B5EF4-FFF2-40B4-BE49-F238E27FC236}">
-                <a16:creationId xmlns:a16="http://schemas.microsoft.com/office/drawing/2014/main" id="{6742449E-5722-4250-84B3-BB4C9F5B07A2}"/>
-              </a:ext>
-            </a:extLst>
-          </p:cNvPr>
-          <p:cNvSpPr/>
-          <p:nvPr/>
-        </p:nvSpPr>
-        <p:spPr>
-          <a:xfrm>
-            <a:off x="1680594" y="6327713"/>
-            <a:ext cx="10726723" cy="369332"/>
-          </a:xfrm>
-          <a:prstGeom prst="rect">
-            <a:avLst/>
-          </a:prstGeom>
-        </p:spPr>
-        <p:txBody>
-          <a:bodyPr wrap="square">
-            <a:spAutoFit/>
-          </a:bodyPr>
-          <a:lstStyle/>
-          <a:p>
-            <a:r>
-              <a:rPr lang="en-US" dirty="0">
-                <a:hlinkClick r:id="rId4"/>
-              </a:rPr>
-              <a:t>https://docs.microsoft.com/en-us/azure/automation/automation-hybrid-runbook-worker</a:t>
-            </a:r>
-            <a:endParaRPr lang="en-US" dirty="0"/>
-          </a:p>
-        </p:txBody>
-      </p:sp>
-    </p:spTree>
-    <p:extLst>
-      <p:ext uri="{BB962C8B-B14F-4D97-AF65-F5344CB8AC3E}">
-        <p14:creationId xmlns:p14="http://schemas.microsoft.com/office/powerpoint/2010/main" val="2399560839"/>
       </p:ext>
     </p:extLst>
   </p:cSld>
